--- a/Lectures/Lecture3/lesson 3.pptx
+++ b/Lectures/Lecture3/lesson 3.pptx
@@ -2,27 +2,27 @@
 <file path=ppt/presentation.xml><?xml version="1.0" encoding="utf-8"?>
 <p:presentation xmlns:a="http://schemas.openxmlformats.org/drawingml/2006/main" xmlns:r="http://schemas.openxmlformats.org/officeDocument/2006/relationships" xmlns:p="http://schemas.openxmlformats.org/presentationml/2006/main">
   <p:sldMasterIdLst>
-    <p:sldMasterId id="2147483648" r:id="rId1"/>
+    <p:sldMasterId id="2147483648" r:id="rId5"/>
   </p:sldMasterIdLst>
   <p:notesMasterIdLst>
-    <p:notesMasterId r:id="rId15"/>
+    <p:notesMasterId r:id="rId7"/>
   </p:notesMasterIdLst>
   <p:sldIdLst>
-    <p:sldId id="256" r:id="rId2"/>
-    <p:sldId id="257" r:id="rId3"/>
-    <p:sldId id="258" r:id="rId4"/>
-    <p:sldId id="259" r:id="rId5"/>
-    <p:sldId id="260" r:id="rId6"/>
-    <p:sldId id="268" r:id="rId7"/>
-    <p:sldId id="261" r:id="rId8"/>
-    <p:sldId id="262" r:id="rId9"/>
-    <p:sldId id="263" r:id="rId10"/>
-    <p:sldId id="264" r:id="rId11"/>
-    <p:sldId id="266" r:id="rId12"/>
-    <p:sldId id="265" r:id="rId13"/>
-    <p:sldId id="267" r:id="rId14"/>
+    <p:sldId id="256" r:id="rId8"/>
+    <p:sldId id="257" r:id="rId9"/>
+    <p:sldId id="258" r:id="rId10"/>
+    <p:sldId id="259" r:id="rId11"/>
+    <p:sldId id="260" r:id="rId12"/>
+    <p:sldId id="261" r:id="rId13"/>
+    <p:sldId id="262" r:id="rId14"/>
+    <p:sldId id="263" r:id="rId15"/>
+    <p:sldId id="264" r:id="rId16"/>
+    <p:sldId id="265" r:id="rId17"/>
+    <p:sldId id="266" r:id="rId18"/>
+    <p:sldId id="267" r:id="rId19"/>
+    <p:sldId id="268" r:id="rId20"/>
   </p:sldIdLst>
-  <p:sldSz cx="9144000" cy="6858000" type="screen4x3"/>
+  <p:sldSz cx="9144000" cy="6858000"/>
   <p:notesSz cx="6858000" cy="9144000"/>
   <p:defaultTextStyle>
     <a:defPPr marL="0" marR="0" indent="0" algn="l" defTabSz="914400" rtl="0" fontAlgn="auto" latinLnBrk="1" hangingPunct="0">
@@ -40,7 +40,7 @@
       <a:buFontTx/>
       <a:buNone/>
       <a:tabLst/>
-      <a:defRPr kumimoji="0" sz="1800" b="0" i="0" u="none" strike="noStrike" cap="none" spc="0" normalizeH="0" baseline="0">
+      <a:defRPr b="0" baseline="0" cap="none" i="0" spc="0" strike="noStrike" sz="1800" u="none" kumimoji="0" normalizeH="0">
         <a:ln>
           <a:noFill/>
         </a:ln>
@@ -66,7 +66,7 @@
       <a:buFontTx/>
       <a:buNone/>
       <a:tabLst/>
-      <a:defRPr kumimoji="0" sz="1800" b="0" i="0" u="none" strike="noStrike" cap="none" spc="0" normalizeH="0" baseline="0">
+      <a:defRPr b="0" baseline="0" cap="none" i="0" spc="0" strike="noStrike" sz="1800" u="none" kumimoji="0" normalizeH="0">
         <a:ln>
           <a:noFill/>
         </a:ln>
@@ -78,10 +78,10 @@
         <a:latin typeface="+mj-lt"/>
         <a:ea typeface="+mj-ea"/>
         <a:cs typeface="+mj-cs"/>
-        <a:sym typeface="Calibri"/>
+        <a:sym typeface="Helvetica"/>
       </a:defRPr>
     </a:lvl1pPr>
-    <a:lvl2pPr marL="0" marR="0" indent="457200" algn="l" defTabSz="457200" rtl="0" fontAlgn="auto" latinLnBrk="0" hangingPunct="0">
+    <a:lvl2pPr marL="0" marR="0" indent="0" algn="l" defTabSz="457200" rtl="0" fontAlgn="auto" latinLnBrk="0" hangingPunct="0">
       <a:lnSpc>
         <a:spcPct val="100000"/>
       </a:lnSpc>
@@ -96,7 +96,7 @@
       <a:buFontTx/>
       <a:buNone/>
       <a:tabLst/>
-      <a:defRPr kumimoji="0" sz="1800" b="0" i="0" u="none" strike="noStrike" cap="none" spc="0" normalizeH="0" baseline="0">
+      <a:defRPr b="0" baseline="0" cap="none" i="0" spc="0" strike="noStrike" sz="1800" u="none" kumimoji="0" normalizeH="0">
         <a:ln>
           <a:noFill/>
         </a:ln>
@@ -108,10 +108,10 @@
         <a:latin typeface="+mj-lt"/>
         <a:ea typeface="+mj-ea"/>
         <a:cs typeface="+mj-cs"/>
-        <a:sym typeface="Calibri"/>
+        <a:sym typeface="Helvetica"/>
       </a:defRPr>
     </a:lvl2pPr>
-    <a:lvl3pPr marL="0" marR="0" indent="914400" algn="l" defTabSz="457200" rtl="0" fontAlgn="auto" latinLnBrk="0" hangingPunct="0">
+    <a:lvl3pPr marL="0" marR="0" indent="0" algn="l" defTabSz="457200" rtl="0" fontAlgn="auto" latinLnBrk="0" hangingPunct="0">
       <a:lnSpc>
         <a:spcPct val="100000"/>
       </a:lnSpc>
@@ -126,7 +126,7 @@
       <a:buFontTx/>
       <a:buNone/>
       <a:tabLst/>
-      <a:defRPr kumimoji="0" sz="1800" b="0" i="0" u="none" strike="noStrike" cap="none" spc="0" normalizeH="0" baseline="0">
+      <a:defRPr b="0" baseline="0" cap="none" i="0" spc="0" strike="noStrike" sz="1800" u="none" kumimoji="0" normalizeH="0">
         <a:ln>
           <a:noFill/>
         </a:ln>
@@ -138,10 +138,10 @@
         <a:latin typeface="+mj-lt"/>
         <a:ea typeface="+mj-ea"/>
         <a:cs typeface="+mj-cs"/>
-        <a:sym typeface="Calibri"/>
+        <a:sym typeface="Helvetica"/>
       </a:defRPr>
     </a:lvl3pPr>
-    <a:lvl4pPr marL="0" marR="0" indent="1371600" algn="l" defTabSz="457200" rtl="0" fontAlgn="auto" latinLnBrk="0" hangingPunct="0">
+    <a:lvl4pPr marL="0" marR="0" indent="0" algn="l" defTabSz="457200" rtl="0" fontAlgn="auto" latinLnBrk="0" hangingPunct="0">
       <a:lnSpc>
         <a:spcPct val="100000"/>
       </a:lnSpc>
@@ -156,7 +156,7 @@
       <a:buFontTx/>
       <a:buNone/>
       <a:tabLst/>
-      <a:defRPr kumimoji="0" sz="1800" b="0" i="0" u="none" strike="noStrike" cap="none" spc="0" normalizeH="0" baseline="0">
+      <a:defRPr b="0" baseline="0" cap="none" i="0" spc="0" strike="noStrike" sz="1800" u="none" kumimoji="0" normalizeH="0">
         <a:ln>
           <a:noFill/>
         </a:ln>
@@ -168,10 +168,10 @@
         <a:latin typeface="+mj-lt"/>
         <a:ea typeface="+mj-ea"/>
         <a:cs typeface="+mj-cs"/>
-        <a:sym typeface="Calibri"/>
+        <a:sym typeface="Helvetica"/>
       </a:defRPr>
     </a:lvl4pPr>
-    <a:lvl5pPr marL="0" marR="0" indent="1828800" algn="l" defTabSz="457200" rtl="0" fontAlgn="auto" latinLnBrk="0" hangingPunct="0">
+    <a:lvl5pPr marL="0" marR="0" indent="0" algn="l" defTabSz="457200" rtl="0" fontAlgn="auto" latinLnBrk="0" hangingPunct="0">
       <a:lnSpc>
         <a:spcPct val="100000"/>
       </a:lnSpc>
@@ -186,7 +186,7 @@
       <a:buFontTx/>
       <a:buNone/>
       <a:tabLst/>
-      <a:defRPr kumimoji="0" sz="1800" b="0" i="0" u="none" strike="noStrike" cap="none" spc="0" normalizeH="0" baseline="0">
+      <a:defRPr b="0" baseline="0" cap="none" i="0" spc="0" strike="noStrike" sz="1800" u="none" kumimoji="0" normalizeH="0">
         <a:ln>
           <a:noFill/>
         </a:ln>
@@ -198,10 +198,10 @@
         <a:latin typeface="+mj-lt"/>
         <a:ea typeface="+mj-ea"/>
         <a:cs typeface="+mj-cs"/>
-        <a:sym typeface="Calibri"/>
+        <a:sym typeface="Helvetica"/>
       </a:defRPr>
     </a:lvl5pPr>
-    <a:lvl6pPr marL="0" marR="0" indent="2286000" algn="l" defTabSz="457200" rtl="0" fontAlgn="auto" latinLnBrk="0" hangingPunct="0">
+    <a:lvl6pPr marL="0" marR="0" indent="0" algn="l" defTabSz="457200" rtl="0" fontAlgn="auto" latinLnBrk="0" hangingPunct="0">
       <a:lnSpc>
         <a:spcPct val="100000"/>
       </a:lnSpc>
@@ -216,7 +216,7 @@
       <a:buFontTx/>
       <a:buNone/>
       <a:tabLst/>
-      <a:defRPr kumimoji="0" sz="1800" b="0" i="0" u="none" strike="noStrike" cap="none" spc="0" normalizeH="0" baseline="0">
+      <a:defRPr b="0" baseline="0" cap="none" i="0" spc="0" strike="noStrike" sz="1800" u="none" kumimoji="0" normalizeH="0">
         <a:ln>
           <a:noFill/>
         </a:ln>
@@ -228,10 +228,10 @@
         <a:latin typeface="+mj-lt"/>
         <a:ea typeface="+mj-ea"/>
         <a:cs typeface="+mj-cs"/>
-        <a:sym typeface="Calibri"/>
+        <a:sym typeface="Helvetica"/>
       </a:defRPr>
     </a:lvl6pPr>
-    <a:lvl7pPr marL="0" marR="0" indent="2743200" algn="l" defTabSz="457200" rtl="0" fontAlgn="auto" latinLnBrk="0" hangingPunct="0">
+    <a:lvl7pPr marL="0" marR="0" indent="0" algn="l" defTabSz="457200" rtl="0" fontAlgn="auto" latinLnBrk="0" hangingPunct="0">
       <a:lnSpc>
         <a:spcPct val="100000"/>
       </a:lnSpc>
@@ -246,7 +246,7 @@
       <a:buFontTx/>
       <a:buNone/>
       <a:tabLst/>
-      <a:defRPr kumimoji="0" sz="1800" b="0" i="0" u="none" strike="noStrike" cap="none" spc="0" normalizeH="0" baseline="0">
+      <a:defRPr b="0" baseline="0" cap="none" i="0" spc="0" strike="noStrike" sz="1800" u="none" kumimoji="0" normalizeH="0">
         <a:ln>
           <a:noFill/>
         </a:ln>
@@ -258,10 +258,10 @@
         <a:latin typeface="+mj-lt"/>
         <a:ea typeface="+mj-ea"/>
         <a:cs typeface="+mj-cs"/>
-        <a:sym typeface="Calibri"/>
+        <a:sym typeface="Helvetica"/>
       </a:defRPr>
     </a:lvl7pPr>
-    <a:lvl8pPr marL="0" marR="0" indent="3200400" algn="l" defTabSz="457200" rtl="0" fontAlgn="auto" latinLnBrk="0" hangingPunct="0">
+    <a:lvl8pPr marL="0" marR="0" indent="0" algn="l" defTabSz="457200" rtl="0" fontAlgn="auto" latinLnBrk="0" hangingPunct="0">
       <a:lnSpc>
         <a:spcPct val="100000"/>
       </a:lnSpc>
@@ -276,7 +276,7 @@
       <a:buFontTx/>
       <a:buNone/>
       <a:tabLst/>
-      <a:defRPr kumimoji="0" sz="1800" b="0" i="0" u="none" strike="noStrike" cap="none" spc="0" normalizeH="0" baseline="0">
+      <a:defRPr b="0" baseline="0" cap="none" i="0" spc="0" strike="noStrike" sz="1800" u="none" kumimoji="0" normalizeH="0">
         <a:ln>
           <a:noFill/>
         </a:ln>
@@ -288,10 +288,10 @@
         <a:latin typeface="+mj-lt"/>
         <a:ea typeface="+mj-ea"/>
         <a:cs typeface="+mj-cs"/>
-        <a:sym typeface="Calibri"/>
+        <a:sym typeface="Helvetica"/>
       </a:defRPr>
     </a:lvl8pPr>
-    <a:lvl9pPr marL="0" marR="0" indent="3657600" algn="l" defTabSz="457200" rtl="0" fontAlgn="auto" latinLnBrk="0" hangingPunct="0">
+    <a:lvl9pPr marL="0" marR="0" indent="0" algn="l" defTabSz="457200" rtl="0" fontAlgn="auto" latinLnBrk="0" hangingPunct="0">
       <a:lnSpc>
         <a:spcPct val="100000"/>
       </a:lnSpc>
@@ -306,7 +306,7 @@
       <a:buFontTx/>
       <a:buNone/>
       <a:tabLst/>
-      <a:defRPr kumimoji="0" sz="1800" b="0" i="0" u="none" strike="noStrike" cap="none" spc="0" normalizeH="0" baseline="0">
+      <a:defRPr b="0" baseline="0" cap="none" i="0" spc="0" strike="noStrike" sz="1800" u="none" kumimoji="0" normalizeH="0">
         <a:ln>
           <a:noFill/>
         </a:ln>
@@ -318,30 +318,20 @@
         <a:latin typeface="+mj-lt"/>
         <a:ea typeface="+mj-ea"/>
         <a:cs typeface="+mj-cs"/>
-        <a:sym typeface="Calibri"/>
+        <a:sym typeface="Helvetica"/>
       </a:defRPr>
     </a:lvl9pPr>
   </p:defaultTextStyle>
-  <p:extLst>
-    <p:ext uri="{EFAFB233-063F-42B5-8137-9DF3F51BA10A}">
-      <p15:sldGuideLst xmlns:p15="http://schemas.microsoft.com/office/powerpoint/2012/main"/>
-    </p:ext>
-  </p:extLst>
 </p:presentation>
 </file>
 
-<file path=ppt/revisionInfo.xml><?xml version="1.0" encoding="utf-8"?>
-<p1510:revInfo xmlns:a="http://schemas.openxmlformats.org/drawingml/2006/main" xmlns:r="http://schemas.openxmlformats.org/officeDocument/2006/relationships" xmlns:p1510="http://schemas.microsoft.com/office/powerpoint/2015/10/main"/>
+<file path=ppt/commentAuthors.xml><?xml version="1.0" encoding="utf-8"?>
+<p:cmAuthorLst xmlns:a="http://schemas.openxmlformats.org/drawingml/2006/main" xmlns:r="http://schemas.openxmlformats.org/officeDocument/2006/relationships" xmlns:p="http://schemas.openxmlformats.org/presentationml/2006/main"/>
 </file>
 
 <file path=ppt/notesMasters/notesMaster1.xml><?xml version="1.0" encoding="utf-8"?>
 <p:notesMaster xmlns:a="http://schemas.openxmlformats.org/drawingml/2006/main" xmlns:r="http://schemas.openxmlformats.org/officeDocument/2006/relationships" xmlns:p="http://schemas.openxmlformats.org/presentationml/2006/main">
   <p:cSld>
-    <p:bg>
-      <p:bgRef idx="1001">
-        <a:schemeClr val="bg1"/>
-      </p:bgRef>
-    </p:bg>
     <p:spTree>
       <p:nvGrpSpPr>
         <p:cNvPr id="1" name=""/>
@@ -359,9 +349,7 @@
       <p:sp>
         <p:nvSpPr>
           <p:cNvPr id="109" name="Shape 109"/>
-          <p:cNvSpPr>
-            <a:spLocks noGrp="1" noRot="1" noChangeAspect="1"/>
-          </p:cNvSpPr>
+          <p:cNvSpPr/>
           <p:nvPr>
             <p:ph type="sldImg"/>
           </p:nvPr>
@@ -379,16 +367,14 @@
           <a:bodyPr/>
           <a:lstStyle/>
           <a:p>
-            <a:endParaRPr/>
+            <a:pPr/>
           </a:p>
         </p:txBody>
       </p:sp>
       <p:sp>
         <p:nvSpPr>
           <p:cNvPr id="110" name="Shape 110"/>
-          <p:cNvSpPr>
-            <a:spLocks noGrp="1"/>
-          </p:cNvSpPr>
+          <p:cNvSpPr/>
           <p:nvPr>
             <p:ph type="body" sz="quarter" idx="1"/>
           </p:nvPr>
@@ -406,7 +392,7 @@
           <a:bodyPr/>
           <a:lstStyle/>
           <a:p>
-            <a:endParaRPr/>
+            <a:pPr/>
           </a:p>
         </p:txBody>
       </p:sp>
@@ -416,73 +402,73 @@
   <p:notesStyle>
     <a:lvl1pPr defTabSz="457200" latinLnBrk="0">
       <a:defRPr sz="1200">
-        <a:latin typeface="+mj-lt"/>
-        <a:ea typeface="+mj-ea"/>
-        <a:cs typeface="+mj-cs"/>
+        <a:latin typeface="+mn-lt"/>
+        <a:ea typeface="+mn-ea"/>
+        <a:cs typeface="+mn-cs"/>
         <a:sym typeface="Calibri"/>
       </a:defRPr>
     </a:lvl1pPr>
     <a:lvl2pPr indent="228600" defTabSz="457200" latinLnBrk="0">
       <a:defRPr sz="1200">
-        <a:latin typeface="+mj-lt"/>
-        <a:ea typeface="+mj-ea"/>
-        <a:cs typeface="+mj-cs"/>
+        <a:latin typeface="+mn-lt"/>
+        <a:ea typeface="+mn-ea"/>
+        <a:cs typeface="+mn-cs"/>
         <a:sym typeface="Calibri"/>
       </a:defRPr>
     </a:lvl2pPr>
     <a:lvl3pPr indent="457200" defTabSz="457200" latinLnBrk="0">
       <a:defRPr sz="1200">
-        <a:latin typeface="+mj-lt"/>
-        <a:ea typeface="+mj-ea"/>
-        <a:cs typeface="+mj-cs"/>
+        <a:latin typeface="+mn-lt"/>
+        <a:ea typeface="+mn-ea"/>
+        <a:cs typeface="+mn-cs"/>
         <a:sym typeface="Calibri"/>
       </a:defRPr>
     </a:lvl3pPr>
     <a:lvl4pPr indent="685800" defTabSz="457200" latinLnBrk="0">
       <a:defRPr sz="1200">
-        <a:latin typeface="+mj-lt"/>
-        <a:ea typeface="+mj-ea"/>
-        <a:cs typeface="+mj-cs"/>
+        <a:latin typeface="+mn-lt"/>
+        <a:ea typeface="+mn-ea"/>
+        <a:cs typeface="+mn-cs"/>
         <a:sym typeface="Calibri"/>
       </a:defRPr>
     </a:lvl4pPr>
     <a:lvl5pPr indent="914400" defTabSz="457200" latinLnBrk="0">
       <a:defRPr sz="1200">
-        <a:latin typeface="+mj-lt"/>
-        <a:ea typeface="+mj-ea"/>
-        <a:cs typeface="+mj-cs"/>
+        <a:latin typeface="+mn-lt"/>
+        <a:ea typeface="+mn-ea"/>
+        <a:cs typeface="+mn-cs"/>
         <a:sym typeface="Calibri"/>
       </a:defRPr>
     </a:lvl5pPr>
     <a:lvl6pPr indent="1143000" defTabSz="457200" latinLnBrk="0">
       <a:defRPr sz="1200">
-        <a:latin typeface="+mj-lt"/>
-        <a:ea typeface="+mj-ea"/>
-        <a:cs typeface="+mj-cs"/>
+        <a:latin typeface="+mn-lt"/>
+        <a:ea typeface="+mn-ea"/>
+        <a:cs typeface="+mn-cs"/>
         <a:sym typeface="Calibri"/>
       </a:defRPr>
     </a:lvl6pPr>
     <a:lvl7pPr indent="1371600" defTabSz="457200" latinLnBrk="0">
       <a:defRPr sz="1200">
-        <a:latin typeface="+mj-lt"/>
-        <a:ea typeface="+mj-ea"/>
-        <a:cs typeface="+mj-cs"/>
+        <a:latin typeface="+mn-lt"/>
+        <a:ea typeface="+mn-ea"/>
+        <a:cs typeface="+mn-cs"/>
         <a:sym typeface="Calibri"/>
       </a:defRPr>
     </a:lvl7pPr>
     <a:lvl8pPr indent="1600200" defTabSz="457200" latinLnBrk="0">
       <a:defRPr sz="1200">
-        <a:latin typeface="+mj-lt"/>
-        <a:ea typeface="+mj-ea"/>
-        <a:cs typeface="+mj-cs"/>
+        <a:latin typeface="+mn-lt"/>
+        <a:ea typeface="+mn-ea"/>
+        <a:cs typeface="+mn-cs"/>
         <a:sym typeface="Calibri"/>
       </a:defRPr>
     </a:lvl8pPr>
     <a:lvl9pPr indent="1828800" defTabSz="457200" latinLnBrk="0">
       <a:defRPr sz="1200">
-        <a:latin typeface="+mj-lt"/>
-        <a:ea typeface="+mj-ea"/>
-        <a:cs typeface="+mj-cs"/>
+        <a:latin typeface="+mn-lt"/>
+        <a:ea typeface="+mn-ea"/>
+        <a:cs typeface="+mn-cs"/>
         <a:sym typeface="Calibri"/>
       </a:defRPr>
     </a:lvl9pPr>
@@ -491,7 +477,7 @@
 </file>
 
 <file path=ppt/slideLayouts/slideLayout1.xml><?xml version="1.0" encoding="utf-8"?>
-<p:sldLayout xmlns:a="http://schemas.openxmlformats.org/drawingml/2006/main" xmlns:r="http://schemas.openxmlformats.org/officeDocument/2006/relationships" xmlns:p="http://schemas.openxmlformats.org/presentationml/2006/main" type="title">
+<p:sldLayout xmlns:a="http://schemas.openxmlformats.org/drawingml/2006/main" xmlns:r="http://schemas.openxmlformats.org/officeDocument/2006/relationships" xmlns:p="http://schemas.openxmlformats.org/presentationml/2006/main" type="title" showMasterSp="1" showMasterPhAnim="1">
   <p:cSld name="Title Slide">
     <p:spTree>
       <p:nvGrpSpPr>
@@ -510,9 +496,7 @@
       <p:sp>
         <p:nvSpPr>
           <p:cNvPr id="11" name="Title Text"/>
-          <p:cNvSpPr txBox="1">
-            <a:spLocks noGrp="1"/>
-          </p:cNvSpPr>
+          <p:cNvSpPr txBox="1"/>
           <p:nvPr>
             <p:ph type="title"/>
           </p:nvPr>
@@ -530,6 +514,7 @@
           <a:bodyPr/>
           <a:lstStyle/>
           <a:p>
+            <a:pPr/>
             <a:r>
               <a:t>Title Text</a:t>
             </a:r>
@@ -539,9 +524,7 @@
       <p:sp>
         <p:nvSpPr>
           <p:cNvPr id="12" name="Body Level One…"/>
-          <p:cNvSpPr txBox="1">
-            <a:spLocks noGrp="1"/>
-          </p:cNvSpPr>
+          <p:cNvSpPr txBox="1"/>
           <p:nvPr>
             <p:ph type="body" sz="quarter" idx="1"/>
           </p:nvPr>
@@ -568,7 +551,7 @@
                 </a:solidFill>
               </a:defRPr>
             </a:lvl1pPr>
-            <a:lvl2pPr marL="0" indent="457200" algn="ctr">
+            <a:lvl2pPr marL="0" indent="0" algn="ctr">
               <a:buSzTx/>
               <a:buFontTx/>
               <a:buNone/>
@@ -578,7 +561,7 @@
                 </a:solidFill>
               </a:defRPr>
             </a:lvl2pPr>
-            <a:lvl3pPr marL="0" indent="914400" algn="ctr">
+            <a:lvl3pPr marL="0" indent="0" algn="ctr">
               <a:buSzTx/>
               <a:buFontTx/>
               <a:buNone/>
@@ -588,7 +571,7 @@
                 </a:solidFill>
               </a:defRPr>
             </a:lvl3pPr>
-            <a:lvl4pPr marL="0" indent="1371600" algn="ctr">
+            <a:lvl4pPr marL="0" indent="0" algn="ctr">
               <a:buSzTx/>
               <a:buFontTx/>
               <a:buNone/>
@@ -598,7 +581,7 @@
                 </a:solidFill>
               </a:defRPr>
             </a:lvl4pPr>
-            <a:lvl5pPr marL="0" indent="1828800" algn="ctr">
+            <a:lvl5pPr marL="0" indent="0" algn="ctr">
               <a:buSzTx/>
               <a:buFontTx/>
               <a:buNone/>
@@ -610,6 +593,7 @@
             </a:lvl5pPr>
           </a:lstStyle>
           <a:p>
+            <a:pPr/>
             <a:r>
               <a:t>Body Level One</a:t>
             </a:r>
@@ -643,9 +627,7 @@
       <p:sp>
         <p:nvSpPr>
           <p:cNvPr id="13" name="Slide Number"/>
-          <p:cNvSpPr txBox="1">
-            <a:spLocks noGrp="1"/>
-          </p:cNvSpPr>
+          <p:cNvSpPr txBox="1"/>
           <p:nvPr>
             <p:ph type="sldNum" sz="quarter" idx="2"/>
           </p:nvPr>
@@ -659,10 +641,8 @@
           <a:bodyPr/>
           <a:lstStyle/>
           <a:p>
-            <a:fld id="{86CB4B4D-7CA3-9044-876B-883B54F8677D}" type="slidenum">
-              <a:t>‹#›</a:t>
-            </a:fld>
-            <a:endParaRPr/>
+            <a:pPr/>
+            <a:fld id="{86CB4B4D-7CA3-9044-876B-883B54F8677D}" type="slidenum"/>
           </a:p>
         </p:txBody>
       </p:sp>
@@ -671,12 +651,12 @@
   <p:clrMapOvr>
     <a:masterClrMapping/>
   </p:clrMapOvr>
-  <p:transition spd="med"/>
+  <p:transition xmlns:p14="http://schemas.microsoft.com/office/powerpoint/2010/main" spd="med" advClick="1"/>
 </p:sldLayout>
 </file>
 
 <file path=ppt/slideLayouts/slideLayout10.xml><?xml version="1.0" encoding="utf-8"?>
-<p:sldLayout xmlns:a="http://schemas.openxmlformats.org/drawingml/2006/main" xmlns:r="http://schemas.openxmlformats.org/officeDocument/2006/relationships" xmlns:p="http://schemas.openxmlformats.org/presentationml/2006/main" type="tx">
+<p:sldLayout xmlns:a="http://schemas.openxmlformats.org/drawingml/2006/main" xmlns:r="http://schemas.openxmlformats.org/officeDocument/2006/relationships" xmlns:p="http://schemas.openxmlformats.org/presentationml/2006/main" type="tx" showMasterSp="1" showMasterPhAnim="1">
   <p:cSld name="Title and Vertical Text">
     <p:spTree>
       <p:nvGrpSpPr>
@@ -695,9 +675,7 @@
       <p:sp>
         <p:nvSpPr>
           <p:cNvPr id="92" name="Title Text"/>
-          <p:cNvSpPr txBox="1">
-            <a:spLocks noGrp="1"/>
-          </p:cNvSpPr>
+          <p:cNvSpPr txBox="1"/>
           <p:nvPr>
             <p:ph type="title"/>
           </p:nvPr>
@@ -711,6 +689,7 @@
           <a:bodyPr/>
           <a:lstStyle/>
           <a:p>
+            <a:pPr/>
             <a:r>
               <a:t>Title Text</a:t>
             </a:r>
@@ -720,9 +699,7 @@
       <p:sp>
         <p:nvSpPr>
           <p:cNvPr id="93" name="Body Level One…"/>
-          <p:cNvSpPr txBox="1">
-            <a:spLocks noGrp="1"/>
-          </p:cNvSpPr>
+          <p:cNvSpPr txBox="1"/>
           <p:nvPr>
             <p:ph type="body" idx="1"/>
           </p:nvPr>
@@ -736,6 +713,7 @@
           <a:bodyPr/>
           <a:lstStyle/>
           <a:p>
+            <a:pPr/>
             <a:r>
               <a:t>Body Level One</a:t>
             </a:r>
@@ -769,9 +747,7 @@
       <p:sp>
         <p:nvSpPr>
           <p:cNvPr id="94" name="Slide Number"/>
-          <p:cNvSpPr txBox="1">
-            <a:spLocks noGrp="1"/>
-          </p:cNvSpPr>
+          <p:cNvSpPr txBox="1"/>
           <p:nvPr>
             <p:ph type="sldNum" sz="quarter" idx="2"/>
           </p:nvPr>
@@ -785,10 +761,8 @@
           <a:bodyPr/>
           <a:lstStyle/>
           <a:p>
-            <a:fld id="{86CB4B4D-7CA3-9044-876B-883B54F8677D}" type="slidenum">
-              <a:t>‹#›</a:t>
-            </a:fld>
-            <a:endParaRPr/>
+            <a:pPr/>
+            <a:fld id="{86CB4B4D-7CA3-9044-876B-883B54F8677D}" type="slidenum"/>
           </a:p>
         </p:txBody>
       </p:sp>
@@ -797,12 +771,12 @@
   <p:clrMapOvr>
     <a:masterClrMapping/>
   </p:clrMapOvr>
-  <p:transition spd="med"/>
+  <p:transition xmlns:p14="http://schemas.microsoft.com/office/powerpoint/2010/main" spd="med" advClick="1"/>
 </p:sldLayout>
 </file>
 
 <file path=ppt/slideLayouts/slideLayout11.xml><?xml version="1.0" encoding="utf-8"?>
-<p:sldLayout xmlns:a="http://schemas.openxmlformats.org/drawingml/2006/main" xmlns:r="http://schemas.openxmlformats.org/officeDocument/2006/relationships" xmlns:p="http://schemas.openxmlformats.org/presentationml/2006/main" type="tx">
+<p:sldLayout xmlns:a="http://schemas.openxmlformats.org/drawingml/2006/main" xmlns:r="http://schemas.openxmlformats.org/officeDocument/2006/relationships" xmlns:p="http://schemas.openxmlformats.org/presentationml/2006/main" type="tx" showMasterSp="1" showMasterPhAnim="1">
   <p:cSld name="Vertical Title and Text">
     <p:spTree>
       <p:nvGrpSpPr>
@@ -821,9 +795,7 @@
       <p:sp>
         <p:nvSpPr>
           <p:cNvPr id="101" name="Title Text"/>
-          <p:cNvSpPr txBox="1">
-            <a:spLocks noGrp="1"/>
-          </p:cNvSpPr>
+          <p:cNvSpPr txBox="1"/>
           <p:nvPr>
             <p:ph type="title"/>
           </p:nvPr>
@@ -831,7 +803,7 @@
         <p:spPr>
           <a:xfrm>
             <a:off x="6629400" y="274638"/>
-            <a:ext cx="2057400" cy="5851526"/>
+            <a:ext cx="2057400" cy="5851527"/>
           </a:xfrm>
           <a:prstGeom prst="rect">
             <a:avLst/>
@@ -841,6 +813,7 @@
           <a:bodyPr/>
           <a:lstStyle/>
           <a:p>
+            <a:pPr/>
             <a:r>
               <a:t>Title Text</a:t>
             </a:r>
@@ -850,9 +823,7 @@
       <p:sp>
         <p:nvSpPr>
           <p:cNvPr id="102" name="Body Level One…"/>
-          <p:cNvSpPr txBox="1">
-            <a:spLocks noGrp="1"/>
-          </p:cNvSpPr>
+          <p:cNvSpPr txBox="1"/>
           <p:nvPr>
             <p:ph type="body" idx="1"/>
           </p:nvPr>
@@ -860,7 +831,7 @@
         <p:spPr>
           <a:xfrm>
             <a:off x="457200" y="274638"/>
-            <a:ext cx="6019800" cy="5851526"/>
+            <a:ext cx="6019800" cy="5851527"/>
           </a:xfrm>
           <a:prstGeom prst="rect">
             <a:avLst/>
@@ -870,6 +841,7 @@
           <a:bodyPr/>
           <a:lstStyle/>
           <a:p>
+            <a:pPr/>
             <a:r>
               <a:t>Body Level One</a:t>
             </a:r>
@@ -903,9 +875,7 @@
       <p:sp>
         <p:nvSpPr>
           <p:cNvPr id="103" name="Slide Number"/>
-          <p:cNvSpPr txBox="1">
-            <a:spLocks noGrp="1"/>
-          </p:cNvSpPr>
+          <p:cNvSpPr txBox="1"/>
           <p:nvPr>
             <p:ph type="sldNum" sz="quarter" idx="2"/>
           </p:nvPr>
@@ -919,10 +889,8 @@
           <a:bodyPr/>
           <a:lstStyle/>
           <a:p>
-            <a:fld id="{86CB4B4D-7CA3-9044-876B-883B54F8677D}" type="slidenum">
-              <a:t>‹#›</a:t>
-            </a:fld>
-            <a:endParaRPr/>
+            <a:pPr/>
+            <a:fld id="{86CB4B4D-7CA3-9044-876B-883B54F8677D}" type="slidenum"/>
           </a:p>
         </p:txBody>
       </p:sp>
@@ -931,12 +899,12 @@
   <p:clrMapOvr>
     <a:masterClrMapping/>
   </p:clrMapOvr>
-  <p:transition spd="med"/>
+  <p:transition xmlns:p14="http://schemas.microsoft.com/office/powerpoint/2010/main" spd="med" advClick="1"/>
 </p:sldLayout>
 </file>
 
 <file path=ppt/slideLayouts/slideLayout2.xml><?xml version="1.0" encoding="utf-8"?>
-<p:sldLayout xmlns:a="http://schemas.openxmlformats.org/drawingml/2006/main" xmlns:r="http://schemas.openxmlformats.org/officeDocument/2006/relationships" xmlns:p="http://schemas.openxmlformats.org/presentationml/2006/main" type="tx">
+<p:sldLayout xmlns:a="http://schemas.openxmlformats.org/drawingml/2006/main" xmlns:r="http://schemas.openxmlformats.org/officeDocument/2006/relationships" xmlns:p="http://schemas.openxmlformats.org/presentationml/2006/main" type="tx" showMasterSp="1" showMasterPhAnim="1">
   <p:cSld name="Title and Content">
     <p:spTree>
       <p:nvGrpSpPr>
@@ -955,9 +923,7 @@
       <p:sp>
         <p:nvSpPr>
           <p:cNvPr id="20" name="Title Text"/>
-          <p:cNvSpPr txBox="1">
-            <a:spLocks noGrp="1"/>
-          </p:cNvSpPr>
+          <p:cNvSpPr txBox="1"/>
           <p:nvPr>
             <p:ph type="title"/>
           </p:nvPr>
@@ -971,6 +937,7 @@
           <a:bodyPr/>
           <a:lstStyle/>
           <a:p>
+            <a:pPr/>
             <a:r>
               <a:t>Title Text</a:t>
             </a:r>
@@ -980,9 +947,7 @@
       <p:sp>
         <p:nvSpPr>
           <p:cNvPr id="21" name="Body Level One…"/>
-          <p:cNvSpPr txBox="1">
-            <a:spLocks noGrp="1"/>
-          </p:cNvSpPr>
+          <p:cNvSpPr txBox="1"/>
           <p:nvPr>
             <p:ph type="body" idx="1"/>
           </p:nvPr>
@@ -996,6 +961,7 @@
           <a:bodyPr/>
           <a:lstStyle/>
           <a:p>
+            <a:pPr/>
             <a:r>
               <a:t>Body Level One</a:t>
             </a:r>
@@ -1029,9 +995,7 @@
       <p:sp>
         <p:nvSpPr>
           <p:cNvPr id="22" name="Slide Number"/>
-          <p:cNvSpPr txBox="1">
-            <a:spLocks noGrp="1"/>
-          </p:cNvSpPr>
+          <p:cNvSpPr txBox="1"/>
           <p:nvPr>
             <p:ph type="sldNum" sz="quarter" idx="2"/>
           </p:nvPr>
@@ -1045,10 +1009,8 @@
           <a:bodyPr/>
           <a:lstStyle/>
           <a:p>
-            <a:fld id="{86CB4B4D-7CA3-9044-876B-883B54F8677D}" type="slidenum">
-              <a:t>‹#›</a:t>
-            </a:fld>
-            <a:endParaRPr/>
+            <a:pPr/>
+            <a:fld id="{86CB4B4D-7CA3-9044-876B-883B54F8677D}" type="slidenum"/>
           </a:p>
         </p:txBody>
       </p:sp>
@@ -1057,12 +1019,12 @@
   <p:clrMapOvr>
     <a:masterClrMapping/>
   </p:clrMapOvr>
-  <p:transition spd="med"/>
+  <p:transition xmlns:p14="http://schemas.microsoft.com/office/powerpoint/2010/main" spd="med" advClick="1"/>
 </p:sldLayout>
 </file>
 
 <file path=ppt/slideLayouts/slideLayout3.xml><?xml version="1.0" encoding="utf-8"?>
-<p:sldLayout xmlns:a="http://schemas.openxmlformats.org/drawingml/2006/main" xmlns:r="http://schemas.openxmlformats.org/officeDocument/2006/relationships" xmlns:p="http://schemas.openxmlformats.org/presentationml/2006/main" type="tx">
+<p:sldLayout xmlns:a="http://schemas.openxmlformats.org/drawingml/2006/main" xmlns:r="http://schemas.openxmlformats.org/officeDocument/2006/relationships" xmlns:p="http://schemas.openxmlformats.org/presentationml/2006/main" type="tx" showMasterSp="1" showMasterPhAnim="1">
   <p:cSld name="Section Header">
     <p:spTree>
       <p:nvGrpSpPr>
@@ -1081,9 +1043,7 @@
       <p:sp>
         <p:nvSpPr>
           <p:cNvPr id="29" name="Title Text"/>
-          <p:cNvSpPr txBox="1">
-            <a:spLocks noGrp="1"/>
-          </p:cNvSpPr>
+          <p:cNvSpPr txBox="1"/>
           <p:nvPr>
             <p:ph type="title"/>
           </p:nvPr>
@@ -1101,10 +1061,11 @@
           <a:bodyPr anchor="t"/>
           <a:lstStyle>
             <a:lvl1pPr algn="l">
-              <a:defRPr sz="4000" b="1" cap="all"/>
+              <a:defRPr b="1" cap="all" sz="4000"/>
             </a:lvl1pPr>
           </a:lstStyle>
           <a:p>
+            <a:pPr/>
             <a:r>
               <a:t>Title Text</a:t>
             </a:r>
@@ -1114,9 +1075,7 @@
       <p:sp>
         <p:nvSpPr>
           <p:cNvPr id="30" name="Body Level One…"/>
-          <p:cNvSpPr txBox="1">
-            <a:spLocks noGrp="1"/>
-          </p:cNvSpPr>
+          <p:cNvSpPr txBox="1"/>
           <p:nvPr>
             <p:ph type="body" sz="quarter" idx="1"/>
           </p:nvPr>
@@ -1124,7 +1083,7 @@
         <p:spPr>
           <a:xfrm>
             <a:off x="722312" y="2906713"/>
-            <a:ext cx="7772401" cy="1500188"/>
+            <a:ext cx="7772401" cy="1500189"/>
           </a:xfrm>
           <a:prstGeom prst="rect">
             <a:avLst/>
@@ -1146,7 +1105,7 @@
                 </a:solidFill>
               </a:defRPr>
             </a:lvl1pPr>
-            <a:lvl2pPr marL="0" indent="457200">
+            <a:lvl2pPr marL="0" indent="0">
               <a:spcBef>
                 <a:spcPts val="400"/>
               </a:spcBef>
@@ -1159,7 +1118,7 @@
                 </a:solidFill>
               </a:defRPr>
             </a:lvl2pPr>
-            <a:lvl3pPr marL="0" indent="914400">
+            <a:lvl3pPr marL="0" indent="0">
               <a:spcBef>
                 <a:spcPts val="400"/>
               </a:spcBef>
@@ -1172,7 +1131,7 @@
                 </a:solidFill>
               </a:defRPr>
             </a:lvl3pPr>
-            <a:lvl4pPr marL="0" indent="1371600">
+            <a:lvl4pPr marL="0" indent="0">
               <a:spcBef>
                 <a:spcPts val="400"/>
               </a:spcBef>
@@ -1185,7 +1144,7 @@
                 </a:solidFill>
               </a:defRPr>
             </a:lvl4pPr>
-            <a:lvl5pPr marL="0" indent="1828800">
+            <a:lvl5pPr marL="0" indent="0">
               <a:spcBef>
                 <a:spcPts val="400"/>
               </a:spcBef>
@@ -1200,6 +1159,7 @@
             </a:lvl5pPr>
           </a:lstStyle>
           <a:p>
+            <a:pPr/>
             <a:r>
               <a:t>Body Level One</a:t>
             </a:r>
@@ -1233,9 +1193,7 @@
       <p:sp>
         <p:nvSpPr>
           <p:cNvPr id="31" name="Slide Number"/>
-          <p:cNvSpPr txBox="1">
-            <a:spLocks noGrp="1"/>
-          </p:cNvSpPr>
+          <p:cNvSpPr txBox="1"/>
           <p:nvPr>
             <p:ph type="sldNum" sz="quarter" idx="2"/>
           </p:nvPr>
@@ -1249,10 +1207,8 @@
           <a:bodyPr/>
           <a:lstStyle/>
           <a:p>
-            <a:fld id="{86CB4B4D-7CA3-9044-876B-883B54F8677D}" type="slidenum">
-              <a:t>‹#›</a:t>
-            </a:fld>
-            <a:endParaRPr/>
+            <a:pPr/>
+            <a:fld id="{86CB4B4D-7CA3-9044-876B-883B54F8677D}" type="slidenum"/>
           </a:p>
         </p:txBody>
       </p:sp>
@@ -1261,12 +1217,12 @@
   <p:clrMapOvr>
     <a:masterClrMapping/>
   </p:clrMapOvr>
-  <p:transition spd="med"/>
+  <p:transition xmlns:p14="http://schemas.microsoft.com/office/powerpoint/2010/main" spd="med" advClick="1"/>
 </p:sldLayout>
 </file>
 
 <file path=ppt/slideLayouts/slideLayout4.xml><?xml version="1.0" encoding="utf-8"?>
-<p:sldLayout xmlns:a="http://schemas.openxmlformats.org/drawingml/2006/main" xmlns:r="http://schemas.openxmlformats.org/officeDocument/2006/relationships" xmlns:p="http://schemas.openxmlformats.org/presentationml/2006/main" type="tx">
+<p:sldLayout xmlns:a="http://schemas.openxmlformats.org/drawingml/2006/main" xmlns:r="http://schemas.openxmlformats.org/officeDocument/2006/relationships" xmlns:p="http://schemas.openxmlformats.org/presentationml/2006/main" type="tx" showMasterSp="1" showMasterPhAnim="1">
   <p:cSld name="Two Content">
     <p:spTree>
       <p:nvGrpSpPr>
@@ -1285,9 +1241,7 @@
       <p:sp>
         <p:nvSpPr>
           <p:cNvPr id="38" name="Title Text"/>
-          <p:cNvSpPr txBox="1">
-            <a:spLocks noGrp="1"/>
-          </p:cNvSpPr>
+          <p:cNvSpPr txBox="1"/>
           <p:nvPr>
             <p:ph type="title"/>
           </p:nvPr>
@@ -1301,6 +1255,7 @@
           <a:bodyPr/>
           <a:lstStyle/>
           <a:p>
+            <a:pPr/>
             <a:r>
               <a:t>Title Text</a:t>
             </a:r>
@@ -1310,9 +1265,7 @@
       <p:sp>
         <p:nvSpPr>
           <p:cNvPr id="39" name="Body Level One…"/>
-          <p:cNvSpPr txBox="1">
-            <a:spLocks noGrp="1"/>
-          </p:cNvSpPr>
+          <p:cNvSpPr txBox="1"/>
           <p:nvPr>
             <p:ph type="body" sz="half" idx="1"/>
           </p:nvPr>
@@ -1341,7 +1294,7 @@
               </a:spcBef>
               <a:defRPr sz="2800"/>
             </a:lvl2pPr>
-            <a:lvl3pPr marL="1234439" indent="-320039">
+            <a:lvl3pPr marL="1234438" indent="-320038">
               <a:spcBef>
                 <a:spcPts val="600"/>
               </a:spcBef>
@@ -1361,6 +1314,7 @@
             </a:lvl5pPr>
           </a:lstStyle>
           <a:p>
+            <a:pPr/>
             <a:r>
               <a:t>Body Level One</a:t>
             </a:r>
@@ -1394,9 +1348,7 @@
       <p:sp>
         <p:nvSpPr>
           <p:cNvPr id="40" name="Slide Number"/>
-          <p:cNvSpPr txBox="1">
-            <a:spLocks noGrp="1"/>
-          </p:cNvSpPr>
+          <p:cNvSpPr txBox="1"/>
           <p:nvPr>
             <p:ph type="sldNum" sz="quarter" idx="2"/>
           </p:nvPr>
@@ -1410,10 +1362,8 @@
           <a:bodyPr/>
           <a:lstStyle/>
           <a:p>
-            <a:fld id="{86CB4B4D-7CA3-9044-876B-883B54F8677D}" type="slidenum">
-              <a:t>‹#›</a:t>
-            </a:fld>
-            <a:endParaRPr/>
+            <a:pPr/>
+            <a:fld id="{86CB4B4D-7CA3-9044-876B-883B54F8677D}" type="slidenum"/>
           </a:p>
         </p:txBody>
       </p:sp>
@@ -1422,12 +1372,12 @@
   <p:clrMapOvr>
     <a:masterClrMapping/>
   </p:clrMapOvr>
-  <p:transition spd="med"/>
+  <p:transition xmlns:p14="http://schemas.microsoft.com/office/powerpoint/2010/main" spd="med" advClick="1"/>
 </p:sldLayout>
 </file>
 
 <file path=ppt/slideLayouts/slideLayout5.xml><?xml version="1.0" encoding="utf-8"?>
-<p:sldLayout xmlns:a="http://schemas.openxmlformats.org/drawingml/2006/main" xmlns:r="http://schemas.openxmlformats.org/officeDocument/2006/relationships" xmlns:p="http://schemas.openxmlformats.org/presentationml/2006/main" type="tx">
+<p:sldLayout xmlns:a="http://schemas.openxmlformats.org/drawingml/2006/main" xmlns:r="http://schemas.openxmlformats.org/officeDocument/2006/relationships" xmlns:p="http://schemas.openxmlformats.org/presentationml/2006/main" type="tx" showMasterSp="1" showMasterPhAnim="1">
   <p:cSld name="Comparison">
     <p:spTree>
       <p:nvGrpSpPr>
@@ -1446,9 +1396,7 @@
       <p:sp>
         <p:nvSpPr>
           <p:cNvPr id="47" name="Title Text"/>
-          <p:cNvSpPr txBox="1">
-            <a:spLocks noGrp="1"/>
-          </p:cNvSpPr>
+          <p:cNvSpPr txBox="1"/>
           <p:nvPr>
             <p:ph type="title"/>
           </p:nvPr>
@@ -1462,6 +1410,7 @@
           <a:bodyPr/>
           <a:lstStyle/>
           <a:p>
+            <a:pPr/>
             <a:r>
               <a:t>Title Text</a:t>
             </a:r>
@@ -1471,9 +1420,7 @@
       <p:sp>
         <p:nvSpPr>
           <p:cNvPr id="48" name="Body Level One…"/>
-          <p:cNvSpPr txBox="1">
-            <a:spLocks noGrp="1"/>
-          </p:cNvSpPr>
+          <p:cNvSpPr txBox="1"/>
           <p:nvPr>
             <p:ph type="body" sz="quarter" idx="1"/>
           </p:nvPr>
@@ -1497,46 +1444,47 @@
               <a:buSzTx/>
               <a:buFontTx/>
               <a:buNone/>
-              <a:defRPr sz="2400" b="1"/>
+              <a:defRPr b="1" sz="2400"/>
             </a:lvl1pPr>
-            <a:lvl2pPr marL="0" indent="457200">
+            <a:lvl2pPr marL="0" indent="0">
               <a:spcBef>
                 <a:spcPts val="500"/>
               </a:spcBef>
               <a:buSzTx/>
               <a:buFontTx/>
               <a:buNone/>
-              <a:defRPr sz="2400" b="1"/>
+              <a:defRPr b="1" sz="2400"/>
             </a:lvl2pPr>
-            <a:lvl3pPr marL="0" indent="914400">
+            <a:lvl3pPr marL="0" indent="0">
               <a:spcBef>
                 <a:spcPts val="500"/>
               </a:spcBef>
               <a:buSzTx/>
               <a:buFontTx/>
               <a:buNone/>
-              <a:defRPr sz="2400" b="1"/>
+              <a:defRPr b="1" sz="2400"/>
             </a:lvl3pPr>
-            <a:lvl4pPr marL="0" indent="1371600">
+            <a:lvl4pPr marL="0" indent="0">
               <a:spcBef>
                 <a:spcPts val="500"/>
               </a:spcBef>
               <a:buSzTx/>
               <a:buFontTx/>
               <a:buNone/>
-              <a:defRPr sz="2400" b="1"/>
+              <a:defRPr b="1" sz="2400"/>
             </a:lvl4pPr>
-            <a:lvl5pPr marL="0" indent="1828800">
+            <a:lvl5pPr marL="0" indent="0">
               <a:spcBef>
                 <a:spcPts val="500"/>
               </a:spcBef>
               <a:buSzTx/>
               <a:buFontTx/>
               <a:buNone/>
-              <a:defRPr sz="2400" b="1"/>
+              <a:defRPr b="1" sz="2400"/>
             </a:lvl5pPr>
           </a:lstStyle>
           <a:p>
+            <a:pPr/>
             <a:r>
               <a:t>Body Level One</a:t>
             </a:r>
@@ -1570,17 +1518,15 @@
       <p:sp>
         <p:nvSpPr>
           <p:cNvPr id="49" name="Text Placeholder 4"/>
-          <p:cNvSpPr>
-            <a:spLocks noGrp="1"/>
-          </p:cNvSpPr>
+          <p:cNvSpPr/>
           <p:nvPr>
             <p:ph type="body" sz="quarter" idx="13"/>
           </p:nvPr>
         </p:nvSpPr>
         <p:spPr>
           <a:xfrm>
-            <a:off x="4645025" y="1535112"/>
-            <a:ext cx="4041775" cy="639763"/>
+            <a:off x="4645025" y="1535111"/>
+            <a:ext cx="4041775" cy="639765"/>
           </a:xfrm>
           <a:prstGeom prst="rect">
             <a:avLst/>
@@ -1590,25 +1536,14 @@
           <a:bodyPr anchor="b"/>
           <a:lstStyle/>
           <a:p>
-            <a:pPr marL="0" indent="0">
-              <a:spcBef>
-                <a:spcPts val="500"/>
-              </a:spcBef>
-              <a:buSzTx/>
-              <a:buFontTx/>
-              <a:buNone/>
-              <a:defRPr sz="2400" b="1"/>
-            </a:pPr>
-            <a:endParaRPr/>
+            <a:pPr/>
           </a:p>
         </p:txBody>
       </p:sp>
       <p:sp>
         <p:nvSpPr>
           <p:cNvPr id="50" name="Slide Number"/>
-          <p:cNvSpPr txBox="1">
-            <a:spLocks noGrp="1"/>
-          </p:cNvSpPr>
+          <p:cNvSpPr txBox="1"/>
           <p:nvPr>
             <p:ph type="sldNum" sz="quarter" idx="2"/>
           </p:nvPr>
@@ -1622,10 +1557,8 @@
           <a:bodyPr/>
           <a:lstStyle/>
           <a:p>
-            <a:fld id="{86CB4B4D-7CA3-9044-876B-883B54F8677D}" type="slidenum">
-              <a:t>‹#›</a:t>
-            </a:fld>
-            <a:endParaRPr/>
+            <a:pPr/>
+            <a:fld id="{86CB4B4D-7CA3-9044-876B-883B54F8677D}" type="slidenum"/>
           </a:p>
         </p:txBody>
       </p:sp>
@@ -1634,12 +1567,12 @@
   <p:clrMapOvr>
     <a:masterClrMapping/>
   </p:clrMapOvr>
-  <p:transition spd="med"/>
+  <p:transition xmlns:p14="http://schemas.microsoft.com/office/powerpoint/2010/main" spd="med" advClick="1"/>
 </p:sldLayout>
 </file>
 
 <file path=ppt/slideLayouts/slideLayout6.xml><?xml version="1.0" encoding="utf-8"?>
-<p:sldLayout xmlns:a="http://schemas.openxmlformats.org/drawingml/2006/main" xmlns:r="http://schemas.openxmlformats.org/officeDocument/2006/relationships" xmlns:p="http://schemas.openxmlformats.org/presentationml/2006/main" type="tx">
+<p:sldLayout xmlns:a="http://schemas.openxmlformats.org/drawingml/2006/main" xmlns:r="http://schemas.openxmlformats.org/officeDocument/2006/relationships" xmlns:p="http://schemas.openxmlformats.org/presentationml/2006/main" type="tx" showMasterSp="1" showMasterPhAnim="1">
   <p:cSld name="Title Only">
     <p:spTree>
       <p:nvGrpSpPr>
@@ -1658,9 +1591,7 @@
       <p:sp>
         <p:nvSpPr>
           <p:cNvPr id="57" name="Title Text"/>
-          <p:cNvSpPr txBox="1">
-            <a:spLocks noGrp="1"/>
-          </p:cNvSpPr>
+          <p:cNvSpPr txBox="1"/>
           <p:nvPr>
             <p:ph type="title"/>
           </p:nvPr>
@@ -1674,6 +1605,7 @@
           <a:bodyPr/>
           <a:lstStyle/>
           <a:p>
+            <a:pPr/>
             <a:r>
               <a:t>Title Text</a:t>
             </a:r>
@@ -1683,9 +1615,7 @@
       <p:sp>
         <p:nvSpPr>
           <p:cNvPr id="58" name="Slide Number"/>
-          <p:cNvSpPr txBox="1">
-            <a:spLocks noGrp="1"/>
-          </p:cNvSpPr>
+          <p:cNvSpPr txBox="1"/>
           <p:nvPr>
             <p:ph type="sldNum" sz="quarter" idx="2"/>
           </p:nvPr>
@@ -1699,10 +1629,8 @@
           <a:bodyPr/>
           <a:lstStyle/>
           <a:p>
-            <a:fld id="{86CB4B4D-7CA3-9044-876B-883B54F8677D}" type="slidenum">
-              <a:t>‹#›</a:t>
-            </a:fld>
-            <a:endParaRPr/>
+            <a:pPr/>
+            <a:fld id="{86CB4B4D-7CA3-9044-876B-883B54F8677D}" type="slidenum"/>
           </a:p>
         </p:txBody>
       </p:sp>
@@ -1711,12 +1639,12 @@
   <p:clrMapOvr>
     <a:masterClrMapping/>
   </p:clrMapOvr>
-  <p:transition spd="med"/>
+  <p:transition xmlns:p14="http://schemas.microsoft.com/office/powerpoint/2010/main" spd="med" advClick="1"/>
 </p:sldLayout>
 </file>
 
 <file path=ppt/slideLayouts/slideLayout7.xml><?xml version="1.0" encoding="utf-8"?>
-<p:sldLayout xmlns:a="http://schemas.openxmlformats.org/drawingml/2006/main" xmlns:r="http://schemas.openxmlformats.org/officeDocument/2006/relationships" xmlns:p="http://schemas.openxmlformats.org/presentationml/2006/main" type="tx">
+<p:sldLayout xmlns:a="http://schemas.openxmlformats.org/drawingml/2006/main" xmlns:r="http://schemas.openxmlformats.org/officeDocument/2006/relationships" xmlns:p="http://schemas.openxmlformats.org/presentationml/2006/main" type="tx" showMasterSp="1" showMasterPhAnim="1">
   <p:cSld name="Blank">
     <p:spTree>
       <p:nvGrpSpPr>
@@ -1735,9 +1663,7 @@
       <p:sp>
         <p:nvSpPr>
           <p:cNvPr id="65" name="Slide Number"/>
-          <p:cNvSpPr txBox="1">
-            <a:spLocks noGrp="1"/>
-          </p:cNvSpPr>
+          <p:cNvSpPr txBox="1"/>
           <p:nvPr>
             <p:ph type="sldNum" sz="quarter" idx="2"/>
           </p:nvPr>
@@ -1751,10 +1677,8 @@
           <a:bodyPr/>
           <a:lstStyle/>
           <a:p>
-            <a:fld id="{86CB4B4D-7CA3-9044-876B-883B54F8677D}" type="slidenum">
-              <a:t>‹#›</a:t>
-            </a:fld>
-            <a:endParaRPr/>
+            <a:pPr/>
+            <a:fld id="{86CB4B4D-7CA3-9044-876B-883B54F8677D}" type="slidenum"/>
           </a:p>
         </p:txBody>
       </p:sp>
@@ -1763,12 +1687,12 @@
   <p:clrMapOvr>
     <a:masterClrMapping/>
   </p:clrMapOvr>
-  <p:transition spd="med"/>
+  <p:transition xmlns:p14="http://schemas.microsoft.com/office/powerpoint/2010/main" spd="med" advClick="1"/>
 </p:sldLayout>
 </file>
 
 <file path=ppt/slideLayouts/slideLayout8.xml><?xml version="1.0" encoding="utf-8"?>
-<p:sldLayout xmlns:a="http://schemas.openxmlformats.org/drawingml/2006/main" xmlns:r="http://schemas.openxmlformats.org/officeDocument/2006/relationships" xmlns:p="http://schemas.openxmlformats.org/presentationml/2006/main" type="tx">
+<p:sldLayout xmlns:a="http://schemas.openxmlformats.org/drawingml/2006/main" xmlns:r="http://schemas.openxmlformats.org/officeDocument/2006/relationships" xmlns:p="http://schemas.openxmlformats.org/presentationml/2006/main" type="tx" showMasterSp="1" showMasterPhAnim="1">
   <p:cSld name="Content with Caption">
     <p:spTree>
       <p:nvGrpSpPr>
@@ -1787,9 +1711,7 @@
       <p:sp>
         <p:nvSpPr>
           <p:cNvPr id="72" name="Title Text"/>
-          <p:cNvSpPr txBox="1">
-            <a:spLocks noGrp="1"/>
-          </p:cNvSpPr>
+          <p:cNvSpPr txBox="1"/>
           <p:nvPr>
             <p:ph type="title"/>
           </p:nvPr>
@@ -1797,7 +1719,7 @@
         <p:spPr>
           <a:xfrm>
             <a:off x="457200" y="273050"/>
-            <a:ext cx="3008314" cy="1162050"/>
+            <a:ext cx="3008315" cy="1162050"/>
           </a:xfrm>
           <a:prstGeom prst="rect">
             <a:avLst/>
@@ -1807,10 +1729,11 @@
           <a:bodyPr anchor="b"/>
           <a:lstStyle>
             <a:lvl1pPr algn="l">
-              <a:defRPr sz="2000" b="1"/>
+              <a:defRPr b="1" sz="2000"/>
             </a:lvl1pPr>
           </a:lstStyle>
           <a:p>
+            <a:pPr/>
             <a:r>
               <a:t>Title Text</a:t>
             </a:r>
@@ -1820,9 +1743,7 @@
       <p:sp>
         <p:nvSpPr>
           <p:cNvPr id="73" name="Body Level One…"/>
-          <p:cNvSpPr txBox="1">
-            <a:spLocks noGrp="1"/>
-          </p:cNvSpPr>
+          <p:cNvSpPr txBox="1"/>
           <p:nvPr>
             <p:ph type="body" idx="1"/>
           </p:nvPr>
@@ -1840,6 +1761,7 @@
           <a:bodyPr/>
           <a:lstStyle/>
           <a:p>
+            <a:pPr/>
             <a:r>
               <a:t>Body Level One</a:t>
             </a:r>
@@ -1873,17 +1795,15 @@
       <p:sp>
         <p:nvSpPr>
           <p:cNvPr id="74" name="Text Placeholder 3"/>
-          <p:cNvSpPr>
-            <a:spLocks noGrp="1"/>
-          </p:cNvSpPr>
+          <p:cNvSpPr/>
           <p:nvPr>
             <p:ph type="body" sz="half" idx="13"/>
           </p:nvPr>
         </p:nvSpPr>
         <p:spPr>
           <a:xfrm>
-            <a:off x="457199" y="1435100"/>
-            <a:ext cx="3008315" cy="4691063"/>
+            <a:off x="457198" y="1435100"/>
+            <a:ext cx="3008316" cy="4691063"/>
           </a:xfrm>
           <a:prstGeom prst="rect">
             <a:avLst/>
@@ -1893,25 +1813,14 @@
           <a:bodyPr/>
           <a:lstStyle/>
           <a:p>
-            <a:pPr marL="0" indent="0">
-              <a:spcBef>
-                <a:spcPts val="300"/>
-              </a:spcBef>
-              <a:buSzTx/>
-              <a:buFontTx/>
-              <a:buNone/>
-              <a:defRPr sz="1400"/>
-            </a:pPr>
-            <a:endParaRPr/>
+            <a:pPr/>
           </a:p>
         </p:txBody>
       </p:sp>
       <p:sp>
         <p:nvSpPr>
           <p:cNvPr id="75" name="Slide Number"/>
-          <p:cNvSpPr txBox="1">
-            <a:spLocks noGrp="1"/>
-          </p:cNvSpPr>
+          <p:cNvSpPr txBox="1"/>
           <p:nvPr>
             <p:ph type="sldNum" sz="quarter" idx="2"/>
           </p:nvPr>
@@ -1925,10 +1834,8 @@
           <a:bodyPr/>
           <a:lstStyle/>
           <a:p>
-            <a:fld id="{86CB4B4D-7CA3-9044-876B-883B54F8677D}" type="slidenum">
-              <a:t>‹#›</a:t>
-            </a:fld>
-            <a:endParaRPr/>
+            <a:pPr/>
+            <a:fld id="{86CB4B4D-7CA3-9044-876B-883B54F8677D}" type="slidenum"/>
           </a:p>
         </p:txBody>
       </p:sp>
@@ -1937,12 +1844,12 @@
   <p:clrMapOvr>
     <a:masterClrMapping/>
   </p:clrMapOvr>
-  <p:transition spd="med"/>
+  <p:transition xmlns:p14="http://schemas.microsoft.com/office/powerpoint/2010/main" spd="med" advClick="1"/>
 </p:sldLayout>
 </file>
 
 <file path=ppt/slideLayouts/slideLayout9.xml><?xml version="1.0" encoding="utf-8"?>
-<p:sldLayout xmlns:a="http://schemas.openxmlformats.org/drawingml/2006/main" xmlns:r="http://schemas.openxmlformats.org/officeDocument/2006/relationships" xmlns:p="http://schemas.openxmlformats.org/presentationml/2006/main" type="tx">
+<p:sldLayout xmlns:a="http://schemas.openxmlformats.org/drawingml/2006/main" xmlns:r="http://schemas.openxmlformats.org/officeDocument/2006/relationships" xmlns:p="http://schemas.openxmlformats.org/presentationml/2006/main" type="tx" showMasterSp="1" showMasterPhAnim="1">
   <p:cSld name="Picture with Caption">
     <p:spTree>
       <p:nvGrpSpPr>
@@ -1961,9 +1868,7 @@
       <p:sp>
         <p:nvSpPr>
           <p:cNvPr id="82" name="Title Text"/>
-          <p:cNvSpPr txBox="1">
-            <a:spLocks noGrp="1"/>
-          </p:cNvSpPr>
+          <p:cNvSpPr txBox="1"/>
           <p:nvPr>
             <p:ph type="title"/>
           </p:nvPr>
@@ -1971,7 +1876,7 @@
         <p:spPr>
           <a:xfrm>
             <a:off x="1792288" y="4800600"/>
-            <a:ext cx="5486401" cy="566738"/>
+            <a:ext cx="5486402" cy="566738"/>
           </a:xfrm>
           <a:prstGeom prst="rect">
             <a:avLst/>
@@ -1981,10 +1886,11 @@
           <a:bodyPr anchor="b"/>
           <a:lstStyle>
             <a:lvl1pPr algn="l">
-              <a:defRPr sz="2000" b="1"/>
+              <a:defRPr b="1" sz="2000"/>
             </a:lvl1pPr>
           </a:lstStyle>
           <a:p>
+            <a:pPr/>
             <a:r>
               <a:t>Title Text</a:t>
             </a:r>
@@ -1994,9 +1900,7 @@
       <p:sp>
         <p:nvSpPr>
           <p:cNvPr id="83" name="Picture Placeholder 2"/>
-          <p:cNvSpPr>
-            <a:spLocks noGrp="1"/>
-          </p:cNvSpPr>
+          <p:cNvSpPr/>
           <p:nvPr>
             <p:ph type="pic" sz="half" idx="13"/>
           </p:nvPr>
@@ -2004,28 +1908,26 @@
         <p:spPr>
           <a:xfrm>
             <a:off x="1792288" y="612775"/>
-            <a:ext cx="5486401" cy="4114800"/>
+            <a:ext cx="5486402" cy="4114800"/>
           </a:xfrm>
           <a:prstGeom prst="rect">
             <a:avLst/>
           </a:prstGeom>
         </p:spPr>
         <p:txBody>
-          <a:bodyPr lIns="91439" rIns="91439">
+          <a:bodyPr lIns="91439" tIns="45719" rIns="91439" bIns="45719">
             <a:noAutofit/>
           </a:bodyPr>
           <a:lstStyle/>
           <a:p>
-            <a:endParaRPr/>
+            <a:pPr/>
           </a:p>
         </p:txBody>
       </p:sp>
       <p:sp>
         <p:nvSpPr>
           <p:cNvPr id="84" name="Body Level One…"/>
-          <p:cNvSpPr txBox="1">
-            <a:spLocks noGrp="1"/>
-          </p:cNvSpPr>
+          <p:cNvSpPr txBox="1"/>
           <p:nvPr>
             <p:ph type="body" sz="quarter" idx="1"/>
           </p:nvPr>
@@ -2033,7 +1935,7 @@
         <p:spPr>
           <a:xfrm>
             <a:off x="1792288" y="5367337"/>
-            <a:ext cx="5486401" cy="804863"/>
+            <a:ext cx="5486402" cy="804864"/>
           </a:xfrm>
           <a:prstGeom prst="rect">
             <a:avLst/>
@@ -2051,7 +1953,7 @@
               <a:buNone/>
               <a:defRPr sz="1400"/>
             </a:lvl1pPr>
-            <a:lvl2pPr marL="0" indent="457200">
+            <a:lvl2pPr marL="0" indent="0">
               <a:spcBef>
                 <a:spcPts val="300"/>
               </a:spcBef>
@@ -2060,7 +1962,7 @@
               <a:buNone/>
               <a:defRPr sz="1400"/>
             </a:lvl2pPr>
-            <a:lvl3pPr marL="0" indent="914400">
+            <a:lvl3pPr marL="0" indent="0">
               <a:spcBef>
                 <a:spcPts val="300"/>
               </a:spcBef>
@@ -2069,7 +1971,7 @@
               <a:buNone/>
               <a:defRPr sz="1400"/>
             </a:lvl3pPr>
-            <a:lvl4pPr marL="0" indent="1371600">
+            <a:lvl4pPr marL="0" indent="0">
               <a:spcBef>
                 <a:spcPts val="300"/>
               </a:spcBef>
@@ -2078,7 +1980,7 @@
               <a:buNone/>
               <a:defRPr sz="1400"/>
             </a:lvl4pPr>
-            <a:lvl5pPr marL="0" indent="1828800">
+            <a:lvl5pPr marL="0" indent="0">
               <a:spcBef>
                 <a:spcPts val="300"/>
               </a:spcBef>
@@ -2089,6 +1991,7 @@
             </a:lvl5pPr>
           </a:lstStyle>
           <a:p>
+            <a:pPr/>
             <a:r>
               <a:t>Body Level One</a:t>
             </a:r>
@@ -2122,9 +2025,7 @@
       <p:sp>
         <p:nvSpPr>
           <p:cNvPr id="85" name="Slide Number"/>
-          <p:cNvSpPr txBox="1">
-            <a:spLocks noGrp="1"/>
-          </p:cNvSpPr>
+          <p:cNvSpPr txBox="1"/>
           <p:nvPr>
             <p:ph type="sldNum" sz="quarter" idx="2"/>
           </p:nvPr>
@@ -2138,10 +2039,8 @@
           <a:bodyPr/>
           <a:lstStyle/>
           <a:p>
-            <a:fld id="{86CB4B4D-7CA3-9044-876B-883B54F8677D}" type="slidenum">
-              <a:t>‹#›</a:t>
-            </a:fld>
-            <a:endParaRPr/>
+            <a:pPr/>
+            <a:fld id="{86CB4B4D-7CA3-9044-876B-883B54F8677D}" type="slidenum"/>
           </a:p>
         </p:txBody>
       </p:sp>
@@ -2150,7 +2049,7 @@
   <p:clrMapOvr>
     <a:masterClrMapping/>
   </p:clrMapOvr>
-  <p:transition spd="med"/>
+  <p:transition xmlns:p14="http://schemas.microsoft.com/office/powerpoint/2010/main" spd="med" advClick="1"/>
 </p:sldLayout>
 </file>
 
@@ -2162,7 +2061,6 @@
         <a:solidFill>
           <a:srgbClr val="FFFFFF"/>
         </a:solidFill>
-        <a:effectLst/>
       </p:bgPr>
     </p:bg>
     <p:spTree>
@@ -2182,9 +2080,7 @@
       <p:sp>
         <p:nvSpPr>
           <p:cNvPr id="2" name="Title Text"/>
-          <p:cNvSpPr txBox="1">
-            <a:spLocks noGrp="1"/>
-          </p:cNvSpPr>
+          <p:cNvSpPr txBox="1"/>
           <p:nvPr>
             <p:ph type="title"/>
           </p:nvPr>
@@ -2202,16 +2098,17 @@
           </a:ln>
           <a:extLst>
             <a:ext uri="{C572A759-6A51-4108-AA02-DFA0A04FC94B}">
-              <ma14:wrappingTextBoxFlag xmlns="" xmlns:ma14="http://schemas.microsoft.com/office/mac/drawingml/2011/main" val="1"/>
+              <ma14:wrappingTextBoxFlag xmlns:ma14="http://schemas.microsoft.com/office/mac/drawingml/2011/main" val="1"/>
             </a:ext>
           </a:extLst>
         </p:spPr>
         <p:txBody>
-          <a:bodyPr lIns="45719" rIns="45719" anchor="ctr">
-            <a:normAutofit/>
+          <a:bodyPr lIns="45718" tIns="45718" rIns="45718" bIns="45718" anchor="ctr">
+            <a:normAutofit fontScale="100000" lnSpcReduction="0"/>
           </a:bodyPr>
           <a:lstStyle/>
           <a:p>
+            <a:pPr/>
             <a:r>
               <a:t>Title Text</a:t>
             </a:r>
@@ -2221,9 +2118,7 @@
       <p:sp>
         <p:nvSpPr>
           <p:cNvPr id="3" name="Body Level One…"/>
-          <p:cNvSpPr txBox="1">
-            <a:spLocks noGrp="1"/>
-          </p:cNvSpPr>
+          <p:cNvSpPr txBox="1"/>
           <p:nvPr>
             <p:ph type="body" idx="1"/>
           </p:nvPr>
@@ -2241,16 +2136,17 @@
           </a:ln>
           <a:extLst>
             <a:ext uri="{C572A759-6A51-4108-AA02-DFA0A04FC94B}">
-              <ma14:wrappingTextBoxFlag xmlns="" xmlns:ma14="http://schemas.microsoft.com/office/mac/drawingml/2011/main" val="1"/>
+              <ma14:wrappingTextBoxFlag xmlns:ma14="http://schemas.microsoft.com/office/mac/drawingml/2011/main" val="1"/>
             </a:ext>
           </a:extLst>
         </p:spPr>
         <p:txBody>
-          <a:bodyPr lIns="45719" rIns="45719">
-            <a:normAutofit/>
+          <a:bodyPr lIns="45718" tIns="45718" rIns="45718" bIns="45718">
+            <a:normAutofit fontScale="100000" lnSpcReduction="0"/>
           </a:bodyPr>
           <a:lstStyle/>
           <a:p>
+            <a:pPr/>
             <a:r>
               <a:t>Body Level One</a:t>
             </a:r>
@@ -2284,17 +2180,15 @@
       <p:sp>
         <p:nvSpPr>
           <p:cNvPr id="4" name="Slide Number"/>
-          <p:cNvSpPr txBox="1">
-            <a:spLocks noGrp="1"/>
-          </p:cNvSpPr>
+          <p:cNvSpPr txBox="1"/>
           <p:nvPr>
             <p:ph type="sldNum" sz="quarter" idx="2"/>
           </p:nvPr>
         </p:nvSpPr>
         <p:spPr>
           <a:xfrm>
-            <a:off x="8422818" y="6404292"/>
-            <a:ext cx="263983" cy="269241"/>
+            <a:off x="8422821" y="6404293"/>
+            <a:ext cx="263980" cy="269239"/>
           </a:xfrm>
           <a:prstGeom prst="rect">
             <a:avLst/>
@@ -2304,7 +2198,7 @@
           </a:ln>
         </p:spPr>
         <p:txBody>
-          <a:bodyPr wrap="none" lIns="45719" rIns="45719" anchor="ctr">
+          <a:bodyPr wrap="none" lIns="45718" tIns="45718" rIns="45718" bIns="45718" anchor="ctr">
             <a:spAutoFit/>
           </a:bodyPr>
           <a:lstStyle>
@@ -2313,14 +2207,16 @@
                 <a:solidFill>
                   <a:srgbClr val="888888"/>
                 </a:solidFill>
+                <a:latin typeface="+mn-lt"/>
+                <a:ea typeface="+mn-ea"/>
+                <a:cs typeface="+mn-cs"/>
+                <a:sym typeface="Calibri"/>
               </a:defRPr>
             </a:lvl1pPr>
           </a:lstStyle>
           <a:p>
-            <a:fld id="{86CB4B4D-7CA3-9044-876B-883B54F8677D}" type="slidenum">
-              <a:t>‹#›</a:t>
-            </a:fld>
-            <a:endParaRPr/>
+            <a:pPr/>
+            <a:fld id="{86CB4B4D-7CA3-9044-876B-883B54F8677D}" type="slidenum"/>
           </a:p>
         </p:txBody>
       </p:sp>
@@ -2328,19 +2224,19 @@
   </p:cSld>
   <p:clrMap bg1="lt1" tx1="dk1" bg2="lt2" tx2="dk2" accent1="accent1" accent2="accent2" accent3="accent3" accent4="accent4" accent5="accent5" accent6="accent6" hlink="hlink" folHlink="folHlink"/>
   <p:sldLayoutIdLst>
-    <p:sldLayoutId id="2147483649" r:id="rId1"/>
-    <p:sldLayoutId id="2147483650" r:id="rId2"/>
-    <p:sldLayoutId id="2147483651" r:id="rId3"/>
-    <p:sldLayoutId id="2147483652" r:id="rId4"/>
-    <p:sldLayoutId id="2147483653" r:id="rId5"/>
-    <p:sldLayoutId id="2147483654" r:id="rId6"/>
-    <p:sldLayoutId id="2147483655" r:id="rId7"/>
-    <p:sldLayoutId id="2147483656" r:id="rId8"/>
-    <p:sldLayoutId id="2147483657" r:id="rId9"/>
-    <p:sldLayoutId id="2147483658" r:id="rId10"/>
-    <p:sldLayoutId id="2147483659" r:id="rId11"/>
+    <p:sldLayoutId id="2147483649" r:id="rId2"/>
+    <p:sldLayoutId id="2147483650" r:id="rId3"/>
+    <p:sldLayoutId id="2147483651" r:id="rId4"/>
+    <p:sldLayoutId id="2147483652" r:id="rId5"/>
+    <p:sldLayoutId id="2147483653" r:id="rId6"/>
+    <p:sldLayoutId id="2147483654" r:id="rId7"/>
+    <p:sldLayoutId id="2147483655" r:id="rId8"/>
+    <p:sldLayoutId id="2147483656" r:id="rId9"/>
+    <p:sldLayoutId id="2147483657" r:id="rId10"/>
+    <p:sldLayoutId id="2147483658" r:id="rId11"/>
+    <p:sldLayoutId id="2147483659" r:id="rId12"/>
   </p:sldLayoutIdLst>
-  <p:transition spd="med"/>
+  <p:transition xmlns:p14="http://schemas.microsoft.com/office/powerpoint/2010/main" spd="med" advClick="1"/>
   <p:txStyles>
     <p:titleStyle>
       <a:lvl1pPr marL="0" marR="0" indent="0" algn="ctr" defTabSz="457200" rtl="0" latinLnBrk="0">
@@ -2358,7 +2254,7 @@
         <a:buFontTx/>
         <a:buNone/>
         <a:tabLst/>
-        <a:defRPr sz="4400" b="0" i="0" u="none" strike="noStrike" cap="none" spc="0" baseline="0">
+        <a:defRPr b="0" baseline="0" cap="none" i="0" spc="0" strike="noStrike" sz="4400" u="none">
           <a:ln>
             <a:noFill/>
           </a:ln>
@@ -2366,9 +2262,9 @@
             <a:srgbClr val="000000"/>
           </a:solidFill>
           <a:uFillTx/>
-          <a:latin typeface="+mj-lt"/>
-          <a:ea typeface="+mj-ea"/>
-          <a:cs typeface="+mj-cs"/>
+          <a:latin typeface="+mn-lt"/>
+          <a:ea typeface="+mn-ea"/>
+          <a:cs typeface="+mn-cs"/>
           <a:sym typeface="Calibri"/>
         </a:defRPr>
       </a:lvl1pPr>
@@ -2387,7 +2283,7 @@
         <a:buFontTx/>
         <a:buNone/>
         <a:tabLst/>
-        <a:defRPr sz="4400" b="0" i="0" u="none" strike="noStrike" cap="none" spc="0" baseline="0">
+        <a:defRPr b="0" baseline="0" cap="none" i="0" spc="0" strike="noStrike" sz="4400" u="none">
           <a:ln>
             <a:noFill/>
           </a:ln>
@@ -2395,9 +2291,9 @@
             <a:srgbClr val="000000"/>
           </a:solidFill>
           <a:uFillTx/>
-          <a:latin typeface="+mj-lt"/>
-          <a:ea typeface="+mj-ea"/>
-          <a:cs typeface="+mj-cs"/>
+          <a:latin typeface="+mn-lt"/>
+          <a:ea typeface="+mn-ea"/>
+          <a:cs typeface="+mn-cs"/>
           <a:sym typeface="Calibri"/>
         </a:defRPr>
       </a:lvl2pPr>
@@ -2416,7 +2312,7 @@
         <a:buFontTx/>
         <a:buNone/>
         <a:tabLst/>
-        <a:defRPr sz="4400" b="0" i="0" u="none" strike="noStrike" cap="none" spc="0" baseline="0">
+        <a:defRPr b="0" baseline="0" cap="none" i="0" spc="0" strike="noStrike" sz="4400" u="none">
           <a:ln>
             <a:noFill/>
           </a:ln>
@@ -2424,9 +2320,9 @@
             <a:srgbClr val="000000"/>
           </a:solidFill>
           <a:uFillTx/>
-          <a:latin typeface="+mj-lt"/>
-          <a:ea typeface="+mj-ea"/>
-          <a:cs typeface="+mj-cs"/>
+          <a:latin typeface="+mn-lt"/>
+          <a:ea typeface="+mn-ea"/>
+          <a:cs typeface="+mn-cs"/>
           <a:sym typeface="Calibri"/>
         </a:defRPr>
       </a:lvl3pPr>
@@ -2445,7 +2341,7 @@
         <a:buFontTx/>
         <a:buNone/>
         <a:tabLst/>
-        <a:defRPr sz="4400" b="0" i="0" u="none" strike="noStrike" cap="none" spc="0" baseline="0">
+        <a:defRPr b="0" baseline="0" cap="none" i="0" spc="0" strike="noStrike" sz="4400" u="none">
           <a:ln>
             <a:noFill/>
           </a:ln>
@@ -2453,9 +2349,9 @@
             <a:srgbClr val="000000"/>
           </a:solidFill>
           <a:uFillTx/>
-          <a:latin typeface="+mj-lt"/>
-          <a:ea typeface="+mj-ea"/>
-          <a:cs typeface="+mj-cs"/>
+          <a:latin typeface="+mn-lt"/>
+          <a:ea typeface="+mn-ea"/>
+          <a:cs typeface="+mn-cs"/>
           <a:sym typeface="Calibri"/>
         </a:defRPr>
       </a:lvl4pPr>
@@ -2474,7 +2370,7 @@
         <a:buFontTx/>
         <a:buNone/>
         <a:tabLst/>
-        <a:defRPr sz="4400" b="0" i="0" u="none" strike="noStrike" cap="none" spc="0" baseline="0">
+        <a:defRPr b="0" baseline="0" cap="none" i="0" spc="0" strike="noStrike" sz="4400" u="none">
           <a:ln>
             <a:noFill/>
           </a:ln>
@@ -2482,9 +2378,9 @@
             <a:srgbClr val="000000"/>
           </a:solidFill>
           <a:uFillTx/>
-          <a:latin typeface="+mj-lt"/>
-          <a:ea typeface="+mj-ea"/>
-          <a:cs typeface="+mj-cs"/>
+          <a:latin typeface="+mn-lt"/>
+          <a:ea typeface="+mn-ea"/>
+          <a:cs typeface="+mn-cs"/>
           <a:sym typeface="Calibri"/>
         </a:defRPr>
       </a:lvl5pPr>
@@ -2503,7 +2399,7 @@
         <a:buFontTx/>
         <a:buNone/>
         <a:tabLst/>
-        <a:defRPr sz="4400" b="0" i="0" u="none" strike="noStrike" cap="none" spc="0" baseline="0">
+        <a:defRPr b="0" baseline="0" cap="none" i="0" spc="0" strike="noStrike" sz="4400" u="none">
           <a:ln>
             <a:noFill/>
           </a:ln>
@@ -2511,9 +2407,9 @@
             <a:srgbClr val="000000"/>
           </a:solidFill>
           <a:uFillTx/>
-          <a:latin typeface="+mj-lt"/>
-          <a:ea typeface="+mj-ea"/>
-          <a:cs typeface="+mj-cs"/>
+          <a:latin typeface="+mn-lt"/>
+          <a:ea typeface="+mn-ea"/>
+          <a:cs typeface="+mn-cs"/>
           <a:sym typeface="Calibri"/>
         </a:defRPr>
       </a:lvl6pPr>
@@ -2532,7 +2428,7 @@
         <a:buFontTx/>
         <a:buNone/>
         <a:tabLst/>
-        <a:defRPr sz="4400" b="0" i="0" u="none" strike="noStrike" cap="none" spc="0" baseline="0">
+        <a:defRPr b="0" baseline="0" cap="none" i="0" spc="0" strike="noStrike" sz="4400" u="none">
           <a:ln>
             <a:noFill/>
           </a:ln>
@@ -2540,9 +2436,9 @@
             <a:srgbClr val="000000"/>
           </a:solidFill>
           <a:uFillTx/>
-          <a:latin typeface="+mj-lt"/>
-          <a:ea typeface="+mj-ea"/>
-          <a:cs typeface="+mj-cs"/>
+          <a:latin typeface="+mn-lt"/>
+          <a:ea typeface="+mn-ea"/>
+          <a:cs typeface="+mn-cs"/>
           <a:sym typeface="Calibri"/>
         </a:defRPr>
       </a:lvl7pPr>
@@ -2561,7 +2457,7 @@
         <a:buFontTx/>
         <a:buNone/>
         <a:tabLst/>
-        <a:defRPr sz="4400" b="0" i="0" u="none" strike="noStrike" cap="none" spc="0" baseline="0">
+        <a:defRPr b="0" baseline="0" cap="none" i="0" spc="0" strike="noStrike" sz="4400" u="none">
           <a:ln>
             <a:noFill/>
           </a:ln>
@@ -2569,9 +2465,9 @@
             <a:srgbClr val="000000"/>
           </a:solidFill>
           <a:uFillTx/>
-          <a:latin typeface="+mj-lt"/>
-          <a:ea typeface="+mj-ea"/>
-          <a:cs typeface="+mj-cs"/>
+          <a:latin typeface="+mn-lt"/>
+          <a:ea typeface="+mn-ea"/>
+          <a:cs typeface="+mn-cs"/>
           <a:sym typeface="Calibri"/>
         </a:defRPr>
       </a:lvl8pPr>
@@ -2590,7 +2486,7 @@
         <a:buFontTx/>
         <a:buNone/>
         <a:tabLst/>
-        <a:defRPr sz="4400" b="0" i="0" u="none" strike="noStrike" cap="none" spc="0" baseline="0">
+        <a:defRPr b="0" baseline="0" cap="none" i="0" spc="0" strike="noStrike" sz="4400" u="none">
           <a:ln>
             <a:noFill/>
           </a:ln>
@@ -2598,9 +2494,9 @@
             <a:srgbClr val="000000"/>
           </a:solidFill>
           <a:uFillTx/>
-          <a:latin typeface="+mj-lt"/>
-          <a:ea typeface="+mj-ea"/>
-          <a:cs typeface="+mj-cs"/>
+          <a:latin typeface="+mn-lt"/>
+          <a:ea typeface="+mn-ea"/>
+          <a:cs typeface="+mn-cs"/>
           <a:sym typeface="Calibri"/>
         </a:defRPr>
       </a:lvl9pPr>
@@ -2621,7 +2517,7 @@
         <a:buFont typeface="Arial"/>
         <a:buChar char="•"/>
         <a:tabLst/>
-        <a:defRPr sz="3200" b="0" i="0" u="none" strike="noStrike" cap="none" spc="0" baseline="0">
+        <a:defRPr b="0" baseline="0" cap="none" i="0" spc="0" strike="noStrike" sz="3200" u="none">
           <a:ln>
             <a:noFill/>
           </a:ln>
@@ -2629,9 +2525,9 @@
             <a:srgbClr val="000000"/>
           </a:solidFill>
           <a:uFillTx/>
-          <a:latin typeface="+mj-lt"/>
-          <a:ea typeface="+mj-ea"/>
-          <a:cs typeface="+mj-cs"/>
+          <a:latin typeface="+mn-lt"/>
+          <a:ea typeface="+mn-ea"/>
+          <a:cs typeface="+mn-cs"/>
           <a:sym typeface="Calibri"/>
         </a:defRPr>
       </a:lvl1pPr>
@@ -2650,7 +2546,7 @@
         <a:buFont typeface="Arial"/>
         <a:buChar char="–"/>
         <a:tabLst/>
-        <a:defRPr sz="3200" b="0" i="0" u="none" strike="noStrike" cap="none" spc="0" baseline="0">
+        <a:defRPr b="0" baseline="0" cap="none" i="0" spc="0" strike="noStrike" sz="3200" u="none">
           <a:ln>
             <a:noFill/>
           </a:ln>
@@ -2658,9 +2554,9 @@
             <a:srgbClr val="000000"/>
           </a:solidFill>
           <a:uFillTx/>
-          <a:latin typeface="+mj-lt"/>
-          <a:ea typeface="+mj-ea"/>
-          <a:cs typeface="+mj-cs"/>
+          <a:latin typeface="+mn-lt"/>
+          <a:ea typeface="+mn-ea"/>
+          <a:cs typeface="+mn-cs"/>
           <a:sym typeface="Calibri"/>
         </a:defRPr>
       </a:lvl2pPr>
@@ -2679,7 +2575,7 @@
         <a:buFont typeface="Arial"/>
         <a:buChar char="•"/>
         <a:tabLst/>
-        <a:defRPr sz="3200" b="0" i="0" u="none" strike="noStrike" cap="none" spc="0" baseline="0">
+        <a:defRPr b="0" baseline="0" cap="none" i="0" spc="0" strike="noStrike" sz="3200" u="none">
           <a:ln>
             <a:noFill/>
           </a:ln>
@@ -2687,9 +2583,9 @@
             <a:srgbClr val="000000"/>
           </a:solidFill>
           <a:uFillTx/>
-          <a:latin typeface="+mj-lt"/>
-          <a:ea typeface="+mj-ea"/>
-          <a:cs typeface="+mj-cs"/>
+          <a:latin typeface="+mn-lt"/>
+          <a:ea typeface="+mn-ea"/>
+          <a:cs typeface="+mn-cs"/>
           <a:sym typeface="Calibri"/>
         </a:defRPr>
       </a:lvl3pPr>
@@ -2708,7 +2604,7 @@
         <a:buFont typeface="Arial"/>
         <a:buChar char="–"/>
         <a:tabLst/>
-        <a:defRPr sz="3200" b="0" i="0" u="none" strike="noStrike" cap="none" spc="0" baseline="0">
+        <a:defRPr b="0" baseline="0" cap="none" i="0" spc="0" strike="noStrike" sz="3200" u="none">
           <a:ln>
             <a:noFill/>
           </a:ln>
@@ -2716,9 +2612,9 @@
             <a:srgbClr val="000000"/>
           </a:solidFill>
           <a:uFillTx/>
-          <a:latin typeface="+mj-lt"/>
-          <a:ea typeface="+mj-ea"/>
-          <a:cs typeface="+mj-cs"/>
+          <a:latin typeface="+mn-lt"/>
+          <a:ea typeface="+mn-ea"/>
+          <a:cs typeface="+mn-cs"/>
           <a:sym typeface="Calibri"/>
         </a:defRPr>
       </a:lvl4pPr>
@@ -2737,7 +2633,7 @@
         <a:buFont typeface="Arial"/>
         <a:buChar char="»"/>
         <a:tabLst/>
-        <a:defRPr sz="3200" b="0" i="0" u="none" strike="noStrike" cap="none" spc="0" baseline="0">
+        <a:defRPr b="0" baseline="0" cap="none" i="0" spc="0" strike="noStrike" sz="3200" u="none">
           <a:ln>
             <a:noFill/>
           </a:ln>
@@ -2745,9 +2641,9 @@
             <a:srgbClr val="000000"/>
           </a:solidFill>
           <a:uFillTx/>
-          <a:latin typeface="+mj-lt"/>
-          <a:ea typeface="+mj-ea"/>
-          <a:cs typeface="+mj-cs"/>
+          <a:latin typeface="+mn-lt"/>
+          <a:ea typeface="+mn-ea"/>
+          <a:cs typeface="+mn-cs"/>
           <a:sym typeface="Calibri"/>
         </a:defRPr>
       </a:lvl5pPr>
@@ -2766,7 +2662,7 @@
         <a:buFont typeface="Arial"/>
         <a:buChar char="•"/>
         <a:tabLst/>
-        <a:defRPr sz="3200" b="0" i="0" u="none" strike="noStrike" cap="none" spc="0" baseline="0">
+        <a:defRPr b="0" baseline="0" cap="none" i="0" spc="0" strike="noStrike" sz="3200" u="none">
           <a:ln>
             <a:noFill/>
           </a:ln>
@@ -2774,9 +2670,9 @@
             <a:srgbClr val="000000"/>
           </a:solidFill>
           <a:uFillTx/>
-          <a:latin typeface="+mj-lt"/>
-          <a:ea typeface="+mj-ea"/>
-          <a:cs typeface="+mj-cs"/>
+          <a:latin typeface="+mn-lt"/>
+          <a:ea typeface="+mn-ea"/>
+          <a:cs typeface="+mn-cs"/>
           <a:sym typeface="Calibri"/>
         </a:defRPr>
       </a:lvl6pPr>
@@ -2795,7 +2691,7 @@
         <a:buFont typeface="Arial"/>
         <a:buChar char="•"/>
         <a:tabLst/>
-        <a:defRPr sz="3200" b="0" i="0" u="none" strike="noStrike" cap="none" spc="0" baseline="0">
+        <a:defRPr b="0" baseline="0" cap="none" i="0" spc="0" strike="noStrike" sz="3200" u="none">
           <a:ln>
             <a:noFill/>
           </a:ln>
@@ -2803,9 +2699,9 @@
             <a:srgbClr val="000000"/>
           </a:solidFill>
           <a:uFillTx/>
-          <a:latin typeface="+mj-lt"/>
-          <a:ea typeface="+mj-ea"/>
-          <a:cs typeface="+mj-cs"/>
+          <a:latin typeface="+mn-lt"/>
+          <a:ea typeface="+mn-ea"/>
+          <a:cs typeface="+mn-cs"/>
           <a:sym typeface="Calibri"/>
         </a:defRPr>
       </a:lvl7pPr>
@@ -2824,7 +2720,7 @@
         <a:buFont typeface="Arial"/>
         <a:buChar char="•"/>
         <a:tabLst/>
-        <a:defRPr sz="3200" b="0" i="0" u="none" strike="noStrike" cap="none" spc="0" baseline="0">
+        <a:defRPr b="0" baseline="0" cap="none" i="0" spc="0" strike="noStrike" sz="3200" u="none">
           <a:ln>
             <a:noFill/>
           </a:ln>
@@ -2832,9 +2728,9 @@
             <a:srgbClr val="000000"/>
           </a:solidFill>
           <a:uFillTx/>
-          <a:latin typeface="+mj-lt"/>
-          <a:ea typeface="+mj-ea"/>
-          <a:cs typeface="+mj-cs"/>
+          <a:latin typeface="+mn-lt"/>
+          <a:ea typeface="+mn-ea"/>
+          <a:cs typeface="+mn-cs"/>
           <a:sym typeface="Calibri"/>
         </a:defRPr>
       </a:lvl8pPr>
@@ -2853,7 +2749,7 @@
         <a:buFont typeface="Arial"/>
         <a:buChar char="•"/>
         <a:tabLst/>
-        <a:defRPr sz="3200" b="0" i="0" u="none" strike="noStrike" cap="none" spc="0" baseline="0">
+        <a:defRPr b="0" baseline="0" cap="none" i="0" spc="0" strike="noStrike" sz="3200" u="none">
           <a:ln>
             <a:noFill/>
           </a:ln>
@@ -2861,9 +2757,9 @@
             <a:srgbClr val="000000"/>
           </a:solidFill>
           <a:uFillTx/>
-          <a:latin typeface="+mj-lt"/>
-          <a:ea typeface="+mj-ea"/>
-          <a:cs typeface="+mj-cs"/>
+          <a:latin typeface="+mn-lt"/>
+          <a:ea typeface="+mn-ea"/>
+          <a:cs typeface="+mn-cs"/>
           <a:sym typeface="Calibri"/>
         </a:defRPr>
       </a:lvl9pPr>
@@ -2884,7 +2780,7 @@
         <a:buFontTx/>
         <a:buNone/>
         <a:tabLst/>
-        <a:defRPr sz="1200" b="0" i="0" u="none" strike="noStrike" cap="none" spc="0" baseline="0">
+        <a:defRPr b="0" baseline="0" cap="none" i="0" spc="0" strike="noStrike" sz="1200" u="none">
           <a:ln>
             <a:noFill/>
           </a:ln>
@@ -2898,7 +2794,7 @@
           <a:sym typeface="Calibri"/>
         </a:defRPr>
       </a:lvl1pPr>
-      <a:lvl2pPr marL="0" marR="0" indent="457200" algn="r" defTabSz="457200" rtl="0" latinLnBrk="0">
+      <a:lvl2pPr marL="0" marR="0" indent="0" algn="r" defTabSz="457200" rtl="0" latinLnBrk="0">
         <a:lnSpc>
           <a:spcPct val="100000"/>
         </a:lnSpc>
@@ -2913,7 +2809,7 @@
         <a:buFontTx/>
         <a:buNone/>
         <a:tabLst/>
-        <a:defRPr sz="1200" b="0" i="0" u="none" strike="noStrike" cap="none" spc="0" baseline="0">
+        <a:defRPr b="0" baseline="0" cap="none" i="0" spc="0" strike="noStrike" sz="1200" u="none">
           <a:ln>
             <a:noFill/>
           </a:ln>
@@ -2927,7 +2823,7 @@
           <a:sym typeface="Calibri"/>
         </a:defRPr>
       </a:lvl2pPr>
-      <a:lvl3pPr marL="0" marR="0" indent="914400" algn="r" defTabSz="457200" rtl="0" latinLnBrk="0">
+      <a:lvl3pPr marL="0" marR="0" indent="0" algn="r" defTabSz="457200" rtl="0" latinLnBrk="0">
         <a:lnSpc>
           <a:spcPct val="100000"/>
         </a:lnSpc>
@@ -2942,7 +2838,7 @@
         <a:buFontTx/>
         <a:buNone/>
         <a:tabLst/>
-        <a:defRPr sz="1200" b="0" i="0" u="none" strike="noStrike" cap="none" spc="0" baseline="0">
+        <a:defRPr b="0" baseline="0" cap="none" i="0" spc="0" strike="noStrike" sz="1200" u="none">
           <a:ln>
             <a:noFill/>
           </a:ln>
@@ -2956,7 +2852,7 @@
           <a:sym typeface="Calibri"/>
         </a:defRPr>
       </a:lvl3pPr>
-      <a:lvl4pPr marL="0" marR="0" indent="1371600" algn="r" defTabSz="457200" rtl="0" latinLnBrk="0">
+      <a:lvl4pPr marL="0" marR="0" indent="0" algn="r" defTabSz="457200" rtl="0" latinLnBrk="0">
         <a:lnSpc>
           <a:spcPct val="100000"/>
         </a:lnSpc>
@@ -2971,7 +2867,7 @@
         <a:buFontTx/>
         <a:buNone/>
         <a:tabLst/>
-        <a:defRPr sz="1200" b="0" i="0" u="none" strike="noStrike" cap="none" spc="0" baseline="0">
+        <a:defRPr b="0" baseline="0" cap="none" i="0" spc="0" strike="noStrike" sz="1200" u="none">
           <a:ln>
             <a:noFill/>
           </a:ln>
@@ -2985,7 +2881,7 @@
           <a:sym typeface="Calibri"/>
         </a:defRPr>
       </a:lvl4pPr>
-      <a:lvl5pPr marL="0" marR="0" indent="1828800" algn="r" defTabSz="457200" rtl="0" latinLnBrk="0">
+      <a:lvl5pPr marL="0" marR="0" indent="0" algn="r" defTabSz="457200" rtl="0" latinLnBrk="0">
         <a:lnSpc>
           <a:spcPct val="100000"/>
         </a:lnSpc>
@@ -3000,7 +2896,7 @@
         <a:buFontTx/>
         <a:buNone/>
         <a:tabLst/>
-        <a:defRPr sz="1200" b="0" i="0" u="none" strike="noStrike" cap="none" spc="0" baseline="0">
+        <a:defRPr b="0" baseline="0" cap="none" i="0" spc="0" strike="noStrike" sz="1200" u="none">
           <a:ln>
             <a:noFill/>
           </a:ln>
@@ -3014,7 +2910,7 @@
           <a:sym typeface="Calibri"/>
         </a:defRPr>
       </a:lvl5pPr>
-      <a:lvl6pPr marL="0" marR="0" indent="2286000" algn="r" defTabSz="457200" rtl="0" latinLnBrk="0">
+      <a:lvl6pPr marL="0" marR="0" indent="0" algn="r" defTabSz="457200" rtl="0" latinLnBrk="0">
         <a:lnSpc>
           <a:spcPct val="100000"/>
         </a:lnSpc>
@@ -3029,7 +2925,7 @@
         <a:buFontTx/>
         <a:buNone/>
         <a:tabLst/>
-        <a:defRPr sz="1200" b="0" i="0" u="none" strike="noStrike" cap="none" spc="0" baseline="0">
+        <a:defRPr b="0" baseline="0" cap="none" i="0" spc="0" strike="noStrike" sz="1200" u="none">
           <a:ln>
             <a:noFill/>
           </a:ln>
@@ -3043,7 +2939,7 @@
           <a:sym typeface="Calibri"/>
         </a:defRPr>
       </a:lvl6pPr>
-      <a:lvl7pPr marL="0" marR="0" indent="2743200" algn="r" defTabSz="457200" rtl="0" latinLnBrk="0">
+      <a:lvl7pPr marL="0" marR="0" indent="0" algn="r" defTabSz="457200" rtl="0" latinLnBrk="0">
         <a:lnSpc>
           <a:spcPct val="100000"/>
         </a:lnSpc>
@@ -3058,7 +2954,7 @@
         <a:buFontTx/>
         <a:buNone/>
         <a:tabLst/>
-        <a:defRPr sz="1200" b="0" i="0" u="none" strike="noStrike" cap="none" spc="0" baseline="0">
+        <a:defRPr b="0" baseline="0" cap="none" i="0" spc="0" strike="noStrike" sz="1200" u="none">
           <a:ln>
             <a:noFill/>
           </a:ln>
@@ -3072,7 +2968,7 @@
           <a:sym typeface="Calibri"/>
         </a:defRPr>
       </a:lvl7pPr>
-      <a:lvl8pPr marL="0" marR="0" indent="3200400" algn="r" defTabSz="457200" rtl="0" latinLnBrk="0">
+      <a:lvl8pPr marL="0" marR="0" indent="0" algn="r" defTabSz="457200" rtl="0" latinLnBrk="0">
         <a:lnSpc>
           <a:spcPct val="100000"/>
         </a:lnSpc>
@@ -3087,7 +2983,7 @@
         <a:buFontTx/>
         <a:buNone/>
         <a:tabLst/>
-        <a:defRPr sz="1200" b="0" i="0" u="none" strike="noStrike" cap="none" spc="0" baseline="0">
+        <a:defRPr b="0" baseline="0" cap="none" i="0" spc="0" strike="noStrike" sz="1200" u="none">
           <a:ln>
             <a:noFill/>
           </a:ln>
@@ -3101,7 +2997,7 @@
           <a:sym typeface="Calibri"/>
         </a:defRPr>
       </a:lvl8pPr>
-      <a:lvl9pPr marL="0" marR="0" indent="3657600" algn="r" defTabSz="457200" rtl="0" latinLnBrk="0">
+      <a:lvl9pPr marL="0" marR="0" indent="0" algn="r" defTabSz="457200" rtl="0" latinLnBrk="0">
         <a:lnSpc>
           <a:spcPct val="100000"/>
         </a:lnSpc>
@@ -3116,7 +3012,7 @@
         <a:buFontTx/>
         <a:buNone/>
         <a:tabLst/>
-        <a:defRPr sz="1200" b="0" i="0" u="none" strike="noStrike" cap="none" spc="0" baseline="0">
+        <a:defRPr b="0" baseline="0" cap="none" i="0" spc="0" strike="noStrike" sz="1200" u="none">
           <a:ln>
             <a:noFill/>
           </a:ln>
@@ -3136,7 +3032,7 @@
 </file>
 
 <file path=ppt/slides/slide1.xml><?xml version="1.0" encoding="utf-8"?>
-<p:sld xmlns:a="http://schemas.openxmlformats.org/drawingml/2006/main" xmlns:r="http://schemas.openxmlformats.org/officeDocument/2006/relationships" xmlns:p="http://schemas.openxmlformats.org/presentationml/2006/main">
+<p:sld xmlns:a="http://schemas.openxmlformats.org/drawingml/2006/main" xmlns:r="http://schemas.openxmlformats.org/officeDocument/2006/relationships" xmlns:p="http://schemas.openxmlformats.org/presentationml/2006/main" showMasterSp="1" showMasterPhAnim="1">
   <p:cSld>
     <p:spTree>
       <p:nvGrpSpPr>
@@ -3155,9 +3051,7 @@
       <p:sp>
         <p:nvSpPr>
           <p:cNvPr id="112" name="Title 1"/>
-          <p:cNvSpPr txBox="1">
-            <a:spLocks noGrp="1"/>
-          </p:cNvSpPr>
+          <p:cNvSpPr txBox="1"/>
           <p:nvPr>
             <p:ph type="ctrTitle"/>
           </p:nvPr>
@@ -3178,7 +3072,6 @@
               <a:t>RESTful web application</a:t>
             </a:r>
             <a:br/>
-            <a:endParaRPr/>
           </a:p>
         </p:txBody>
       </p:sp>
@@ -3187,12 +3080,12 @@
   <p:clrMapOvr>
     <a:masterClrMapping/>
   </p:clrMapOvr>
-  <p:transition spd="med"/>
+  <p:transition xmlns:p14="http://schemas.microsoft.com/office/powerpoint/2010/main" spd="med" advClick="1"/>
 </p:sld>
 </file>
 
 <file path=ppt/slides/slide10.xml><?xml version="1.0" encoding="utf-8"?>
-<p:sld xmlns:a="http://schemas.openxmlformats.org/drawingml/2006/main" xmlns:r="http://schemas.openxmlformats.org/officeDocument/2006/relationships" xmlns:p="http://schemas.openxmlformats.org/presentationml/2006/main">
+<p:sld xmlns:a="http://schemas.openxmlformats.org/drawingml/2006/main" xmlns:r="http://schemas.openxmlformats.org/officeDocument/2006/relationships" xmlns:p="http://schemas.openxmlformats.org/presentationml/2006/main" showMasterSp="1" showMasterPhAnim="1">
   <p:cSld>
     <p:spTree>
       <p:nvGrpSpPr>
@@ -3210,15 +3103,17 @@
       </p:grpSpPr>
       <p:sp>
         <p:nvSpPr>
-          <p:cNvPr id="137" name="REST: Representational state transfer"/>
-          <p:cNvSpPr txBox="1">
-            <a:spLocks noGrp="1"/>
-          </p:cNvSpPr>
+          <p:cNvPr id="141" name="REST: Representational state transfer"/>
+          <p:cNvSpPr txBox="1"/>
           <p:nvPr>
             <p:ph type="title"/>
           </p:nvPr>
         </p:nvSpPr>
         <p:spPr>
+          <a:xfrm>
+            <a:off x="457200" y="274638"/>
+            <a:ext cx="8229600" cy="1143001"/>
+          </a:xfrm>
           <a:prstGeom prst="rect">
             <a:avLst/>
           </a:prstGeom>
@@ -3234,15 +3129,16 @@
                 <a:tab pos="596900" algn="l"/>
                 <a:tab pos="914400" algn="l"/>
               </a:tabLst>
-              <a:defRPr sz="2500" b="1">
-                <a:latin typeface="+mn-lt"/>
-                <a:ea typeface="+mn-ea"/>
-                <a:cs typeface="+mn-cs"/>
+              <a:defRPr b="1" sz="2500">
+                <a:latin typeface="+mj-lt"/>
+                <a:ea typeface="+mj-ea"/>
+                <a:cs typeface="+mj-cs"/>
                 <a:sym typeface="Helvetica"/>
               </a:defRPr>
             </a:lvl1pPr>
           </a:lstStyle>
           <a:p>
+            <a:pPr/>
             <a:r>
               <a:t>REST: Representational state transfer</a:t>
             </a:r>
@@ -3251,28 +3147,28 @@
       </p:sp>
       <p:sp>
         <p:nvSpPr>
-          <p:cNvPr id="138" name="A very common approach to structure data access is called REST  REST means representational state transfer…"/>
-          <p:cNvSpPr txBox="1">
-            <a:spLocks noGrp="1"/>
-          </p:cNvSpPr>
+          <p:cNvPr id="142" name="A very common approach to structure data access is called REST  REST means representational state transfer…"/>
+          <p:cNvSpPr txBox="1"/>
           <p:nvPr>
             <p:ph type="body" idx="1"/>
           </p:nvPr>
         </p:nvSpPr>
         <p:spPr>
+          <a:xfrm>
+            <a:off x="457200" y="1600200"/>
+            <a:ext cx="8229600" cy="4525963"/>
+          </a:xfrm>
           <a:prstGeom prst="rect">
             <a:avLst/>
           </a:prstGeom>
         </p:spPr>
         <p:txBody>
-          <a:bodyPr>
-            <a:normAutofit fontScale="77500" lnSpcReduction="20000"/>
-          </a:bodyPr>
+          <a:bodyPr/>
           <a:lstStyle/>
           <a:p>
             <a:pPr marL="182980" indent="-182980" defTabSz="333756">
               <a:lnSpc>
-                <a:spcPct val="170000"/>
+                <a:spcPct val="136000"/>
               </a:lnSpc>
               <a:spcBef>
                 <a:spcPts val="0"/>
@@ -3282,38 +3178,21 @@
                 <a:tab pos="101600" algn="l"/>
                 <a:tab pos="330200" algn="l"/>
               </a:tabLst>
-              <a:defRPr sz="1825">
-                <a:latin typeface="+mn-lt"/>
-                <a:ea typeface="+mn-ea"/>
-                <a:cs typeface="+mn-cs"/>
+              <a:defRPr sz="1300">
+                <a:latin typeface="+mj-lt"/>
+                <a:ea typeface="+mj-ea"/>
+                <a:cs typeface="+mj-cs"/>
                 <a:sym typeface="Helvetica"/>
               </a:defRPr>
             </a:pPr>
             <a:r>
-              <a:rPr lang="en-US" dirty="0"/>
-              <a:t>Is a </a:t>
-            </a:r>
-            <a:r>
-              <a:rPr dirty="0"/>
-              <a:t>common approach to </a:t>
-            </a:r>
-            <a:r>
-              <a:rPr lang="en-US" dirty="0"/>
-              <a:t>architect/structure</a:t>
-            </a:r>
-            <a:r>
-              <a:rPr dirty="0"/>
-              <a:t> data access </a:t>
-            </a:r>
-            <a:r>
-              <a:rPr lang="en-US" dirty="0"/>
-              <a:t>that uses HTTP</a:t>
+              <a:t>Is a common approach to architect/structure data access that uses HTTP</a:t>
             </a:r>
           </a:p>
           <a:p>
             <a:pPr marL="182980" indent="-182980" defTabSz="333756">
               <a:lnSpc>
-                <a:spcPct val="170000"/>
+                <a:spcPct val="136000"/>
               </a:lnSpc>
               <a:spcBef>
                 <a:spcPts val="0"/>
@@ -3323,43 +3202,37 @@
                 <a:tab pos="101600" algn="l"/>
                 <a:tab pos="330200" algn="l"/>
               </a:tabLst>
-              <a:defRPr sz="1825">
-                <a:latin typeface="+mn-lt"/>
-                <a:ea typeface="+mn-ea"/>
-                <a:cs typeface="+mn-cs"/>
+              <a:defRPr sz="1300">
+                <a:latin typeface="+mj-lt"/>
+                <a:ea typeface="+mj-ea"/>
+                <a:cs typeface="+mj-cs"/>
                 <a:sym typeface="Helvetica"/>
               </a:defRPr>
             </a:pPr>
             <a:r>
-              <a:rPr dirty="0"/>
               <a:t>REST assumes that all calls related to an entity are found</a:t>
             </a:r>
             <a:r>
-              <a:rPr lang="en-US" dirty="0"/>
               <a:t>/</a:t>
             </a:r>
             <a:r>
-              <a:rPr dirty="0"/>
               <a:t>based on a single URL</a:t>
             </a:r>
             <a:r>
-              <a:rPr lang="en-US" dirty="0"/>
               <a:t> </a:t>
             </a:r>
             <a:r>
-              <a:rPr lang="en-US" b="1" dirty="0"/>
+              <a:rPr b="1"/>
               <a:t>(uniform interface)</a:t>
             </a:r>
             <a:r>
-              <a:rPr dirty="0"/>
               <a:t>:</a:t>
             </a:r>
-            <a:endParaRPr lang="en-US" dirty="0"/>
-          </a:p>
-          <a:p>
-            <a:pPr marL="623851" lvl="1" indent="-182980" defTabSz="333756">
+          </a:p>
+          <a:p>
+            <a:pPr lvl="1" marL="623851" indent="-182980" defTabSz="333756">
               <a:lnSpc>
-                <a:spcPct val="170000"/>
+                <a:spcPct val="136000"/>
               </a:lnSpc>
               <a:spcBef>
                 <a:spcPts val="0"/>
@@ -3369,35 +3242,34 @@
                 <a:tab pos="101600" algn="l"/>
                 <a:tab pos="330200" algn="l"/>
               </a:tabLst>
-              <a:defRPr sz="1825">
-                <a:latin typeface="+mn-lt"/>
-                <a:ea typeface="+mn-ea"/>
-                <a:cs typeface="+mn-cs"/>
+              <a:defRPr sz="1300">
+                <a:latin typeface="+mj-lt"/>
+                <a:ea typeface="+mj-ea"/>
+                <a:cs typeface="+mj-cs"/>
                 <a:sym typeface="Helvetica"/>
               </a:defRPr>
             </a:pPr>
             <a:r>
-              <a:rPr dirty="0"/>
               <a:t>Such as </a:t>
             </a:r>
             <a:r>
-              <a:rPr i="1" dirty="0"/>
+              <a:rPr i="1"/>
               <a:t>xxx</a:t>
             </a:r>
             <a:r>
-              <a:rPr lang="en-US" i="1" dirty="0"/>
+              <a:rPr i="1"/>
               <a:t>x</a:t>
             </a:r>
             <a:r>
-              <a:rPr i="1" dirty="0"/>
+              <a:rPr i="1"/>
               <a:t>.com/movies, </a:t>
             </a:r>
-            <a:endParaRPr lang="en-US" i="1" dirty="0"/>
-          </a:p>
-          <a:p>
-            <a:pPr marL="623851" lvl="1" indent="-182980" defTabSz="333756">
+            <a:endParaRPr i="1"/>
+          </a:p>
+          <a:p>
+            <a:pPr lvl="1" marL="623851" indent="-182980" defTabSz="333756">
               <a:lnSpc>
-                <a:spcPct val="170000"/>
+                <a:spcPct val="136000"/>
               </a:lnSpc>
               <a:spcBef>
                 <a:spcPts val="0"/>
@@ -3407,34 +3279,33 @@
                 <a:tab pos="101600" algn="l"/>
                 <a:tab pos="330200" algn="l"/>
               </a:tabLst>
-              <a:defRPr sz="1825">
-                <a:latin typeface="+mn-lt"/>
-                <a:ea typeface="+mn-ea"/>
-                <a:cs typeface="+mn-cs"/>
+              <a:defRPr sz="1300">
+                <a:latin typeface="+mj-lt"/>
+                <a:ea typeface="+mj-ea"/>
+                <a:cs typeface="+mj-cs"/>
                 <a:sym typeface="Helvetica"/>
               </a:defRPr>
             </a:pPr>
             <a:r>
-              <a:rPr dirty="0"/>
               <a:t>And</a:t>
             </a:r>
             <a:r>
-              <a:rPr i="1" dirty="0"/>
+              <a:rPr i="1"/>
               <a:t> xxx</a:t>
             </a:r>
             <a:r>
-              <a:rPr lang="en-US" i="1" dirty="0"/>
+              <a:rPr i="1"/>
               <a:t>x.</a:t>
             </a:r>
             <a:r>
-              <a:rPr i="1" dirty="0"/>
+              <a:rPr i="1"/>
               <a:t>com/actors </a:t>
             </a:r>
           </a:p>
           <a:p>
             <a:pPr marL="182980" indent="-182980" defTabSz="333756">
               <a:lnSpc>
-                <a:spcPct val="170000"/>
+                <a:spcPct val="136000"/>
               </a:lnSpc>
               <a:spcBef>
                 <a:spcPts val="0"/>
@@ -3444,211 +3315,190 @@
                 <a:tab pos="101600" algn="l"/>
                 <a:tab pos="330200" algn="l"/>
               </a:tabLst>
-              <a:defRPr sz="1825">
-                <a:latin typeface="+mn-lt"/>
-                <a:ea typeface="+mn-ea"/>
-                <a:cs typeface="+mn-cs"/>
+              <a:defRPr sz="1300">
+                <a:latin typeface="+mj-lt"/>
+                <a:ea typeface="+mj-ea"/>
+                <a:cs typeface="+mj-cs"/>
                 <a:sym typeface="Helvetica"/>
               </a:defRPr>
             </a:pPr>
             <a:r>
-              <a:rPr dirty="0"/>
               <a:t>	</a:t>
             </a:r>
             <a:r>
-              <a:rPr lang="en-US" dirty="0"/>
               <a:t>The communication is </a:t>
             </a:r>
             <a:r>
-              <a:rPr lang="en-US" b="1" dirty="0"/>
+              <a:rPr b="1"/>
               <a:t>stateless </a:t>
             </a:r>
             <a:r>
-              <a:rPr lang="en-US" dirty="0"/>
-              <a:t>and the only possible </a:t>
-            </a:r>
-            <a:r>
-              <a:rPr dirty="0"/>
+              <a:t>and some of the possible HTTP </a:t>
+            </a:r>
+            <a:r>
               <a:t>methods are</a:t>
             </a:r>
             <a:r>
-              <a:rPr lang="en-US" dirty="0"/>
               <a:t>:</a:t>
             </a:r>
-            <a:endParaRPr dirty="0"/>
           </a:p>
           <a:p>
             <a:pPr marL="667512" indent="-667512" defTabSz="333756">
               <a:lnSpc>
-                <a:spcPct val="170000"/>
+                <a:spcPct val="136000"/>
               </a:lnSpc>
               <a:spcBef>
                 <a:spcPts val="0"/>
               </a:spcBef>
               <a:buSzTx/>
-              <a:buFontTx/>
               <a:buNone/>
               <a:tabLst>
                 <a:tab pos="431800" algn="l"/>
                 <a:tab pos="660400" algn="l"/>
               </a:tabLst>
-              <a:defRPr sz="1825">
-                <a:latin typeface="+mn-lt"/>
-                <a:ea typeface="+mn-ea"/>
-                <a:cs typeface="+mn-cs"/>
+              <a:defRPr sz="1300">
+                <a:latin typeface="+mj-lt"/>
+                <a:ea typeface="+mj-ea"/>
+                <a:cs typeface="+mj-cs"/>
                 <a:sym typeface="Helvetica"/>
               </a:defRPr>
             </a:pPr>
             <a:r>
-              <a:rPr dirty="0"/>
               <a:t>	—	GET on </a:t>
             </a:r>
             <a:r>
-              <a:rPr i="1" dirty="0"/>
+              <a:rPr i="1"/>
               <a:t>xxx.com/movies </a:t>
             </a:r>
             <a:r>
-              <a:rPr dirty="0"/>
               <a:t>will give us back all movies</a:t>
             </a:r>
           </a:p>
           <a:p>
             <a:pPr marL="667512" indent="-667512" defTabSz="333756">
               <a:lnSpc>
-                <a:spcPct val="170000"/>
+                <a:spcPct val="136000"/>
               </a:lnSpc>
               <a:spcBef>
                 <a:spcPts val="0"/>
               </a:spcBef>
               <a:buSzTx/>
-              <a:buFontTx/>
               <a:buNone/>
               <a:tabLst>
                 <a:tab pos="431800" algn="l"/>
                 <a:tab pos="660400" algn="l"/>
               </a:tabLst>
-              <a:defRPr sz="1825">
-                <a:latin typeface="+mn-lt"/>
-                <a:ea typeface="+mn-ea"/>
-                <a:cs typeface="+mn-cs"/>
+              <a:defRPr sz="1300">
+                <a:latin typeface="+mj-lt"/>
+                <a:ea typeface="+mj-ea"/>
+                <a:cs typeface="+mj-cs"/>
                 <a:sym typeface="Helvetica"/>
               </a:defRPr>
             </a:pPr>
             <a:r>
-              <a:rPr dirty="0"/>
               <a:t>	—	GET on </a:t>
             </a:r>
             <a:r>
-              <a:rPr i="1" dirty="0"/>
+              <a:rPr i="1"/>
               <a:t>xxx.com/movies/{id}</a:t>
             </a:r>
             <a:r>
-              <a:rPr dirty="0"/>
               <a:t> will give us back the movies with id = {id}</a:t>
             </a:r>
           </a:p>
           <a:p>
             <a:pPr marL="667512" indent="-667512" defTabSz="333756">
               <a:lnSpc>
-                <a:spcPct val="170000"/>
+                <a:spcPct val="136000"/>
               </a:lnSpc>
               <a:spcBef>
                 <a:spcPts val="0"/>
               </a:spcBef>
               <a:buSzTx/>
-              <a:buFontTx/>
               <a:buNone/>
               <a:tabLst>
                 <a:tab pos="431800" algn="l"/>
                 <a:tab pos="660400" algn="l"/>
               </a:tabLst>
-              <a:defRPr sz="1825">
-                <a:latin typeface="+mn-lt"/>
-                <a:ea typeface="+mn-ea"/>
-                <a:cs typeface="+mn-cs"/>
+              <a:defRPr sz="1300">
+                <a:latin typeface="+mj-lt"/>
+                <a:ea typeface="+mj-ea"/>
+                <a:cs typeface="+mj-cs"/>
                 <a:sym typeface="Helvetica"/>
               </a:defRPr>
             </a:pPr>
             <a:r>
-              <a:rPr dirty="0"/>
               <a:t>	—	POST on </a:t>
             </a:r>
             <a:r>
-              <a:rPr i="1" dirty="0"/>
+              <a:rPr i="1"/>
               <a:t>xxx.com/movies</a:t>
             </a:r>
             <a:r>
-              <a:rPr dirty="0"/>
               <a:t> will create a new movie (usually the movie to add is in the body of the request)</a:t>
             </a:r>
           </a:p>
           <a:p>
             <a:pPr marL="667512" indent="-667512" defTabSz="333756">
               <a:lnSpc>
-                <a:spcPct val="170000"/>
+                <a:spcPct val="136000"/>
               </a:lnSpc>
               <a:spcBef>
                 <a:spcPts val="0"/>
               </a:spcBef>
               <a:buSzTx/>
-              <a:buFontTx/>
               <a:buNone/>
               <a:tabLst>
                 <a:tab pos="431800" algn="l"/>
                 <a:tab pos="660400" algn="l"/>
               </a:tabLst>
-              <a:defRPr sz="1825">
-                <a:latin typeface="+mn-lt"/>
-                <a:ea typeface="+mn-ea"/>
-                <a:cs typeface="+mn-cs"/>
+              <a:defRPr sz="1300">
+                <a:latin typeface="+mj-lt"/>
+                <a:ea typeface="+mj-ea"/>
+                <a:cs typeface="+mj-cs"/>
                 <a:sym typeface="Helvetica"/>
               </a:defRPr>
             </a:pPr>
             <a:r>
-              <a:rPr dirty="0"/>
               <a:t>	—	PUT on </a:t>
             </a:r>
             <a:r>
-              <a:rPr i="1" dirty="0"/>
+              <a:rPr i="1"/>
               <a:t>xxx.com/movies/{id} </a:t>
             </a:r>
             <a:r>
-              <a:rPr dirty="0"/>
               <a:t>will change movie with id = {id} to the value sent through the body</a:t>
             </a:r>
           </a:p>
           <a:p>
             <a:pPr marL="667512" indent="-667512" defTabSz="333756">
               <a:lnSpc>
-                <a:spcPct val="170000"/>
+                <a:spcPct val="136000"/>
               </a:lnSpc>
               <a:spcBef>
                 <a:spcPts val="0"/>
               </a:spcBef>
               <a:buSzTx/>
-              <a:buFontTx/>
               <a:buNone/>
               <a:tabLst>
                 <a:tab pos="431800" algn="l"/>
                 <a:tab pos="660400" algn="l"/>
               </a:tabLst>
-              <a:defRPr sz="1825">
-                <a:latin typeface="+mn-lt"/>
-                <a:ea typeface="+mn-ea"/>
-                <a:cs typeface="+mn-cs"/>
+              <a:defRPr sz="1300">
+                <a:latin typeface="+mj-lt"/>
+                <a:ea typeface="+mj-ea"/>
+                <a:cs typeface="+mj-cs"/>
                 <a:sym typeface="Helvetica"/>
               </a:defRPr>
             </a:pPr>
             <a:r>
-              <a:rPr dirty="0"/>
               <a:t>	—	DELETE on </a:t>
             </a:r>
             <a:r>
-              <a:rPr i="1" dirty="0"/>
+              <a:rPr i="1"/>
               <a:t>xxx.com/movies/{id}</a:t>
             </a:r>
             <a:r>
-              <a:rPr dirty="0"/>
               <a:t> will remove the movie with id = {id}</a:t>
             </a:r>
           </a:p>
@@ -3659,12 +3509,12 @@
   <p:clrMapOvr>
     <a:masterClrMapping/>
   </p:clrMapOvr>
-  <p:transition spd="med"/>
+  <p:transition xmlns:p14="http://schemas.microsoft.com/office/powerpoint/2010/main" spd="med" advClick="1"/>
 </p:sld>
 </file>
 
 <file path=ppt/slides/slide11.xml><?xml version="1.0" encoding="utf-8"?>
-<p:sld xmlns:a="http://schemas.openxmlformats.org/drawingml/2006/main" xmlns:r="http://schemas.openxmlformats.org/officeDocument/2006/relationships" xmlns:p="http://schemas.openxmlformats.org/presentationml/2006/main">
+<p:sld xmlns:a="http://schemas.openxmlformats.org/drawingml/2006/main" xmlns:r="http://schemas.openxmlformats.org/officeDocument/2006/relationships" xmlns:p="http://schemas.openxmlformats.org/presentationml/2006/main" showMasterSp="1" showMasterPhAnim="1">
   <p:cSld>
     <p:spTree>
       <p:nvGrpSpPr>
@@ -3682,15 +3532,17 @@
       </p:grpSpPr>
       <p:sp>
         <p:nvSpPr>
-          <p:cNvPr id="143" name="…Messages in REST API"/>
-          <p:cNvSpPr txBox="1">
-            <a:spLocks noGrp="1"/>
-          </p:cNvSpPr>
+          <p:cNvPr id="144" name="…Messages in REST API"/>
+          <p:cNvSpPr txBox="1"/>
           <p:nvPr>
             <p:ph type="title"/>
           </p:nvPr>
         </p:nvSpPr>
         <p:spPr>
+          <a:xfrm>
+            <a:off x="457200" y="274638"/>
+            <a:ext cx="8229600" cy="1143001"/>
+          </a:xfrm>
           <a:prstGeom prst="rect">
             <a:avLst/>
           </a:prstGeom>
@@ -3699,10 +3551,11 @@
           <a:bodyPr/>
           <a:lstStyle>
             <a:lvl1pPr>
-              <a:defRPr sz="2500" b="1"/>
+              <a:defRPr b="1" sz="2500"/>
             </a:lvl1pPr>
           </a:lstStyle>
           <a:p>
+            <a:pPr/>
             <a:r>
               <a:t>…Messages in REST API</a:t>
             </a:r>
@@ -3711,15 +3564,17 @@
       </p:sp>
       <p:sp>
         <p:nvSpPr>
-          <p:cNvPr id="144" name="Body"/>
-          <p:cNvSpPr txBox="1">
-            <a:spLocks noGrp="1"/>
-          </p:cNvSpPr>
+          <p:cNvPr id="145" name="Body"/>
+          <p:cNvSpPr txBox="1"/>
           <p:nvPr>
             <p:ph type="body" idx="1"/>
           </p:nvPr>
         </p:nvSpPr>
         <p:spPr>
+          <a:xfrm>
+            <a:off x="457200" y="1600200"/>
+            <a:ext cx="8229600" cy="4525963"/>
+          </a:xfrm>
           <a:prstGeom prst="rect">
             <a:avLst/>
           </a:prstGeom>
@@ -3728,13 +3583,13 @@
           <a:bodyPr/>
           <a:lstStyle/>
           <a:p>
-            <a:endParaRPr/>
+            <a:pPr/>
           </a:p>
         </p:txBody>
       </p:sp>
       <p:pic>
         <p:nvPicPr>
-          <p:cNvPr id="145" name="9_HTTP_Message_Format.jpg" descr="9_HTTP_Message_Format.jpg"/>
+          <p:cNvPr id="146" name="9_HTTP_Message_Format.jpg" descr="9_HTTP_Message_Format.jpg"/>
           <p:cNvPicPr>
             <a:picLocks noChangeAspect="1"/>
           </p:cNvPicPr>
@@ -3750,8 +3605,8 @@
         </p:blipFill>
         <p:spPr>
           <a:xfrm>
-            <a:off x="376396" y="1639366"/>
-            <a:ext cx="8753916" cy="4447631"/>
+            <a:off x="376395" y="1639366"/>
+            <a:ext cx="8753918" cy="4447631"/>
           </a:xfrm>
           <a:prstGeom prst="rect">
             <a:avLst/>
@@ -3766,12 +3621,12 @@
   <p:clrMapOvr>
     <a:masterClrMapping/>
   </p:clrMapOvr>
-  <p:transition spd="med"/>
+  <p:transition xmlns:p14="http://schemas.microsoft.com/office/powerpoint/2010/main" spd="med" advClick="1"/>
 </p:sld>
 </file>
 
 <file path=ppt/slides/slide12.xml><?xml version="1.0" encoding="utf-8"?>
-<p:sld xmlns:a="http://schemas.openxmlformats.org/drawingml/2006/main" xmlns:r="http://schemas.openxmlformats.org/officeDocument/2006/relationships" xmlns:p="http://schemas.openxmlformats.org/presentationml/2006/main">
+<p:sld xmlns:a="http://schemas.openxmlformats.org/drawingml/2006/main" xmlns:r="http://schemas.openxmlformats.org/officeDocument/2006/relationships" xmlns:p="http://schemas.openxmlformats.org/presentationml/2006/main" showMasterSp="1" showMasterPhAnim="1">
   <p:cSld>
     <p:spTree>
       <p:nvGrpSpPr>
@@ -3789,18 +3644,16 @@
       </p:grpSpPr>
       <p:sp>
         <p:nvSpPr>
-          <p:cNvPr id="140" name="Title 1"/>
-          <p:cNvSpPr txBox="1">
-            <a:spLocks noGrp="1"/>
-          </p:cNvSpPr>
+          <p:cNvPr id="148" name="Title 1"/>
+          <p:cNvSpPr txBox="1"/>
           <p:nvPr>
             <p:ph type="title"/>
           </p:nvPr>
         </p:nvSpPr>
         <p:spPr>
           <a:xfrm>
-            <a:off x="457200" y="274637"/>
-            <a:ext cx="8229600" cy="675211"/>
+            <a:off x="457200" y="274636"/>
+            <a:ext cx="8229600" cy="675212"/>
           </a:xfrm>
           <a:prstGeom prst="rect">
             <a:avLst/>
@@ -3810,10 +3663,11 @@
           <a:bodyPr/>
           <a:lstStyle>
             <a:lvl1pPr>
-              <a:defRPr sz="2500" b="1"/>
+              <a:defRPr b="1" sz="2500"/>
             </a:lvl1pPr>
           </a:lstStyle>
           <a:p>
+            <a:pPr/>
             <a:r>
               <a:t>Messages in REST API…</a:t>
             </a:r>
@@ -3822,422 +3676,364 @@
       </p:sp>
       <p:sp>
         <p:nvSpPr>
-          <p:cNvPr id="141" name="Content Placeholder 2"/>
-          <p:cNvSpPr txBox="1">
-            <a:spLocks noGrp="1"/>
-          </p:cNvSpPr>
+          <p:cNvPr id="149" name="Content Placeholder 2"/>
+          <p:cNvSpPr txBox="1"/>
           <p:nvPr>
             <p:ph type="body" idx="1"/>
           </p:nvPr>
         </p:nvSpPr>
         <p:spPr>
           <a:xfrm>
-            <a:off x="457200" y="1022117"/>
-            <a:ext cx="8229600" cy="5507342"/>
+            <a:off x="457200" y="1022116"/>
+            <a:ext cx="8229600" cy="5507344"/>
           </a:xfrm>
           <a:prstGeom prst="rect">
             <a:avLst/>
           </a:prstGeom>
         </p:spPr>
         <p:txBody>
-          <a:bodyPr>
-            <a:normAutofit/>
-          </a:bodyPr>
+          <a:bodyPr/>
           <a:lstStyle/>
           <a:p>
-            <a:pPr marL="240030" indent="-240030" defTabSz="320039">
+            <a:pPr marL="240029" indent="-240029" defTabSz="320038">
               <a:lnSpc>
                 <a:spcPct val="80000"/>
               </a:lnSpc>
               <a:spcBef>
                 <a:spcPts val="300"/>
               </a:spcBef>
-              <a:defRPr sz="1750">
-                <a:latin typeface="+mn-lt"/>
-                <a:ea typeface="+mn-ea"/>
-                <a:cs typeface="+mn-cs"/>
+              <a:defRPr sz="1700">
+                <a:latin typeface="+mj-lt"/>
+                <a:ea typeface="+mj-ea"/>
+                <a:cs typeface="+mj-cs"/>
                 <a:sym typeface="Helvetica"/>
               </a:defRPr>
             </a:pPr>
             <a:r>
-              <a:rPr dirty="0"/>
               <a:t>HTTP messages in REST </a:t>
             </a:r>
             <a:r>
-              <a:rPr lang="en-US" dirty="0"/>
               <a:t>become very descriptive; indeed they need to describe completely the users’ intentions and the servers’ response:</a:t>
             </a:r>
           </a:p>
           <a:p>
-            <a:pPr marL="680901" lvl="1" indent="-240030" defTabSz="320039">
+            <a:pPr lvl="1" marL="680900" indent="-240030" defTabSz="320038">
               <a:lnSpc>
                 <a:spcPct val="80000"/>
               </a:lnSpc>
               <a:spcBef>
                 <a:spcPts val="300"/>
               </a:spcBef>
-              <a:defRPr sz="1750">
-                <a:latin typeface="+mn-lt"/>
-                <a:ea typeface="+mn-ea"/>
-                <a:cs typeface="+mn-cs"/>
+              <a:defRPr sz="1700">
+                <a:latin typeface="+mj-lt"/>
+                <a:ea typeface="+mj-ea"/>
+                <a:cs typeface="+mj-cs"/>
                 <a:sym typeface="Helvetica"/>
               </a:defRPr>
             </a:pPr>
-            <a:endParaRPr lang="en-US" dirty="0"/>
-          </a:p>
-          <a:p>
-            <a:pPr marL="680901" lvl="1" indent="-240030" defTabSz="320039">
+          </a:p>
+          <a:p>
+            <a:pPr lvl="1" marL="680900" indent="-240030" defTabSz="320038">
               <a:lnSpc>
                 <a:spcPct val="80000"/>
               </a:lnSpc>
               <a:spcBef>
                 <a:spcPts val="300"/>
               </a:spcBef>
-              <a:defRPr sz="1750">
-                <a:latin typeface="+mn-lt"/>
-                <a:ea typeface="+mn-ea"/>
-                <a:cs typeface="+mn-cs"/>
+              <a:defRPr sz="1700">
+                <a:latin typeface="+mj-lt"/>
+                <a:ea typeface="+mj-ea"/>
+                <a:cs typeface="+mj-cs"/>
                 <a:sym typeface="Helvetica"/>
               </a:defRPr>
             </a:pPr>
             <a:r>
-              <a:rPr lang="en-US" dirty="0"/>
               <a:t>Request</a:t>
             </a:r>
           </a:p>
           <a:p>
-            <a:pPr marL="1116330" lvl="2" indent="-240030" defTabSz="320039">
+            <a:pPr lvl="2" marL="1116330" indent="-240030" defTabSz="320038">
               <a:lnSpc>
                 <a:spcPct val="80000"/>
               </a:lnSpc>
               <a:spcBef>
                 <a:spcPts val="300"/>
               </a:spcBef>
-              <a:defRPr sz="1750">
-                <a:latin typeface="+mn-lt"/>
-                <a:ea typeface="+mn-ea"/>
-                <a:cs typeface="+mn-cs"/>
+              <a:defRPr sz="1700">
+                <a:latin typeface="+mj-lt"/>
+                <a:ea typeface="+mj-ea"/>
+                <a:cs typeface="+mj-cs"/>
                 <a:sym typeface="Helvetica"/>
               </a:defRPr>
             </a:pPr>
             <a:r>
-              <a:rPr lang="en-US" sz="1750" dirty="0">
-                <a:sym typeface="Helvetica"/>
-              </a:rPr>
               <a:t>Resource URL</a:t>
             </a:r>
           </a:p>
           <a:p>
-            <a:pPr marL="1116330" lvl="2" indent="-240030" defTabSz="320039">
+            <a:pPr lvl="2" marL="1116330" indent="-240030" defTabSz="320038">
               <a:lnSpc>
                 <a:spcPct val="80000"/>
               </a:lnSpc>
               <a:spcBef>
                 <a:spcPts val="300"/>
               </a:spcBef>
-              <a:defRPr sz="1750">
-                <a:latin typeface="+mn-lt"/>
-                <a:ea typeface="+mn-ea"/>
-                <a:cs typeface="+mn-cs"/>
+              <a:defRPr sz="1700">
+                <a:latin typeface="+mj-lt"/>
+                <a:ea typeface="+mj-ea"/>
+                <a:cs typeface="+mj-cs"/>
                 <a:sym typeface="Helvetica"/>
               </a:defRPr>
             </a:pPr>
             <a:r>
-              <a:rPr lang="en-US" sz="1750" dirty="0">
-                <a:sym typeface="Helvetica"/>
-              </a:rPr>
               <a:t>HTTP Method: GET, POST, PUT or DELETE</a:t>
             </a:r>
-            <a:endParaRPr lang="en-US" dirty="0"/>
-          </a:p>
-          <a:p>
-            <a:pPr marL="1116330" lvl="2" indent="-240030" defTabSz="320039">
+          </a:p>
+          <a:p>
+            <a:pPr lvl="2" marL="1116330" indent="-240030" defTabSz="320038">
               <a:lnSpc>
                 <a:spcPct val="80000"/>
               </a:lnSpc>
               <a:spcBef>
                 <a:spcPts val="300"/>
               </a:spcBef>
-              <a:defRPr sz="1750">
-                <a:latin typeface="+mn-lt"/>
-                <a:ea typeface="+mn-ea"/>
-                <a:cs typeface="+mn-cs"/>
+              <a:defRPr sz="1700">
+                <a:latin typeface="+mj-lt"/>
+                <a:ea typeface="+mj-ea"/>
+                <a:cs typeface="+mj-cs"/>
                 <a:sym typeface="Helvetica"/>
               </a:defRPr>
             </a:pPr>
             <a:r>
-              <a:rPr dirty="0"/>
               <a:t>Query parameters</a:t>
             </a:r>
-            <a:endParaRPr lang="en-US" dirty="0"/>
-          </a:p>
-          <a:p>
-            <a:pPr marL="1116330" lvl="2" indent="-240030" defTabSz="320039">
+          </a:p>
+          <a:p>
+            <a:pPr lvl="2" marL="1116330" indent="-240030" defTabSz="320038">
               <a:lnSpc>
                 <a:spcPct val="80000"/>
               </a:lnSpc>
               <a:spcBef>
                 <a:spcPts val="300"/>
               </a:spcBef>
-              <a:defRPr sz="1750">
-                <a:latin typeface="+mn-lt"/>
-                <a:ea typeface="+mn-ea"/>
-                <a:cs typeface="+mn-cs"/>
+              <a:defRPr sz="1700">
+                <a:latin typeface="+mj-lt"/>
+                <a:ea typeface="+mj-ea"/>
+                <a:cs typeface="+mj-cs"/>
                 <a:sym typeface="Helvetica"/>
               </a:defRPr>
             </a:pPr>
             <a:r>
-              <a:rPr dirty="0"/>
               <a:t>Request body definition</a:t>
             </a:r>
-            <a:endParaRPr lang="en-US" dirty="0"/>
-          </a:p>
-          <a:p>
-            <a:pPr marL="1116330" lvl="2" indent="-240030" defTabSz="320039">
+          </a:p>
+          <a:p>
+            <a:pPr lvl="2" marL="1116330" indent="-240030" defTabSz="320038">
               <a:lnSpc>
                 <a:spcPct val="80000"/>
               </a:lnSpc>
               <a:spcBef>
                 <a:spcPts val="300"/>
               </a:spcBef>
-              <a:defRPr sz="1750">
-                <a:latin typeface="+mn-lt"/>
-                <a:ea typeface="+mn-ea"/>
-                <a:cs typeface="+mn-cs"/>
+              <a:defRPr sz="1700">
+                <a:latin typeface="+mj-lt"/>
+                <a:ea typeface="+mj-ea"/>
+                <a:cs typeface="+mj-cs"/>
                 <a:sym typeface="Helvetica"/>
               </a:defRPr>
             </a:pPr>
             <a:r>
-              <a:rPr dirty="0"/>
-              <a:t>Request headers such as accept that specify the content-type of a message (image, </a:t>
-            </a:r>
-            <a:r>
-              <a:rPr dirty="0" err="1"/>
-              <a:t>json</a:t>
-            </a:r>
-            <a:r>
-              <a:rPr dirty="0"/>
-              <a:t>, html)</a:t>
-            </a:r>
-            <a:endParaRPr lang="en-US" dirty="0"/>
-          </a:p>
-          <a:p>
-            <a:pPr marL="1116330" lvl="2" indent="-240030" defTabSz="320039">
+              <a:t>Request headers such as accept that specify the content-type of a message (image, json, html)</a:t>
+            </a:r>
+          </a:p>
+          <a:p>
+            <a:pPr lvl="2" marL="1116330" indent="-240030" defTabSz="320038">
               <a:lnSpc>
                 <a:spcPct val="80000"/>
               </a:lnSpc>
               <a:spcBef>
                 <a:spcPts val="300"/>
               </a:spcBef>
-              <a:defRPr sz="1750">
-                <a:latin typeface="+mn-lt"/>
-                <a:ea typeface="+mn-ea"/>
-                <a:cs typeface="+mn-cs"/>
+              <a:defRPr sz="1700">
+                <a:latin typeface="+mj-lt"/>
+                <a:ea typeface="+mj-ea"/>
+                <a:cs typeface="+mj-cs"/>
                 <a:sym typeface="Helvetica"/>
               </a:defRPr>
             </a:pPr>
-            <a:endParaRPr lang="en-US" dirty="0"/>
-          </a:p>
-          <a:p>
-            <a:pPr marL="680901" lvl="1" indent="-240030" defTabSz="320039">
+          </a:p>
+          <a:p>
+            <a:pPr lvl="1" marL="680900" indent="-240030" defTabSz="320038">
               <a:lnSpc>
                 <a:spcPct val="80000"/>
               </a:lnSpc>
               <a:spcBef>
                 <a:spcPts val="300"/>
               </a:spcBef>
-              <a:defRPr sz="1750">
-                <a:latin typeface="+mn-lt"/>
-                <a:ea typeface="+mn-ea"/>
-                <a:cs typeface="+mn-cs"/>
+              <a:defRPr sz="1700">
+                <a:latin typeface="+mj-lt"/>
+                <a:ea typeface="+mj-ea"/>
+                <a:cs typeface="+mj-cs"/>
                 <a:sym typeface="Helvetica"/>
               </a:defRPr>
             </a:pPr>
             <a:r>
-              <a:rPr lang="en-US" dirty="0" err="1"/>
               <a:t>Responce</a:t>
             </a:r>
-            <a:endParaRPr lang="en-US" dirty="0"/>
-          </a:p>
-          <a:p>
-            <a:pPr marL="1116330" lvl="2" indent="-240030" defTabSz="320039">
+          </a:p>
+          <a:p>
+            <a:pPr lvl="2" marL="1116330" indent="-240030" defTabSz="320038">
               <a:lnSpc>
                 <a:spcPct val="80000"/>
               </a:lnSpc>
               <a:spcBef>
                 <a:spcPts val="300"/>
               </a:spcBef>
-              <a:defRPr sz="1750">
-                <a:latin typeface="+mn-lt"/>
-                <a:ea typeface="+mn-ea"/>
-                <a:cs typeface="+mn-cs"/>
+              <a:defRPr sz="1700">
+                <a:latin typeface="+mj-lt"/>
+                <a:ea typeface="+mj-ea"/>
+                <a:cs typeface="+mj-cs"/>
                 <a:sym typeface="Helvetica"/>
               </a:defRPr>
             </a:pPr>
             <a:r>
-              <a:rPr dirty="0"/>
               <a:t>HTTP status code (for example 200 when successful)</a:t>
             </a:r>
-            <a:endParaRPr lang="en-US" dirty="0"/>
-          </a:p>
-          <a:p>
-            <a:pPr marL="1116330" lvl="2" indent="-240030" defTabSz="320039">
+          </a:p>
+          <a:p>
+            <a:pPr lvl="2" marL="1116330" indent="-240030" defTabSz="320038">
               <a:lnSpc>
                 <a:spcPct val="80000"/>
               </a:lnSpc>
               <a:spcBef>
                 <a:spcPts val="300"/>
               </a:spcBef>
-              <a:defRPr sz="1750">
-                <a:latin typeface="+mn-lt"/>
-                <a:ea typeface="+mn-ea"/>
-                <a:cs typeface="+mn-cs"/>
+              <a:defRPr sz="1700">
+                <a:latin typeface="+mj-lt"/>
+                <a:ea typeface="+mj-ea"/>
+                <a:cs typeface="+mj-cs"/>
                 <a:sym typeface="Helvetica"/>
               </a:defRPr>
             </a:pPr>
             <a:r>
-              <a:rPr dirty="0"/>
               <a:t>Response bod</a:t>
             </a:r>
             <a:r>
-              <a:rPr lang="en-US" dirty="0"/>
               <a:t>y</a:t>
             </a:r>
           </a:p>
           <a:p>
-            <a:pPr marL="1116330" lvl="2" indent="-240030" defTabSz="320039">
+            <a:pPr lvl="2" marL="1116330" indent="-240030" defTabSz="320038">
               <a:lnSpc>
                 <a:spcPct val="80000"/>
               </a:lnSpc>
               <a:spcBef>
                 <a:spcPts val="300"/>
               </a:spcBef>
-              <a:defRPr sz="1750">
-                <a:latin typeface="+mn-lt"/>
-                <a:ea typeface="+mn-ea"/>
-                <a:cs typeface="+mn-cs"/>
+              <a:defRPr sz="1700">
+                <a:latin typeface="+mj-lt"/>
+                <a:ea typeface="+mj-ea"/>
+                <a:cs typeface="+mj-cs"/>
                 <a:sym typeface="Helvetica"/>
               </a:defRPr>
             </a:pPr>
             <a:r>
-              <a:rPr dirty="0"/>
               <a:t>Response headers</a:t>
             </a:r>
-            <a:endParaRPr lang="en-US" dirty="0"/>
-          </a:p>
-          <a:p>
-            <a:pPr marL="680901" lvl="1" indent="-240030" defTabSz="320039">
+          </a:p>
+          <a:p>
+            <a:pPr lvl="1" marL="680900" indent="-240030" defTabSz="320038">
               <a:lnSpc>
                 <a:spcPct val="80000"/>
               </a:lnSpc>
               <a:spcBef>
                 <a:spcPts val="300"/>
               </a:spcBef>
-              <a:defRPr sz="1750">
-                <a:latin typeface="+mn-lt"/>
-                <a:ea typeface="+mn-ea"/>
-                <a:cs typeface="+mn-cs"/>
+              <a:defRPr sz="1700">
+                <a:latin typeface="+mj-lt"/>
+                <a:ea typeface="+mj-ea"/>
+                <a:cs typeface="+mj-cs"/>
                 <a:sym typeface="Helvetica"/>
               </a:defRPr>
             </a:pPr>
-            <a:endParaRPr lang="en-US" dirty="0"/>
-          </a:p>
-          <a:p>
-            <a:pPr marL="680901" lvl="1" indent="-240030" defTabSz="320039">
+          </a:p>
+          <a:p>
+            <a:pPr lvl="1" marL="680900" indent="-240030" defTabSz="320038">
               <a:lnSpc>
                 <a:spcPct val="80000"/>
               </a:lnSpc>
               <a:spcBef>
                 <a:spcPts val="300"/>
               </a:spcBef>
-              <a:defRPr sz="1750">
-                <a:latin typeface="+mn-lt"/>
-                <a:ea typeface="+mn-ea"/>
-                <a:cs typeface="+mn-cs"/>
+              <a:defRPr sz="1700">
+                <a:latin typeface="+mj-lt"/>
+                <a:ea typeface="+mj-ea"/>
+                <a:cs typeface="+mj-cs"/>
                 <a:sym typeface="Helvetica"/>
               </a:defRPr>
             </a:pPr>
-            <a:endParaRPr dirty="0"/>
-          </a:p>
-          <a:p>
-            <a:pPr marL="0" indent="0" defTabSz="320039">
+          </a:p>
+          <a:p>
+            <a:pPr marL="0" indent="0" defTabSz="320038">
               <a:lnSpc>
                 <a:spcPct val="80000"/>
               </a:lnSpc>
               <a:spcBef>
                 <a:spcPts val="300"/>
               </a:spcBef>
+              <a:buSzTx/>
               <a:buNone/>
-              <a:defRPr sz="1750">
-                <a:latin typeface="+mn-lt"/>
-                <a:ea typeface="+mn-ea"/>
-                <a:cs typeface="+mn-cs"/>
+              <a:defRPr sz="1700">
+                <a:latin typeface="+mj-lt"/>
+                <a:ea typeface="+mj-ea"/>
+                <a:cs typeface="+mj-cs"/>
                 <a:sym typeface="Helvetica"/>
               </a:defRPr>
             </a:pPr>
             <a:r>
-              <a:rPr lang="en-US" dirty="0"/>
-              <a:t>* </a:t>
-            </a:r>
-            <a:r>
-              <a:rPr dirty="0"/>
-              <a:t>Example of </a:t>
-            </a:r>
-            <a:r>
-              <a:rPr lang="en-US" dirty="0"/>
-              <a:t>body</a:t>
-            </a:r>
-            <a:r>
-              <a:rPr dirty="0"/>
-              <a:t> format</a:t>
-            </a:r>
-            <a:endParaRPr lang="en-US" dirty="0"/>
-          </a:p>
-          <a:p>
-            <a:pPr lvl="1" defTabSz="320039">
+              <a:t>* Example of body format</a:t>
+            </a:r>
+          </a:p>
+          <a:p>
+            <a:pPr lvl="1" defTabSz="320038">
               <a:lnSpc>
                 <a:spcPct val="80000"/>
               </a:lnSpc>
               <a:spcBef>
                 <a:spcPts val="300"/>
               </a:spcBef>
-              <a:buFont typeface="Arial" panose="020B0604020202020204" pitchFamily="34" charset="0"/>
               <a:buChar char="•"/>
-              <a:defRPr sz="1750">
-                <a:latin typeface="+mn-lt"/>
-                <a:ea typeface="+mn-ea"/>
-                <a:cs typeface="+mn-cs"/>
+              <a:defRPr sz="1700">
+                <a:latin typeface="+mj-lt"/>
+                <a:ea typeface="+mj-ea"/>
+                <a:cs typeface="+mj-cs"/>
                 <a:sym typeface="Helvetica"/>
               </a:defRPr>
             </a:pPr>
             <a:r>
-              <a:rPr dirty="0"/>
               <a:t>common formats are XML, JSON</a:t>
             </a:r>
             <a:r>
-              <a:rPr lang="en-US" dirty="0"/>
               <a:t>, or HTML</a:t>
             </a:r>
           </a:p>
           <a:p>
-            <a:pPr lvl="1" defTabSz="320039">
+            <a:pPr lvl="1" defTabSz="320038">
               <a:lnSpc>
                 <a:spcPct val="80000"/>
               </a:lnSpc>
               <a:spcBef>
                 <a:spcPts val="300"/>
               </a:spcBef>
-              <a:buFont typeface="Arial" panose="020B0604020202020204" pitchFamily="34" charset="0"/>
               <a:buChar char="•"/>
-              <a:defRPr sz="1750">
-                <a:latin typeface="+mn-lt"/>
-                <a:ea typeface="+mn-ea"/>
-                <a:cs typeface="+mn-cs"/>
+              <a:defRPr sz="1700">
+                <a:latin typeface="+mj-lt"/>
+                <a:ea typeface="+mj-ea"/>
+                <a:cs typeface="+mj-cs"/>
                 <a:sym typeface="Helvetica"/>
               </a:defRPr>
             </a:pPr>
             <a:r>
-              <a:rPr dirty="0"/>
               <a:t>Note: Those formats are not efficient compared to binary, but it is helpful for humans</a:t>
             </a:r>
           </a:p>
@@ -4248,12 +4044,12 @@
   <p:clrMapOvr>
     <a:masterClrMapping/>
   </p:clrMapOvr>
-  <p:transition spd="med"/>
+  <p:transition xmlns:p14="http://schemas.microsoft.com/office/powerpoint/2010/main" spd="med" advClick="1"/>
 </p:sld>
 </file>
 
 <file path=ppt/slides/slide13.xml><?xml version="1.0" encoding="utf-8"?>
-<p:sld xmlns:a="http://schemas.openxmlformats.org/drawingml/2006/main" xmlns:r="http://schemas.openxmlformats.org/officeDocument/2006/relationships" xmlns:p="http://schemas.openxmlformats.org/presentationml/2006/main">
+<p:sld xmlns:a="http://schemas.openxmlformats.org/drawingml/2006/main" xmlns:r="http://schemas.openxmlformats.org/officeDocument/2006/relationships" xmlns:p="http://schemas.openxmlformats.org/presentationml/2006/main" showMasterSp="1" showMasterPhAnim="1">
   <p:cSld>
     <p:spTree>
       <p:nvGrpSpPr>
@@ -4271,18 +4067,16 @@
       </p:grpSpPr>
       <p:sp>
         <p:nvSpPr>
-          <p:cNvPr id="147" name="Title 1"/>
-          <p:cNvSpPr txBox="1">
-            <a:spLocks noGrp="1"/>
-          </p:cNvSpPr>
+          <p:cNvPr id="151" name="Title 1"/>
+          <p:cNvSpPr txBox="1"/>
           <p:nvPr>
             <p:ph type="title"/>
           </p:nvPr>
         </p:nvSpPr>
         <p:spPr>
           <a:xfrm>
-            <a:off x="457200" y="274637"/>
-            <a:ext cx="8229600" cy="675211"/>
+            <a:off x="457200" y="274636"/>
+            <a:ext cx="8229600" cy="675212"/>
           </a:xfrm>
           <a:prstGeom prst="rect">
             <a:avLst/>
@@ -4292,243 +4086,211 @@
           <a:bodyPr/>
           <a:lstStyle>
             <a:lvl1pPr>
-              <a:defRPr sz="2500" b="1"/>
+              <a:defRPr b="1" sz="2500"/>
             </a:lvl1pPr>
           </a:lstStyle>
           <a:p>
-            <a:r>
-              <a:rPr lang="en-US" dirty="0"/>
-              <a:t>R</a:t>
-            </a:r>
-            <a:r>
-              <a:rPr dirty="0"/>
-              <a:t>EST </a:t>
-            </a:r>
-            <a:r>
-              <a:rPr lang="en-US" dirty="0"/>
-              <a:t>evolution</a:t>
-            </a:r>
-            <a:endParaRPr dirty="0"/>
+            <a:pPr/>
+            <a:r>
+              <a:t>REST evolution</a:t>
+            </a:r>
           </a:p>
         </p:txBody>
       </p:sp>
       <p:sp>
         <p:nvSpPr>
-          <p:cNvPr id="148" name="Content Placeholder 2"/>
-          <p:cNvSpPr txBox="1">
-            <a:spLocks noGrp="1"/>
-          </p:cNvSpPr>
+          <p:cNvPr id="152" name="Content Placeholder 2"/>
+          <p:cNvSpPr txBox="1"/>
           <p:nvPr>
             <p:ph type="body" idx="1"/>
           </p:nvPr>
         </p:nvSpPr>
         <p:spPr>
           <a:xfrm>
-            <a:off x="457200" y="1022117"/>
-            <a:ext cx="8229600" cy="5835884"/>
+            <a:off x="457200" y="1022116"/>
+            <a:ext cx="8229600" cy="5835886"/>
           </a:xfrm>
           <a:prstGeom prst="rect">
             <a:avLst/>
           </a:prstGeom>
         </p:spPr>
         <p:txBody>
-          <a:bodyPr>
-            <a:normAutofit fontScale="77500" lnSpcReduction="20000"/>
-          </a:bodyPr>
+          <a:bodyPr/>
           <a:lstStyle/>
           <a:p>
-            <a:pPr marL="680085" lvl="1" indent="-291465" defTabSz="388620">
+            <a:pPr lvl="1" marL="680084" indent="-291465" defTabSz="388620">
               <a:lnSpc>
-                <a:spcPct val="170000"/>
+                <a:spcPct val="136000"/>
               </a:lnSpc>
               <a:spcBef>
                 <a:spcPts val="400"/>
               </a:spcBef>
               <a:buChar char="•"/>
-              <a:defRPr sz="2040"/>
-            </a:pPr>
-            <a:r>
-              <a:rPr dirty="0"/>
+              <a:defRPr sz="1500"/>
+            </a:pPr>
+            <a:r>
               <a:t>Level 0 : HTTP Tunneling</a:t>
             </a:r>
           </a:p>
           <a:p>
-            <a:pPr marL="1020127" lvl="2" indent="-242887" defTabSz="388620">
+            <a:pPr lvl="2" marL="1020126" indent="-242887" defTabSz="388620">
               <a:lnSpc>
-                <a:spcPct val="170000"/>
+                <a:spcPct val="136000"/>
               </a:lnSpc>
               <a:spcBef>
                 <a:spcPts val="400"/>
               </a:spcBef>
               <a:buChar char="–"/>
-              <a:defRPr sz="1700"/>
-            </a:pPr>
-            <a:r>
-              <a:rPr dirty="0"/>
+              <a:defRPr sz="1300"/>
+            </a:pPr>
+            <a:r>
               <a:t>One URI, one HTTP method</a:t>
             </a:r>
             <a:r>
-              <a:rPr lang="en-US" dirty="0"/>
               <a:t>,</a:t>
             </a:r>
             <a:r>
-              <a:rPr dirty="0"/>
               <a:t> for example POST</a:t>
             </a:r>
-            <a:endParaRPr sz="2380" dirty="0"/>
-          </a:p>
-          <a:p>
-            <a:pPr marL="1020127" lvl="2" indent="-242887" defTabSz="388620">
+            <a:endParaRPr sz="2300"/>
+          </a:p>
+          <a:p>
+            <a:pPr lvl="2" marL="1020126" indent="-242887" defTabSz="388620">
               <a:lnSpc>
-                <a:spcPct val="170000"/>
+                <a:spcPct val="136000"/>
               </a:lnSpc>
               <a:spcBef>
                 <a:spcPts val="400"/>
               </a:spcBef>
               <a:buChar char="–"/>
-              <a:defRPr sz="1700"/>
-            </a:pPr>
-            <a:r>
-              <a:rPr dirty="0"/>
+              <a:defRPr sz="1300"/>
+            </a:pPr>
+            <a:r>
               <a:t>XML-Remote Procedural Calls (RPC)</a:t>
             </a:r>
-            <a:endParaRPr sz="2380" dirty="0"/>
-          </a:p>
-          <a:p>
-            <a:pPr marL="680085" lvl="1" indent="-291465" defTabSz="388620">
+            <a:endParaRPr sz="2300"/>
+          </a:p>
+          <a:p>
+            <a:pPr lvl="1" marL="680084" indent="-291465" defTabSz="388620">
               <a:lnSpc>
-                <a:spcPct val="170000"/>
+                <a:spcPct val="136000"/>
               </a:lnSpc>
               <a:spcBef>
                 <a:spcPts val="400"/>
               </a:spcBef>
               <a:buChar char="•"/>
-              <a:defRPr sz="2040"/>
-            </a:pPr>
-            <a:r>
-              <a:rPr dirty="0"/>
+              <a:defRPr sz="1500"/>
+            </a:pPr>
+            <a:r>
               <a:t>Level 1: Resources</a:t>
             </a:r>
           </a:p>
           <a:p>
-            <a:pPr marL="1020127" lvl="2" indent="-242887" defTabSz="388620">
+            <a:pPr lvl="2" marL="1020126" indent="-242887" defTabSz="388620">
               <a:lnSpc>
-                <a:spcPct val="170000"/>
+                <a:spcPct val="136000"/>
               </a:lnSpc>
               <a:spcBef>
                 <a:spcPts val="400"/>
               </a:spcBef>
               <a:buChar char="–"/>
-              <a:defRPr sz="1700"/>
-            </a:pPr>
-            <a:r>
-              <a:rPr dirty="0"/>
+              <a:defRPr sz="1300"/>
+            </a:pPr>
+            <a:r>
               <a:t>Many URIs, one HTTP method for example POST</a:t>
             </a:r>
-            <a:endParaRPr sz="2380" dirty="0"/>
-          </a:p>
-          <a:p>
-            <a:pPr marL="680085" lvl="1" indent="-291465" defTabSz="388620">
+            <a:endParaRPr sz="2300"/>
+          </a:p>
+          <a:p>
+            <a:pPr lvl="1" marL="680084" indent="-291465" defTabSz="388620">
               <a:lnSpc>
-                <a:spcPct val="170000"/>
+                <a:spcPct val="136000"/>
               </a:lnSpc>
               <a:spcBef>
                 <a:spcPts val="400"/>
               </a:spcBef>
               <a:buChar char="•"/>
-              <a:defRPr sz="2040"/>
-            </a:pPr>
-            <a:r>
-              <a:rPr dirty="0"/>
+              <a:defRPr sz="1500"/>
+            </a:pPr>
+            <a:r>
               <a:t>Level 2: HTTP </a:t>
             </a:r>
           </a:p>
           <a:p>
-            <a:pPr marL="1020127" lvl="2" indent="-242887" defTabSz="388620">
+            <a:pPr lvl="2" marL="1020126" indent="-242887" defTabSz="388620">
               <a:lnSpc>
-                <a:spcPct val="170000"/>
+                <a:spcPct val="136000"/>
               </a:lnSpc>
               <a:spcBef>
                 <a:spcPts val="400"/>
               </a:spcBef>
               <a:buChar char="–"/>
-              <a:defRPr sz="1700"/>
-            </a:pPr>
-            <a:r>
-              <a:rPr dirty="0"/>
+              <a:defRPr sz="1300"/>
+            </a:pPr>
+            <a:r>
               <a:t>Many URIs each with many HTTP methods: GET, POST, PUT, etc.</a:t>
             </a:r>
-            <a:endParaRPr sz="2380" dirty="0"/>
-          </a:p>
-          <a:p>
-            <a:pPr marL="680085" lvl="1" indent="-291465" defTabSz="388620">
+            <a:endParaRPr sz="2300"/>
+          </a:p>
+          <a:p>
+            <a:pPr lvl="1" marL="680084" indent="-291465" defTabSz="388620">
               <a:lnSpc>
-                <a:spcPct val="170000"/>
+                <a:spcPct val="136000"/>
               </a:lnSpc>
               <a:spcBef>
                 <a:spcPts val="400"/>
               </a:spcBef>
               <a:buChar char="•"/>
-              <a:defRPr sz="2040"/>
-            </a:pPr>
-            <a:r>
-              <a:rPr dirty="0"/>
+              <a:defRPr sz="1500"/>
+            </a:pPr>
+            <a:r>
               <a:t>Level 3: Hypermedia controls</a:t>
             </a:r>
           </a:p>
           <a:p>
-            <a:pPr marL="1020127" lvl="2" indent="-242887" defTabSz="388620">
+            <a:pPr lvl="2" marL="1020126" indent="-242887" defTabSz="388620">
               <a:lnSpc>
-                <a:spcPct val="170000"/>
+                <a:spcPct val="136000"/>
               </a:lnSpc>
               <a:spcBef>
                 <a:spcPts val="400"/>
               </a:spcBef>
               <a:buChar char="–"/>
-              <a:defRPr sz="1700"/>
-            </a:pPr>
-            <a:r>
-              <a:rPr lang="en-US" dirty="0"/>
-              <a:t>I</a:t>
-            </a:r>
-            <a:r>
-              <a:rPr dirty="0"/>
-              <a:t>nvolves web linking in the messages</a:t>
-            </a:r>
-          </a:p>
-          <a:p>
-            <a:pPr marL="1020127" lvl="2" indent="-242887" defTabSz="388620">
+              <a:defRPr sz="1300"/>
+            </a:pPr>
+            <a:r>
+              <a:t>Involves web linking in the messages</a:t>
+            </a:r>
+          </a:p>
+          <a:p>
+            <a:pPr lvl="2" marL="1020126" indent="-242887" defTabSz="388620">
               <a:lnSpc>
-                <a:spcPct val="170000"/>
+                <a:spcPct val="136000"/>
               </a:lnSpc>
               <a:spcBef>
                 <a:spcPts val="400"/>
               </a:spcBef>
               <a:buChar char="–"/>
-              <a:defRPr sz="1700"/>
-            </a:pPr>
-            <a:r>
-              <a:rPr dirty="0"/>
+              <a:defRPr sz="1300"/>
+            </a:pPr>
+            <a:r>
               <a:t>Example as XML</a:t>
             </a:r>
             <a:r>
-              <a:rPr lang="en-US" dirty="0"/>
               <a:t> response</a:t>
             </a:r>
-            <a:endParaRPr dirty="0"/>
-          </a:p>
-          <a:p>
-            <a:pPr marL="0" lvl="6" indent="1165860" defTabSz="388620">
+          </a:p>
+          <a:p>
+            <a:pPr lvl="6" marL="0" indent="1165860" defTabSz="388620">
               <a:lnSpc>
-                <a:spcPct val="170000"/>
+                <a:spcPct val="136000"/>
               </a:lnSpc>
               <a:spcBef>
                 <a:spcPts val="0"/>
               </a:spcBef>
               <a:buSzTx/>
-              <a:buFontTx/>
               <a:buNone/>
-              <a:defRPr sz="1190">
+              <a:defRPr b="1" sz="800">
                 <a:latin typeface="Courier"/>
                 <a:ea typeface="Courier"/>
                 <a:cs typeface="Courier"/>
@@ -4536,30 +4298,27 @@
               </a:defRPr>
             </a:pPr>
             <a:r>
-              <a:rPr b="1" dirty="0"/>
               <a:t>HTTP</a:t>
             </a:r>
             <a:r>
-              <a:rPr dirty="0"/>
+              <a:rPr b="0"/>
               <a:t>/1.1 200 </a:t>
             </a:r>
             <a:r>
-              <a:rPr b="1" dirty="0"/>
               <a:t>OK</a:t>
             </a:r>
           </a:p>
           <a:p>
-            <a:pPr marL="0" lvl="6" indent="1165860" defTabSz="388620">
+            <a:pPr lvl="6" marL="0" indent="1165860" defTabSz="388620">
               <a:lnSpc>
-                <a:spcPct val="170000"/>
+                <a:spcPct val="136000"/>
               </a:lnSpc>
               <a:spcBef>
                 <a:spcPts val="0"/>
               </a:spcBef>
               <a:buSzTx/>
-              <a:buFontTx/>
               <a:buNone/>
-              <a:defRPr sz="1190">
+              <a:defRPr sz="800">
                 <a:latin typeface="Courier"/>
                 <a:ea typeface="Courier"/>
                 <a:cs typeface="Courier"/>
@@ -4567,22 +4326,20 @@
               </a:defRPr>
             </a:pPr>
             <a:r>
-              <a:rPr dirty="0"/>
               <a:t>Content-Type: application/xml</a:t>
             </a:r>
           </a:p>
           <a:p>
-            <a:pPr marL="0" lvl="6" indent="1165860" defTabSz="388620">
+            <a:pPr lvl="6" marL="0" indent="1165860" defTabSz="388620">
               <a:lnSpc>
-                <a:spcPct val="170000"/>
+                <a:spcPct val="136000"/>
               </a:lnSpc>
               <a:spcBef>
                 <a:spcPts val="0"/>
               </a:spcBef>
               <a:buSzTx/>
-              <a:buFontTx/>
               <a:buNone/>
-              <a:defRPr sz="1190">
+              <a:defRPr sz="800">
                 <a:latin typeface="Courier"/>
                 <a:ea typeface="Courier"/>
                 <a:cs typeface="Courier"/>
@@ -4590,22 +4347,20 @@
               </a:defRPr>
             </a:pPr>
             <a:r>
-              <a:rPr dirty="0"/>
               <a:t>Content-Length: ...</a:t>
             </a:r>
           </a:p>
           <a:p>
-            <a:pPr marL="0" lvl="6" indent="1165860" defTabSz="388620">
+            <a:pPr lvl="6" marL="0" indent="1165860" defTabSz="388620">
               <a:lnSpc>
-                <a:spcPct val="170000"/>
+                <a:spcPct val="136000"/>
               </a:lnSpc>
               <a:spcBef>
                 <a:spcPts val="0"/>
               </a:spcBef>
               <a:buSzTx/>
-              <a:buFontTx/>
               <a:buNone/>
-              <a:defRPr sz="1190">
+              <a:defRPr sz="800">
                 <a:latin typeface="Courier"/>
                 <a:ea typeface="Courier"/>
                 <a:cs typeface="Courier"/>
@@ -4613,22 +4368,20 @@
               </a:defRPr>
             </a:pPr>
             <a:r>
-              <a:rPr dirty="0"/>
               <a:t>&lt;?xml version="1.0"?&gt;</a:t>
             </a:r>
           </a:p>
           <a:p>
-            <a:pPr marL="0" lvl="6" indent="1165860" defTabSz="388620">
+            <a:pPr lvl="6" marL="0" indent="1165860" defTabSz="388620">
               <a:lnSpc>
-                <a:spcPct val="170000"/>
+                <a:spcPct val="136000"/>
               </a:lnSpc>
               <a:spcBef>
                 <a:spcPts val="0"/>
               </a:spcBef>
               <a:buSzTx/>
-              <a:buFontTx/>
               <a:buNone/>
-              <a:defRPr sz="1190" b="1">
+              <a:defRPr b="1" sz="800">
                 <a:latin typeface="Courier"/>
                 <a:ea typeface="Courier"/>
                 <a:cs typeface="Courier"/>
@@ -4636,23 +4389,20 @@
               </a:defRPr>
             </a:pPr>
             <a:r>
-              <a:rPr dirty="0"/>
               <a:t>&lt;Movies&gt;</a:t>
             </a:r>
-            <a:endParaRPr b="0" dirty="0"/>
-          </a:p>
-          <a:p>
-            <a:pPr marL="0" lvl="6" indent="1165860" defTabSz="388620">
+          </a:p>
+          <a:p>
+            <a:pPr lvl="6" marL="0" indent="1165860" defTabSz="388620">
               <a:lnSpc>
-                <a:spcPct val="170000"/>
+                <a:spcPct val="136000"/>
               </a:lnSpc>
               <a:spcBef>
                 <a:spcPts val="0"/>
               </a:spcBef>
               <a:buSzTx/>
-              <a:buFontTx/>
               <a:buNone/>
-              <a:defRPr sz="1190" b="1">
+              <a:defRPr sz="800">
                 <a:latin typeface="Courier"/>
                 <a:ea typeface="Courier"/>
                 <a:cs typeface="Courier"/>
@@ -4660,35 +4410,31 @@
               </a:defRPr>
             </a:pPr>
             <a:r>
-              <a:rPr b="0" dirty="0"/>
               <a:t>    </a:t>
             </a:r>
             <a:r>
-              <a:rPr dirty="0"/>
+              <a:rPr b="1"/>
               <a:t>&lt;Title&gt;</a:t>
             </a:r>
             <a:r>
-              <a:rPr b="0" dirty="0"/>
               <a:t>12345</a:t>
             </a:r>
             <a:r>
-              <a:rPr dirty="0"/>
+              <a:rPr b="1"/>
               <a:t>&lt;/Title&gt;</a:t>
             </a:r>
-            <a:endParaRPr b="0" dirty="0"/>
-          </a:p>
-          <a:p>
-            <a:pPr marL="0" lvl="6" indent="1165860" defTabSz="388620">
+          </a:p>
+          <a:p>
+            <a:pPr lvl="6" marL="0" indent="1165860" defTabSz="388620">
               <a:lnSpc>
-                <a:spcPct val="170000"/>
+                <a:spcPct val="136000"/>
               </a:lnSpc>
               <a:spcBef>
                 <a:spcPts val="0"/>
               </a:spcBef>
               <a:buSzTx/>
-              <a:buFontTx/>
               <a:buNone/>
-              <a:defRPr sz="1190">
+              <a:defRPr sz="800">
                 <a:latin typeface="Courier"/>
                 <a:ea typeface="Courier"/>
                 <a:cs typeface="Courier"/>
@@ -4696,50 +4442,31 @@
               </a:defRPr>
             </a:pPr>
             <a:r>
-              <a:rPr dirty="0"/>
               <a:t>    </a:t>
             </a:r>
             <a:r>
-              <a:rPr b="1" dirty="0"/>
+              <a:rPr b="1"/>
               <a:t>&lt;link</a:t>
             </a:r>
             <a:r>
-              <a:rPr dirty="0"/>
-              <a:t> </a:t>
-            </a:r>
-            <a:r>
-              <a:rPr dirty="0" err="1"/>
-              <a:t>rel</a:t>
-            </a:r>
-            <a:r>
-              <a:rPr dirty="0"/>
-              <a:t>="Actors" </a:t>
-            </a:r>
-            <a:r>
-              <a:rPr dirty="0" err="1"/>
-              <a:t>href</a:t>
-            </a:r>
-            <a:r>
-              <a:rPr dirty="0"/>
-              <a:t>="https://xxx.com/movies/12345/actors" </a:t>
-            </a:r>
-            <a:r>
-              <a:rPr b="1" dirty="0"/>
+              <a:t> rel="Actors" href="https://xxx.com/movies/12345/actors" </a:t>
+            </a:r>
+            <a:r>
+              <a:rPr b="1"/>
               <a:t>/&gt;</a:t>
             </a:r>
           </a:p>
           <a:p>
-            <a:pPr marL="0" lvl="6" indent="1165860" defTabSz="388620">
+            <a:pPr lvl="6" marL="0" indent="1165860" defTabSz="388620">
               <a:lnSpc>
-                <a:spcPct val="170000"/>
+                <a:spcPct val="136000"/>
               </a:lnSpc>
               <a:spcBef>
                 <a:spcPts val="0"/>
               </a:spcBef>
               <a:buSzTx/>
-              <a:buFontTx/>
               <a:buNone/>
-              <a:defRPr sz="1190">
+              <a:defRPr sz="800">
                 <a:latin typeface="Courier"/>
                 <a:ea typeface="Courier"/>
                 <a:cs typeface="Courier"/>
@@ -4747,54 +4474,34 @@
               </a:defRPr>
             </a:pPr>
             <a:r>
-              <a:rPr dirty="0"/>
               <a:t>    </a:t>
             </a:r>
             <a:r>
-              <a:rPr b="1" dirty="0"/>
+              <a:rPr b="1"/>
               <a:t>&lt;link</a:t>
             </a:r>
             <a:r>
-              <a:rPr dirty="0"/>
+              <a:t> rel="Comments" href="https://xxx.com/movies/12345/comments" </a:t>
+            </a:r>
+            <a:r>
+              <a:rPr b="1"/>
+              <a:t>/&gt;</a:t>
+            </a:r>
+            <a:r>
               <a:t> </a:t>
             </a:r>
-            <a:r>
-              <a:rPr dirty="0" err="1"/>
-              <a:t>rel</a:t>
-            </a:r>
-            <a:r>
-              <a:rPr dirty="0"/>
-              <a:t>="Comments" </a:t>
-            </a:r>
-            <a:r>
-              <a:rPr dirty="0" err="1"/>
-              <a:t>href</a:t>
-            </a:r>
-            <a:r>
-              <a:rPr dirty="0"/>
-              <a:t>="https://xxx.com/movies/12345/comments" </a:t>
-            </a:r>
-            <a:r>
-              <a:rPr b="1" dirty="0"/>
-              <a:t>/&gt;</a:t>
-            </a:r>
-            <a:r>
-              <a:rPr dirty="0"/>
-              <a:t> </a:t>
-            </a:r>
-          </a:p>
-          <a:p>
-            <a:pPr marL="0" lvl="6" indent="1165860" defTabSz="388620">
+          </a:p>
+          <a:p>
+            <a:pPr lvl="6" marL="0" indent="1165860" defTabSz="388620">
               <a:lnSpc>
-                <a:spcPct val="170000"/>
+                <a:spcPct val="136000"/>
               </a:lnSpc>
               <a:spcBef>
                 <a:spcPts val="0"/>
               </a:spcBef>
               <a:buSzTx/>
-              <a:buFontTx/>
               <a:buNone/>
-              <a:defRPr sz="1190" b="1">
+              <a:defRPr b="1" sz="800">
                 <a:latin typeface="Courier"/>
                 <a:ea typeface="Courier"/>
                 <a:cs typeface="Courier"/>
@@ -4802,10 +4509,8 @@
               </a:defRPr>
             </a:pPr>
             <a:r>
-              <a:rPr dirty="0"/>
               <a:t>&lt;/Movies&gt;</a:t>
             </a:r>
-            <a:endParaRPr b="0" dirty="0"/>
           </a:p>
         </p:txBody>
       </p:sp>
@@ -4814,12 +4519,12 @@
   <p:clrMapOvr>
     <a:masterClrMapping/>
   </p:clrMapOvr>
-  <p:transition spd="med"/>
+  <p:transition xmlns:p14="http://schemas.microsoft.com/office/powerpoint/2010/main" spd="med" advClick="1"/>
 </p:sld>
 </file>
 
 <file path=ppt/slides/slide2.xml><?xml version="1.0" encoding="utf-8"?>
-<p:sld xmlns:a="http://schemas.openxmlformats.org/drawingml/2006/main" xmlns:r="http://schemas.openxmlformats.org/officeDocument/2006/relationships" xmlns:p="http://schemas.openxmlformats.org/presentationml/2006/main">
+<p:sld xmlns:a="http://schemas.openxmlformats.org/drawingml/2006/main" xmlns:r="http://schemas.openxmlformats.org/officeDocument/2006/relationships" xmlns:p="http://schemas.openxmlformats.org/presentationml/2006/main" showMasterSp="1" showMasterPhAnim="1">
   <p:cSld>
     <p:spTree>
       <p:nvGrpSpPr>
@@ -4837,18 +4542,16 @@
       </p:grpSpPr>
       <p:sp>
         <p:nvSpPr>
-          <p:cNvPr id="115" name="Title 1"/>
-          <p:cNvSpPr txBox="1">
-            <a:spLocks noGrp="1"/>
-          </p:cNvSpPr>
+          <p:cNvPr id="114" name="Title 1"/>
+          <p:cNvSpPr txBox="1"/>
           <p:nvPr>
             <p:ph type="title"/>
           </p:nvPr>
         </p:nvSpPr>
         <p:spPr>
           <a:xfrm>
-            <a:off x="457200" y="274637"/>
-            <a:ext cx="8229600" cy="675211"/>
+            <a:off x="457200" y="274636"/>
+            <a:ext cx="8229600" cy="675212"/>
           </a:xfrm>
           <a:prstGeom prst="rect">
             <a:avLst/>
@@ -4858,10 +4561,11 @@
           <a:bodyPr/>
           <a:lstStyle>
             <a:lvl1pPr>
-              <a:defRPr sz="2500" b="1"/>
+              <a:defRPr b="1" sz="2500"/>
             </a:lvl1pPr>
           </a:lstStyle>
           <a:p>
+            <a:pPr/>
             <a:r>
               <a:t>Overview</a:t>
             </a:r>
@@ -4870,18 +4574,16 @@
       </p:sp>
       <p:sp>
         <p:nvSpPr>
-          <p:cNvPr id="116" name="Content Placeholder 2"/>
-          <p:cNvSpPr txBox="1">
-            <a:spLocks noGrp="1"/>
-          </p:cNvSpPr>
+          <p:cNvPr id="115" name="Content Placeholder 2"/>
+          <p:cNvSpPr txBox="1"/>
           <p:nvPr>
             <p:ph type="body" idx="1"/>
           </p:nvPr>
         </p:nvSpPr>
         <p:spPr>
           <a:xfrm>
-            <a:off x="457200" y="1022117"/>
-            <a:ext cx="8229600" cy="5835884"/>
+            <a:off x="457200" y="1022116"/>
+            <a:ext cx="8229600" cy="5835886"/>
           </a:xfrm>
           <a:prstGeom prst="rect">
             <a:avLst/>
@@ -4898,12 +4600,11 @@
               <a:defRPr sz="2400"/>
             </a:pPr>
             <a:r>
-              <a:rPr dirty="0"/>
               <a:t>Recap </a:t>
             </a:r>
           </a:p>
           <a:p>
-            <a:pPr marL="800100" lvl="1" indent="-342900">
+            <a:pPr lvl="1" marL="800100" indent="-342900">
               <a:spcBef>
                 <a:spcPts val="500"/>
               </a:spcBef>
@@ -4911,12 +4612,11 @@
               <a:defRPr sz="2400"/>
             </a:pPr>
             <a:r>
-              <a:rPr dirty="0"/>
               <a:t>Distributed application (client-server)</a:t>
             </a:r>
           </a:p>
           <a:p>
-            <a:pPr marL="800100" lvl="1" indent="-342900">
+            <a:pPr lvl="1" marL="800100" indent="-342900">
               <a:spcBef>
                 <a:spcPts val="500"/>
               </a:spcBef>
@@ -4924,7 +4624,6 @@
               <a:defRPr sz="2400"/>
             </a:pPr>
             <a:r>
-              <a:rPr dirty="0"/>
               <a:t>Model-view-controller(MVC)</a:t>
             </a:r>
           </a:p>
@@ -4936,7 +4635,6 @@
               <a:defRPr sz="2400"/>
             </a:pPr>
             <a:r>
-              <a:rPr dirty="0"/>
               <a:t>The controller in MVC </a:t>
             </a:r>
           </a:p>
@@ -4948,7 +4646,6 @@
               <a:defRPr sz="2400"/>
             </a:pPr>
             <a:r>
-              <a:rPr dirty="0"/>
               <a:t>What is an HTTP API</a:t>
             </a:r>
           </a:p>
@@ -4960,10 +4657,8 @@
               <a:defRPr sz="2400"/>
             </a:pPr>
             <a:r>
-              <a:rPr dirty="0"/>
               <a:t>Basics of REST</a:t>
             </a:r>
-            <a:endParaRPr lang="en-US" dirty="0"/>
           </a:p>
           <a:p>
             <a:pPr>
@@ -4973,18 +4668,8 @@
               <a:defRPr sz="2400"/>
             </a:pPr>
             <a:r>
-              <a:rPr lang="en-US" dirty="0"/>
-              <a:t>Implementation of REST in </a:t>
-            </a:r>
-            <a:r>
-              <a:rPr lang="en-US" dirty="0" err="1"/>
-              <a:t>.Net</a:t>
-            </a:r>
-            <a:r>
-              <a:rPr lang="en-US" dirty="0"/>
-              <a:t> core</a:t>
-            </a:r>
-            <a:endParaRPr dirty="0"/>
+              <a:t>Implementation of REST in .Net core</a:t>
+            </a:r>
           </a:p>
         </p:txBody>
       </p:sp>
@@ -4993,12 +4678,12 @@
   <p:clrMapOvr>
     <a:masterClrMapping/>
   </p:clrMapOvr>
-  <p:transition spd="med"/>
+  <p:transition xmlns:p14="http://schemas.microsoft.com/office/powerpoint/2010/main" spd="med" advClick="1"/>
 </p:sld>
 </file>
 
 <file path=ppt/slides/slide3.xml><?xml version="1.0" encoding="utf-8"?>
-<p:sld xmlns:a="http://schemas.openxmlformats.org/drawingml/2006/main" xmlns:r="http://schemas.openxmlformats.org/officeDocument/2006/relationships" xmlns:p="http://schemas.openxmlformats.org/presentationml/2006/main">
+<p:sld xmlns:a="http://schemas.openxmlformats.org/drawingml/2006/main" xmlns:r="http://schemas.openxmlformats.org/officeDocument/2006/relationships" xmlns:p="http://schemas.openxmlformats.org/presentationml/2006/main" showMasterSp="1" showMasterPhAnim="1">
   <p:cSld>
     <p:spTree>
       <p:nvGrpSpPr>
@@ -5016,15 +4701,17 @@
       </p:grpSpPr>
       <p:sp>
         <p:nvSpPr>
-          <p:cNvPr id="118" name="Recap distributed application…"/>
-          <p:cNvSpPr txBox="1">
-            <a:spLocks noGrp="1"/>
-          </p:cNvSpPr>
+          <p:cNvPr id="117" name="Recap distributed application…"/>
+          <p:cNvSpPr txBox="1"/>
           <p:nvPr>
             <p:ph type="title"/>
           </p:nvPr>
         </p:nvSpPr>
         <p:spPr>
+          <a:xfrm>
+            <a:off x="457200" y="274638"/>
+            <a:ext cx="8229600" cy="1143001"/>
+          </a:xfrm>
           <a:prstGeom prst="rect">
             <a:avLst/>
           </a:prstGeom>
@@ -5033,10 +4720,11 @@
           <a:bodyPr/>
           <a:lstStyle>
             <a:lvl1pPr>
-              <a:defRPr sz="2500" b="1"/>
+              <a:defRPr b="1" sz="2500"/>
             </a:lvl1pPr>
           </a:lstStyle>
           <a:p>
+            <a:pPr/>
             <a:r>
               <a:t>Recap distributed application…</a:t>
             </a:r>
@@ -5045,242 +4733,215 @@
       </p:sp>
       <p:sp>
         <p:nvSpPr>
-          <p:cNvPr id="119" name="In previous lessons we have discussed what is a distributed application:…"/>
-          <p:cNvSpPr txBox="1">
-            <a:spLocks noGrp="1"/>
-          </p:cNvSpPr>
+          <p:cNvPr id="118" name="In previous lessons we have discussed what is a distributed application:…"/>
+          <p:cNvSpPr txBox="1"/>
           <p:nvPr>
             <p:ph type="body" idx="1"/>
           </p:nvPr>
         </p:nvSpPr>
         <p:spPr>
           <a:xfrm>
-            <a:off x="457200" y="1600200"/>
-            <a:ext cx="8229600" cy="4832765"/>
+            <a:off x="457200" y="1600199"/>
+            <a:ext cx="8229600" cy="4832767"/>
           </a:xfrm>
           <a:prstGeom prst="rect">
             <a:avLst/>
           </a:prstGeom>
         </p:spPr>
         <p:txBody>
-          <a:bodyPr>
-            <a:normAutofit/>
-          </a:bodyPr>
+          <a:bodyPr/>
           <a:lstStyle/>
           <a:p>
-            <a:pPr marL="440871" lvl="1" indent="-139881" defTabSz="361188">
+            <a:pPr lvl="1" marL="440871" indent="-139880" defTabSz="361188">
               <a:spcBef>
                 <a:spcPts val="0"/>
               </a:spcBef>
               <a:buFontTx/>
               <a:buChar char="•"/>
-              <a:defRPr sz="1975">
-                <a:latin typeface="+mn-lt"/>
-                <a:ea typeface="+mn-ea"/>
-                <a:cs typeface="+mn-cs"/>
+              <a:defRPr sz="1900">
+                <a:latin typeface="+mj-lt"/>
+                <a:ea typeface="+mj-ea"/>
+                <a:cs typeface="+mj-cs"/>
                 <a:sym typeface="Helvetica"/>
               </a:defRPr>
             </a:pPr>
             <a:r>
-              <a:rPr dirty="0"/>
               <a:t>A distributed application structure is a partition of the tasks or workloads between </a:t>
             </a:r>
             <a:r>
-              <a:rPr i="1" dirty="0"/>
+              <a:rPr i="1"/>
               <a:t>servers</a:t>
             </a:r>
             <a:r>
-              <a:rPr dirty="0"/>
               <a:t>, and service requesters, called </a:t>
             </a:r>
             <a:r>
-              <a:rPr i="1" dirty="0"/>
+              <a:rPr i="1"/>
               <a:t>clients</a:t>
             </a:r>
             <a:r>
-              <a:rPr dirty="0"/>
               <a:t> to perform specific task</a:t>
             </a:r>
-            <a:endParaRPr lang="en-US" dirty="0"/>
-          </a:p>
-          <a:p>
-            <a:pPr marL="440871" lvl="1" indent="-139881" defTabSz="361188">
+          </a:p>
+          <a:p>
+            <a:pPr lvl="1" marL="440871" indent="-139880" defTabSz="361188">
               <a:spcBef>
                 <a:spcPts val="0"/>
               </a:spcBef>
               <a:buFontTx/>
               <a:buChar char="•"/>
-              <a:defRPr sz="1975">
-                <a:latin typeface="+mn-lt"/>
-                <a:ea typeface="+mn-ea"/>
-                <a:cs typeface="+mn-cs"/>
+              <a:defRPr sz="1900">
+                <a:latin typeface="+mj-lt"/>
+                <a:ea typeface="+mj-ea"/>
+                <a:cs typeface="+mj-cs"/>
                 <a:sym typeface="Helvetica"/>
               </a:defRPr>
             </a:pPr>
-            <a:endParaRPr dirty="0"/>
-          </a:p>
-          <a:p>
-            <a:pPr marL="440871" lvl="1" indent="-139881" defTabSz="361188">
+          </a:p>
+          <a:p>
+            <a:pPr lvl="1" marL="440871" indent="-139880" defTabSz="361188">
               <a:spcBef>
                 <a:spcPts val="0"/>
               </a:spcBef>
               <a:buFontTx/>
               <a:buChar char="•"/>
-              <a:defRPr sz="1975">
-                <a:latin typeface="+mn-lt"/>
-                <a:ea typeface="+mn-ea"/>
-                <a:cs typeface="+mn-cs"/>
+              <a:defRPr sz="1900">
+                <a:latin typeface="+mj-lt"/>
+                <a:ea typeface="+mj-ea"/>
+                <a:cs typeface="+mj-cs"/>
                 <a:sym typeface="Helvetica"/>
               </a:defRPr>
             </a:pPr>
             <a:r>
-              <a:rPr dirty="0"/>
               <a:t>A </a:t>
             </a:r>
             <a:r>
-              <a:rPr i="1" dirty="0"/>
+              <a:rPr i="1"/>
               <a:t>server</a:t>
             </a:r>
             <a:r>
-              <a:rPr dirty="0"/>
               <a:t> runs one or more server programs which share their resources with clients</a:t>
             </a:r>
-            <a:endParaRPr lang="en-US" dirty="0"/>
-          </a:p>
-          <a:p>
-            <a:pPr marL="440871" lvl="1" indent="-139881" defTabSz="361188">
+          </a:p>
+          <a:p>
+            <a:pPr lvl="1" marL="440871" indent="-139880" defTabSz="361188">
               <a:spcBef>
                 <a:spcPts val="0"/>
               </a:spcBef>
               <a:buFontTx/>
               <a:buChar char="•"/>
-              <a:defRPr sz="1975">
-                <a:latin typeface="+mn-lt"/>
-                <a:ea typeface="+mn-ea"/>
-                <a:cs typeface="+mn-cs"/>
+              <a:defRPr sz="1900">
+                <a:latin typeface="+mj-lt"/>
+                <a:ea typeface="+mj-ea"/>
+                <a:cs typeface="+mj-cs"/>
                 <a:sym typeface="Helvetica"/>
               </a:defRPr>
             </a:pPr>
-            <a:endParaRPr dirty="0"/>
-          </a:p>
-          <a:p>
-            <a:pPr marL="440871" lvl="1" indent="-139881" defTabSz="361188">
+          </a:p>
+          <a:p>
+            <a:pPr lvl="1" marL="440871" indent="-139880" defTabSz="361188">
               <a:spcBef>
                 <a:spcPts val="0"/>
               </a:spcBef>
               <a:buFontTx/>
               <a:buChar char="•"/>
-              <a:defRPr sz="1975">
-                <a:latin typeface="+mn-lt"/>
-                <a:ea typeface="+mn-ea"/>
-                <a:cs typeface="+mn-cs"/>
+              <a:defRPr sz="1900">
+                <a:latin typeface="+mj-lt"/>
+                <a:ea typeface="+mj-ea"/>
+                <a:cs typeface="+mj-cs"/>
                 <a:sym typeface="Helvetica"/>
               </a:defRPr>
             </a:pPr>
             <a:r>
-              <a:rPr dirty="0"/>
               <a:t>A </a:t>
             </a:r>
             <a:r>
-              <a:rPr i="1" dirty="0"/>
+              <a:rPr i="1"/>
               <a:t>client</a:t>
             </a:r>
             <a:r>
-              <a:rPr dirty="0"/>
               <a:t> does not share any of its resources, but requests a server's content or service function</a:t>
             </a:r>
-            <a:endParaRPr lang="en-US" dirty="0"/>
-          </a:p>
-          <a:p>
-            <a:pPr marL="440871" lvl="1" indent="-139881" defTabSz="361188">
+          </a:p>
+          <a:p>
+            <a:pPr lvl="1" marL="440871" indent="-139880" defTabSz="361188">
               <a:spcBef>
                 <a:spcPts val="0"/>
               </a:spcBef>
               <a:buFontTx/>
               <a:buChar char="•"/>
-              <a:defRPr sz="1975">
-                <a:latin typeface="+mn-lt"/>
-                <a:ea typeface="+mn-ea"/>
-                <a:cs typeface="+mn-cs"/>
+              <a:defRPr sz="1900">
+                <a:latin typeface="+mj-lt"/>
+                <a:ea typeface="+mj-ea"/>
+                <a:cs typeface="+mj-cs"/>
                 <a:sym typeface="Helvetica"/>
               </a:defRPr>
             </a:pPr>
-            <a:endParaRPr dirty="0"/>
-          </a:p>
-          <a:p>
-            <a:pPr marL="440871" lvl="1" indent="-139881" defTabSz="361188">
+          </a:p>
+          <a:p>
+            <a:pPr lvl="1" marL="440871" indent="-139880" defTabSz="361188">
               <a:spcBef>
                 <a:spcPts val="0"/>
               </a:spcBef>
               <a:buFontTx/>
               <a:buChar char="•"/>
-              <a:defRPr sz="1975">
-                <a:latin typeface="+mn-lt"/>
-                <a:ea typeface="+mn-ea"/>
-                <a:cs typeface="+mn-cs"/>
+              <a:defRPr sz="1900">
+                <a:latin typeface="+mj-lt"/>
+                <a:ea typeface="+mj-ea"/>
+                <a:cs typeface="+mj-cs"/>
                 <a:sym typeface="Helvetica"/>
               </a:defRPr>
             </a:pPr>
             <a:r>
-              <a:rPr dirty="0"/>
               <a:t>Client and server communication is implemented using </a:t>
             </a:r>
             <a:r>
-              <a:rPr lang="en-US" dirty="0"/>
               <a:t>network</a:t>
             </a:r>
             <a:r>
-              <a:rPr dirty="0"/>
               <a:t> protocols</a:t>
             </a:r>
             <a:r>
-              <a:rPr lang="en-US" dirty="0"/>
               <a:t> such as IP, TCP, UDP, or HTTP</a:t>
             </a:r>
-            <a:endParaRPr lang="en-US" sz="1400" dirty="0">
-              <a:sym typeface="Helvetica"/>
-            </a:endParaRPr>
-          </a:p>
-          <a:p>
-            <a:pPr marL="440871" lvl="1" indent="-139881" defTabSz="361188">
+            <a:endParaRPr sz="1400"/>
+          </a:p>
+          <a:p>
+            <a:pPr lvl="1" marL="440871" indent="-139880" defTabSz="361188">
               <a:spcBef>
                 <a:spcPts val="0"/>
               </a:spcBef>
               <a:buFontTx/>
               <a:buChar char="•"/>
-              <a:defRPr sz="1975">
-                <a:latin typeface="+mn-lt"/>
-                <a:ea typeface="+mn-ea"/>
-                <a:cs typeface="+mn-cs"/>
+              <a:defRPr sz="1900">
+                <a:latin typeface="+mj-lt"/>
+                <a:ea typeface="+mj-ea"/>
+                <a:cs typeface="+mj-cs"/>
                 <a:sym typeface="Helvetica"/>
               </a:defRPr>
             </a:pPr>
-            <a:endParaRPr dirty="0"/>
-          </a:p>
-          <a:p>
-            <a:pPr marL="440871" lvl="1" indent="-139881" defTabSz="361188">
+          </a:p>
+          <a:p>
+            <a:pPr lvl="1" marL="440871" indent="-139880" defTabSz="361188">
               <a:spcBef>
                 <a:spcPts val="0"/>
               </a:spcBef>
               <a:buFontTx/>
               <a:buChar char="•"/>
-              <a:defRPr sz="1975">
-                <a:latin typeface="+mn-lt"/>
-                <a:ea typeface="+mn-ea"/>
-                <a:cs typeface="+mn-cs"/>
+              <a:defRPr i="1" sz="1900">
+                <a:latin typeface="+mj-lt"/>
+                <a:ea typeface="+mj-ea"/>
+                <a:cs typeface="+mj-cs"/>
                 <a:sym typeface="Helvetica"/>
               </a:defRPr>
             </a:pPr>
             <a:r>
-              <a:rPr i="1" dirty="0"/>
               <a:t>In this lesson we will </a:t>
             </a:r>
             <a:r>
-              <a:rPr lang="en-US" i="1" dirty="0"/>
               <a:t>focus on the </a:t>
             </a:r>
             <a:r>
-              <a:rPr i="1" dirty="0"/>
               <a:t>HTTP protocol to implement a HTTP API</a:t>
             </a:r>
           </a:p>
@@ -5291,12 +4952,12 @@
   <p:clrMapOvr>
     <a:masterClrMapping/>
   </p:clrMapOvr>
-  <p:transition spd="med"/>
+  <p:transition xmlns:p14="http://schemas.microsoft.com/office/powerpoint/2010/main" spd="med" advClick="1"/>
 </p:sld>
 </file>
 
 <file path=ppt/slides/slide4.xml><?xml version="1.0" encoding="utf-8"?>
-<p:sld xmlns:a="http://schemas.openxmlformats.org/drawingml/2006/main" xmlns:r="http://schemas.openxmlformats.org/officeDocument/2006/relationships" xmlns:p="http://schemas.openxmlformats.org/presentationml/2006/main">
+<p:sld xmlns:a="http://schemas.openxmlformats.org/drawingml/2006/main" xmlns:r="http://schemas.openxmlformats.org/officeDocument/2006/relationships" xmlns:p="http://schemas.openxmlformats.org/presentationml/2006/main" showMasterSp="1" showMasterPhAnim="1">
   <p:cSld>
     <p:spTree>
       <p:nvGrpSpPr>
@@ -5314,15 +4975,17 @@
       </p:grpSpPr>
       <p:sp>
         <p:nvSpPr>
-          <p:cNvPr id="121" name="…Recap MVC"/>
-          <p:cNvSpPr txBox="1">
-            <a:spLocks noGrp="1"/>
-          </p:cNvSpPr>
+          <p:cNvPr id="120" name="…Recap MVC"/>
+          <p:cNvSpPr txBox="1"/>
           <p:nvPr>
             <p:ph type="title"/>
           </p:nvPr>
         </p:nvSpPr>
         <p:spPr>
+          <a:xfrm>
+            <a:off x="457200" y="274638"/>
+            <a:ext cx="8229600" cy="1143001"/>
+          </a:xfrm>
           <a:prstGeom prst="rect">
             <a:avLst/>
           </a:prstGeom>
@@ -5331,10 +4994,11 @@
           <a:bodyPr/>
           <a:lstStyle>
             <a:lvl1pPr>
-              <a:defRPr sz="2500" b="1"/>
+              <a:defRPr b="1" sz="2500"/>
             </a:lvl1pPr>
           </a:lstStyle>
           <a:p>
+            <a:pPr/>
             <a:r>
               <a:t>…Recap MVC</a:t>
             </a:r>
@@ -5343,217 +5007,235 @@
       </p:sp>
       <p:sp>
         <p:nvSpPr>
-          <p:cNvPr id="122" name="We also discussed that implementing reliable software can be a complex process…"/>
-          <p:cNvSpPr txBox="1">
-            <a:spLocks noGrp="1"/>
-          </p:cNvSpPr>
+          <p:cNvPr id="121" name="We also discussed that implementing reliable software can be a complex process…"/>
+          <p:cNvSpPr txBox="1"/>
           <p:nvPr>
             <p:ph type="body" idx="1"/>
           </p:nvPr>
         </p:nvSpPr>
         <p:spPr>
+          <a:xfrm>
+            <a:off x="457200" y="1600200"/>
+            <a:ext cx="8229600" cy="4525963"/>
+          </a:xfrm>
           <a:prstGeom prst="rect">
             <a:avLst/>
           </a:prstGeom>
         </p:spPr>
         <p:txBody>
-          <a:bodyPr>
-            <a:normAutofit fontScale="92500" lnSpcReduction="10000"/>
-          </a:bodyPr>
+          <a:bodyPr/>
           <a:lstStyle/>
           <a:p>
-            <a:pPr marL="225592" indent="-225592" defTabSz="411479">
+            <a:pPr marL="225591" indent="-225591" defTabSz="411479">
+              <a:lnSpc>
+                <a:spcPct val="90000"/>
+              </a:lnSpc>
               <a:spcBef>
                 <a:spcPts val="0"/>
               </a:spcBef>
               <a:buFontTx/>
-              <a:defRPr sz="2250">
-                <a:latin typeface="+mn-lt"/>
-                <a:ea typeface="+mn-ea"/>
-                <a:cs typeface="+mn-cs"/>
+              <a:defRPr sz="2000">
+                <a:latin typeface="+mj-lt"/>
+                <a:ea typeface="+mj-ea"/>
+                <a:cs typeface="+mj-cs"/>
                 <a:sym typeface="Helvetica"/>
               </a:defRPr>
             </a:pPr>
             <a:r>
-              <a:rPr dirty="0"/>
               <a:t>We also discussed that implementing reliable software can be a complex process</a:t>
             </a:r>
             <a:r>
-              <a:rPr lang="en-US" dirty="0"/>
               <a:t>, especially with distributed software</a:t>
             </a:r>
           </a:p>
           <a:p>
-            <a:pPr marL="225592" indent="-225592" defTabSz="411479">
+            <a:pPr marL="225591" indent="-225591" defTabSz="411479">
+              <a:lnSpc>
+                <a:spcPct val="90000"/>
+              </a:lnSpc>
               <a:spcBef>
                 <a:spcPts val="0"/>
               </a:spcBef>
               <a:buFontTx/>
-              <a:defRPr sz="2250">
-                <a:latin typeface="+mn-lt"/>
-                <a:ea typeface="+mn-ea"/>
-                <a:cs typeface="+mn-cs"/>
+              <a:defRPr sz="2000">
+                <a:latin typeface="+mj-lt"/>
+                <a:ea typeface="+mj-ea"/>
+                <a:cs typeface="+mj-cs"/>
                 <a:sym typeface="Helvetica"/>
               </a:defRPr>
             </a:pPr>
-            <a:endParaRPr lang="en-US" dirty="0"/>
-          </a:p>
-          <a:p>
-            <a:pPr marL="225592" indent="-225592" defTabSz="411479">
+          </a:p>
+          <a:p>
+            <a:pPr marL="225591" indent="-225591" defTabSz="411479">
+              <a:lnSpc>
+                <a:spcPct val="90000"/>
+              </a:lnSpc>
               <a:spcBef>
                 <a:spcPts val="0"/>
               </a:spcBef>
               <a:buFontTx/>
-              <a:defRPr sz="2250">
-                <a:latin typeface="+mn-lt"/>
-                <a:ea typeface="+mn-ea"/>
-                <a:cs typeface="+mn-cs"/>
+              <a:defRPr sz="2000">
+                <a:latin typeface="+mj-lt"/>
+                <a:ea typeface="+mj-ea"/>
+                <a:cs typeface="+mj-cs"/>
                 <a:sym typeface="Helvetica"/>
               </a:defRPr>
             </a:pPr>
             <a:r>
-              <a:rPr lang="en-US" dirty="0"/>
               <a:t>To reduce complexity we introduced the MVC pattern</a:t>
             </a:r>
           </a:p>
           <a:p>
-            <a:pPr marL="225592" indent="-225592" defTabSz="411479">
+            <a:pPr marL="225591" indent="-225591" defTabSz="411479">
+              <a:lnSpc>
+                <a:spcPct val="90000"/>
+              </a:lnSpc>
               <a:spcBef>
                 <a:spcPts val="0"/>
               </a:spcBef>
               <a:buFontTx/>
-              <a:defRPr sz="2250">
-                <a:latin typeface="+mn-lt"/>
-                <a:ea typeface="+mn-ea"/>
-                <a:cs typeface="+mn-cs"/>
+              <a:defRPr sz="2000">
+                <a:latin typeface="+mj-lt"/>
+                <a:ea typeface="+mj-ea"/>
+                <a:cs typeface="+mj-cs"/>
                 <a:sym typeface="Helvetica"/>
               </a:defRPr>
             </a:pPr>
-            <a:endParaRPr lang="en-US" dirty="0"/>
-          </a:p>
-          <a:p>
-            <a:pPr marL="225592" indent="-225592" defTabSz="411479">
+          </a:p>
+          <a:p>
+            <a:pPr marL="225591" indent="-225591" defTabSz="411479">
+              <a:lnSpc>
+                <a:spcPct val="90000"/>
+              </a:lnSpc>
               <a:spcBef>
                 <a:spcPts val="0"/>
               </a:spcBef>
               <a:buFontTx/>
-              <a:defRPr sz="2250">
-                <a:latin typeface="+mn-lt"/>
-                <a:ea typeface="+mn-ea"/>
-                <a:cs typeface="+mn-cs"/>
+              <a:defRPr sz="2000">
+                <a:latin typeface="+mj-lt"/>
+                <a:ea typeface="+mj-ea"/>
+                <a:cs typeface="+mj-cs"/>
                 <a:sym typeface="Helvetica"/>
               </a:defRPr>
             </a:pPr>
             <a:r>
-              <a:rPr lang="en-US" dirty="0"/>
               <a:t>MVC divides an application in three interconnected parts/layers, to separate the internal representation from the way the information is presented to the client</a:t>
             </a:r>
           </a:p>
           <a:p>
             <a:pPr marL="0" indent="0" defTabSz="411479">
+              <a:lnSpc>
+                <a:spcPct val="90000"/>
+              </a:lnSpc>
               <a:spcBef>
                 <a:spcPts val="0"/>
               </a:spcBef>
               <a:buSzTx/>
               <a:buNone/>
-              <a:defRPr sz="2250">
-                <a:latin typeface="+mn-lt"/>
-                <a:ea typeface="+mn-ea"/>
-                <a:cs typeface="+mn-cs"/>
+              <a:defRPr sz="2000">
+                <a:latin typeface="+mj-lt"/>
+                <a:ea typeface="+mj-ea"/>
+                <a:cs typeface="+mj-cs"/>
                 <a:sym typeface="Helvetica"/>
               </a:defRPr>
             </a:pPr>
-            <a:endParaRPr dirty="0"/>
-          </a:p>
-          <a:p>
-            <a:pPr marL="225592" indent="-225592" defTabSz="411479">
+          </a:p>
+          <a:p>
+            <a:pPr marL="225591" indent="-225591" defTabSz="411479">
+              <a:lnSpc>
+                <a:spcPct val="90000"/>
+              </a:lnSpc>
               <a:spcBef>
                 <a:spcPts val="0"/>
               </a:spcBef>
               <a:buFontTx/>
-              <a:defRPr sz="2250">
-                <a:latin typeface="+mn-lt"/>
-                <a:ea typeface="+mn-ea"/>
-                <a:cs typeface="+mn-cs"/>
+              <a:defRPr sz="2000">
+                <a:latin typeface="+mj-lt"/>
+                <a:ea typeface="+mj-ea"/>
+                <a:cs typeface="+mj-cs"/>
                 <a:sym typeface="Helvetica"/>
               </a:defRPr>
             </a:pPr>
             <a:r>
-              <a:rPr dirty="0"/>
               <a:t>Each layer has its own responsibility: </a:t>
             </a:r>
           </a:p>
           <a:p>
-            <a:pPr marL="947486" lvl="1" indent="-375986" defTabSz="411479">
+            <a:pPr lvl="1" marL="947485" indent="-375985" defTabSz="411479">
+              <a:lnSpc>
+                <a:spcPct val="90000"/>
+              </a:lnSpc>
               <a:spcBef>
                 <a:spcPts val="0"/>
               </a:spcBef>
               <a:buFontTx/>
-              <a:buAutoNum type="alphaUcPeriod"/>
-              <a:defRPr sz="2250">
-                <a:latin typeface="+mn-lt"/>
-                <a:ea typeface="+mn-ea"/>
-                <a:cs typeface="+mn-cs"/>
+              <a:buAutoNum type="alphaUcPeriod" startAt="1"/>
+              <a:defRPr sz="2000" u="sng">
+                <a:latin typeface="+mj-lt"/>
+                <a:ea typeface="+mj-ea"/>
+                <a:cs typeface="+mj-cs"/>
                 <a:sym typeface="Helvetica"/>
               </a:defRPr>
             </a:pPr>
             <a:r>
-              <a:rPr u="sng" dirty="0"/>
               <a:t>Model</a:t>
             </a:r>
             <a:r>
-              <a:rPr dirty="0"/>
+              <a:rPr u="none"/>
               <a:t>:  Provide methods for accessing and modifying state</a:t>
             </a:r>
           </a:p>
           <a:p>
-            <a:pPr marL="947486" lvl="1" indent="-375986" defTabSz="411479">
+            <a:pPr lvl="1" marL="947485" indent="-375985" defTabSz="411479">
+              <a:lnSpc>
+                <a:spcPct val="90000"/>
+              </a:lnSpc>
               <a:spcBef>
                 <a:spcPts val="0"/>
               </a:spcBef>
               <a:buFontTx/>
-              <a:buAutoNum type="alphaUcPeriod"/>
-              <a:defRPr sz="2250">
-                <a:latin typeface="+mn-lt"/>
-                <a:ea typeface="+mn-ea"/>
-                <a:cs typeface="+mn-cs"/>
+              <a:buAutoNum type="alphaUcPeriod" startAt="1"/>
+              <a:defRPr sz="2000" u="sng">
+                <a:latin typeface="+mj-lt"/>
+                <a:ea typeface="+mj-ea"/>
+                <a:cs typeface="+mj-cs"/>
                 <a:sym typeface="Helvetica"/>
               </a:defRPr>
             </a:pPr>
             <a:r>
-              <a:rPr u="sng" dirty="0"/>
               <a:t>Controller</a:t>
             </a:r>
             <a:r>
-              <a:rPr dirty="0"/>
+              <a:rPr u="none"/>
               <a:t>  Translates user actions into operations on the model.  For instance button clicks, menu selections</a:t>
             </a:r>
             <a:r>
-              <a:rPr lang="en-US" dirty="0"/>
+              <a:rPr u="none"/>
               <a:t>, etc.</a:t>
             </a:r>
-            <a:endParaRPr dirty="0"/>
-          </a:p>
-          <a:p>
-            <a:pPr marL="947486" lvl="1" indent="-375986" defTabSz="411479">
+          </a:p>
+          <a:p>
+            <a:pPr lvl="1" marL="947485" indent="-375985" defTabSz="411479">
+              <a:lnSpc>
+                <a:spcPct val="90000"/>
+              </a:lnSpc>
               <a:spcBef>
                 <a:spcPts val="0"/>
               </a:spcBef>
               <a:buFontTx/>
-              <a:buAutoNum type="alphaUcPeriod"/>
-              <a:defRPr sz="2250">
-                <a:latin typeface="+mn-lt"/>
-                <a:ea typeface="+mn-ea"/>
-                <a:cs typeface="+mn-cs"/>
+              <a:buAutoNum type="alphaUcPeriod" startAt="1"/>
+              <a:defRPr sz="2000" u="sng">
+                <a:latin typeface="+mj-lt"/>
+                <a:ea typeface="+mj-ea"/>
+                <a:cs typeface="+mj-cs"/>
                 <a:sym typeface="Helvetica"/>
               </a:defRPr>
             </a:pPr>
             <a:r>
-              <a:rPr u="sng" dirty="0"/>
               <a:t>View</a:t>
             </a:r>
             <a:r>
-              <a:rPr dirty="0"/>
+              <a:rPr u="none"/>
               <a:t>:  Renders contents of model for user</a:t>
             </a:r>
           </a:p>
@@ -5564,12 +5246,12 @@
   <p:clrMapOvr>
     <a:masterClrMapping/>
   </p:clrMapOvr>
-  <p:transition spd="med"/>
+  <p:transition xmlns:p14="http://schemas.microsoft.com/office/powerpoint/2010/main" spd="med" advClick="1"/>
 </p:sld>
 </file>
 
 <file path=ppt/slides/slide5.xml><?xml version="1.0" encoding="utf-8"?>
-<p:sld xmlns:a="http://schemas.openxmlformats.org/drawingml/2006/main" xmlns:r="http://schemas.openxmlformats.org/officeDocument/2006/relationships" xmlns:p="http://schemas.openxmlformats.org/presentationml/2006/main">
+<p:sld xmlns:a="http://schemas.openxmlformats.org/drawingml/2006/main" xmlns:r="http://schemas.openxmlformats.org/officeDocument/2006/relationships" xmlns:p="http://schemas.openxmlformats.org/presentationml/2006/main" showMasterSp="1" showMasterPhAnim="1">
   <p:cSld>
     <p:spTree>
       <p:nvGrpSpPr>
@@ -5587,15 +5269,17 @@
       </p:grpSpPr>
       <p:sp>
         <p:nvSpPr>
-          <p:cNvPr id="124" name="…Recap the M in MVC"/>
-          <p:cNvSpPr txBox="1">
-            <a:spLocks noGrp="1"/>
-          </p:cNvSpPr>
+          <p:cNvPr id="123" name="…Recap the M in MVC"/>
+          <p:cNvSpPr txBox="1"/>
           <p:nvPr>
             <p:ph type="title"/>
           </p:nvPr>
         </p:nvSpPr>
         <p:spPr>
+          <a:xfrm>
+            <a:off x="457200" y="274638"/>
+            <a:ext cx="8229600" cy="1143001"/>
+          </a:xfrm>
           <a:prstGeom prst="rect">
             <a:avLst/>
           </a:prstGeom>
@@ -5604,10 +5288,11 @@
           <a:bodyPr/>
           <a:lstStyle>
             <a:lvl1pPr>
-              <a:defRPr sz="2500" b="1"/>
+              <a:defRPr b="1" sz="2500"/>
             </a:lvl1pPr>
           </a:lstStyle>
           <a:p>
+            <a:pPr/>
             <a:r>
               <a:t>…Recap the M in MVC</a:t>
             </a:r>
@@ -5616,118 +5301,124 @@
       </p:sp>
       <p:sp>
         <p:nvSpPr>
-          <p:cNvPr id="125" name="We have implemented the M in MVC through:…"/>
-          <p:cNvSpPr txBox="1">
-            <a:spLocks noGrp="1"/>
-          </p:cNvSpPr>
+          <p:cNvPr id="124" name="We have implemented the M in MVC through:…"/>
+          <p:cNvSpPr txBox="1"/>
           <p:nvPr>
             <p:ph type="body" idx="1"/>
           </p:nvPr>
         </p:nvSpPr>
         <p:spPr>
+          <a:xfrm>
+            <a:off x="457200" y="1600200"/>
+            <a:ext cx="8229600" cy="4525963"/>
+          </a:xfrm>
           <a:prstGeom prst="rect">
             <a:avLst/>
           </a:prstGeom>
         </p:spPr>
         <p:txBody>
-          <a:bodyPr>
-            <a:normAutofit lnSpcReduction="10000"/>
-          </a:bodyPr>
+          <a:bodyPr/>
           <a:lstStyle/>
           <a:p>
-            <a:pPr marL="339471" indent="-339471" defTabSz="452627">
-              <a:defRPr sz="2475"/>
-            </a:pPr>
-            <a:r>
-              <a:rPr dirty="0"/>
+            <a:pPr marL="339470" indent="-339470" defTabSz="452627">
+              <a:lnSpc>
+                <a:spcPct val="90000"/>
+              </a:lnSpc>
+              <a:defRPr sz="2400"/>
+            </a:pPr>
+            <a:r>
               <a:t>We have implemented the M in MVC through:</a:t>
             </a:r>
           </a:p>
           <a:p>
-            <a:pPr marL="792098" lvl="1" indent="-339470" defTabSz="452627">
+            <a:pPr lvl="1" marL="792098" indent="-339470" defTabSz="452627">
+              <a:lnSpc>
+                <a:spcPct val="90000"/>
+              </a:lnSpc>
               <a:buChar char="•"/>
-              <a:defRPr sz="2475"/>
-            </a:pPr>
-            <a:r>
-              <a:rPr dirty="0"/>
-              <a:t>Using a </a:t>
-            </a:r>
-            <a:r>
-              <a:rPr dirty="0" err="1"/>
-              <a:t>DBContext</a:t>
-            </a:r>
-            <a:r>
-              <a:rPr dirty="0"/>
-              <a:t> to connect to the database</a:t>
-            </a:r>
-          </a:p>
-          <a:p>
-            <a:pPr marL="792098" lvl="1" indent="-339470" defTabSz="452627">
+              <a:defRPr sz="2400"/>
+            </a:pPr>
+            <a:r>
+              <a:t>Using a DBContext to connect to the database</a:t>
+            </a:r>
+          </a:p>
+          <a:p>
+            <a:pPr lvl="1" marL="792098" indent="-339470" defTabSz="452627">
+              <a:lnSpc>
+                <a:spcPct val="90000"/>
+              </a:lnSpc>
               <a:buChar char="•"/>
-              <a:defRPr sz="2475"/>
-            </a:pPr>
-            <a:r>
-              <a:rPr dirty="0"/>
+              <a:defRPr sz="2400"/>
+            </a:pPr>
+            <a:r>
               <a:t>Mapping entities into tables </a:t>
             </a:r>
           </a:p>
           <a:p>
-            <a:pPr marL="792098" lvl="1" indent="-339470" defTabSz="452627">
+            <a:pPr lvl="1" marL="792098" indent="-339470" defTabSz="452627">
+              <a:lnSpc>
+                <a:spcPct val="90000"/>
+              </a:lnSpc>
               <a:buChar char="•"/>
-              <a:defRPr sz="2475"/>
-            </a:pPr>
-            <a:r>
-              <a:rPr dirty="0"/>
+              <a:defRPr sz="2400"/>
+            </a:pPr>
+            <a:r>
               <a:t>Using LINQ to query data and change the state</a:t>
             </a:r>
           </a:p>
           <a:p>
-            <a:pPr marL="265211" indent="-265211" defTabSz="452627">
-              <a:defRPr sz="2475"/>
-            </a:pPr>
-            <a:r>
-              <a:rPr lang="en-US" dirty="0"/>
-              <a:t>I</a:t>
-            </a:r>
-            <a:r>
-              <a:rPr dirty="0"/>
-              <a:t>n addition to that we discussed impedance mismatch</a:t>
-            </a:r>
-          </a:p>
-          <a:p>
-            <a:pPr marL="717839" lvl="1" indent="-265211" defTabSz="452627">
+            <a:pPr marL="265210" indent="-265210" defTabSz="452627">
+              <a:lnSpc>
+                <a:spcPct val="90000"/>
+              </a:lnSpc>
+              <a:defRPr sz="2400"/>
+            </a:pPr>
+            <a:r>
+              <a:t>In addition to that we discussed impedance mismatch</a:t>
+            </a:r>
+          </a:p>
+          <a:p>
+            <a:pPr lvl="1" marL="717838" indent="-265210" defTabSz="452627">
+              <a:lnSpc>
+                <a:spcPct val="90000"/>
+              </a:lnSpc>
               <a:buChar char="•"/>
-              <a:defRPr sz="2475"/>
-            </a:pPr>
-            <a:r>
-              <a:rPr dirty="0"/>
+              <a:defRPr sz="2400"/>
+            </a:pPr>
+            <a:r>
               <a:t>Not all types of entities are completely mappable</a:t>
             </a:r>
           </a:p>
           <a:p>
-            <a:pPr marL="1170467" lvl="2" indent="-265211" defTabSz="452627">
-              <a:defRPr sz="2475"/>
-            </a:pPr>
-            <a:r>
-              <a:rPr dirty="0"/>
+            <a:pPr lvl="2" marL="1170467" indent="-265211" defTabSz="452627">
+              <a:lnSpc>
+                <a:spcPct val="90000"/>
+              </a:lnSpc>
+              <a:defRPr sz="2400"/>
+            </a:pPr>
+            <a:r>
               <a:t>Inheritance is not supported in databases</a:t>
             </a:r>
           </a:p>
           <a:p>
-            <a:pPr marL="1170467" lvl="2" indent="-265211" defTabSz="452627">
-              <a:defRPr sz="2475"/>
-            </a:pPr>
-            <a:r>
-              <a:rPr dirty="0"/>
+            <a:pPr lvl="2" marL="1170467" indent="-265211" defTabSz="452627">
+              <a:lnSpc>
+                <a:spcPct val="90000"/>
+              </a:lnSpc>
+              <a:defRPr sz="2400"/>
+            </a:pPr>
+            <a:r>
               <a:t>Types of properties are not the same as types of columns in databases</a:t>
             </a:r>
           </a:p>
           <a:p>
-            <a:pPr marL="1170467" lvl="2" indent="-265211" defTabSz="452627">
-              <a:defRPr sz="2475"/>
-            </a:pPr>
-            <a:r>
-              <a:rPr dirty="0"/>
+            <a:pPr lvl="2" marL="1170467" indent="-265211" defTabSz="452627">
+              <a:lnSpc>
+                <a:spcPct val="90000"/>
+              </a:lnSpc>
+              <a:defRPr sz="2400"/>
+            </a:pPr>
+            <a:r>
               <a:t>For example Text &lt;&gt; string, char&lt;&gt;string</a:t>
             </a:r>
           </a:p>
@@ -5738,12 +5429,12 @@
   <p:clrMapOvr>
     <a:masterClrMapping/>
   </p:clrMapOvr>
-  <p:transition spd="med"/>
+  <p:transition xmlns:p14="http://schemas.microsoft.com/office/powerpoint/2010/main" spd="med" advClick="1"/>
 </p:sld>
 </file>
 
 <file path=ppt/slides/slide6.xml><?xml version="1.0" encoding="utf-8"?>
-<p:sld xmlns:a="http://schemas.openxmlformats.org/drawingml/2006/main" xmlns:r="http://schemas.openxmlformats.org/officeDocument/2006/relationships" xmlns:p="http://schemas.openxmlformats.org/presentationml/2006/main">
+<p:sld xmlns:a="http://schemas.openxmlformats.org/drawingml/2006/main" xmlns:r="http://schemas.openxmlformats.org/officeDocument/2006/relationships" xmlns:p="http://schemas.openxmlformats.org/presentationml/2006/main" showMasterSp="1" showMasterPhAnim="1">
   <p:cSld>
     <p:spTree>
       <p:nvGrpSpPr>
@@ -5761,27 +5452,27 @@
       </p:grpSpPr>
       <p:sp>
         <p:nvSpPr>
-          <p:cNvPr id="2" name="Title 1">
-            <a:extLst>
-              <a:ext uri="{FF2B5EF4-FFF2-40B4-BE49-F238E27FC236}">
-                <a16:creationId xmlns:a16="http://schemas.microsoft.com/office/drawing/2014/main" id="{9DCE692C-205A-4F1D-861E-416714528B2B}"/>
-              </a:ext>
-            </a:extLst>
-          </p:cNvPr>
-          <p:cNvSpPr>
-            <a:spLocks noGrp="1"/>
-          </p:cNvSpPr>
+          <p:cNvPr id="126" name="Title 1"/>
+          <p:cNvSpPr txBox="1"/>
           <p:nvPr>
             <p:ph type="title"/>
           </p:nvPr>
         </p:nvSpPr>
-        <p:spPr/>
+        <p:spPr>
+          <a:xfrm>
+            <a:off x="457200" y="274638"/>
+            <a:ext cx="8229600" cy="1143001"/>
+          </a:xfrm>
+          <a:prstGeom prst="rect">
+            <a:avLst/>
+          </a:prstGeom>
+        </p:spPr>
         <p:txBody>
           <a:bodyPr/>
           <a:lstStyle/>
           <a:p>
-            <a:r>
-              <a:rPr lang="en-US" dirty="0"/>
+            <a:pPr/>
+            <a:r>
               <a:t>The C in MVC</a:t>
             </a:r>
           </a:p>
@@ -5789,27 +5480,27 @@
       </p:sp>
       <p:sp>
         <p:nvSpPr>
-          <p:cNvPr id="3" name="Text Placeholder 2">
-            <a:extLst>
-              <a:ext uri="{FF2B5EF4-FFF2-40B4-BE49-F238E27FC236}">
-                <a16:creationId xmlns:a16="http://schemas.microsoft.com/office/drawing/2014/main" id="{87116CFC-F09C-4669-8E96-91AFED13EB86}"/>
-              </a:ext>
-            </a:extLst>
-          </p:cNvPr>
-          <p:cNvSpPr>
-            <a:spLocks noGrp="1"/>
-          </p:cNvSpPr>
+          <p:cNvPr id="127" name="Text Placeholder 2"/>
+          <p:cNvSpPr txBox="1"/>
           <p:nvPr>
             <p:ph type="body" idx="1"/>
           </p:nvPr>
         </p:nvSpPr>
-        <p:spPr/>
+        <p:spPr>
+          <a:xfrm>
+            <a:off x="457200" y="1600200"/>
+            <a:ext cx="8229600" cy="4525963"/>
+          </a:xfrm>
+          <a:prstGeom prst="rect">
+            <a:avLst/>
+          </a:prstGeom>
+        </p:spPr>
         <p:txBody>
           <a:bodyPr/>
           <a:lstStyle/>
           <a:p>
-            <a:r>
-              <a:rPr lang="en-US" dirty="0"/>
+            <a:pPr/>
+            <a:r>
               <a:t>Today we will focus on controller and then will discuss it as a mean to implement a RESTful API</a:t>
             </a:r>
           </a:p>
@@ -5817,67 +5508,44 @@
       </p:sp>
       <p:pic>
         <p:nvPicPr>
-          <p:cNvPr id="1026" name="Picture 2" descr="https://upload.wikimedia.org/wikipedia/commons/thumb/a/a0/MVC-Process.svg/200px-MVC-Process.svg.png">
-            <a:extLst>
-              <a:ext uri="{FF2B5EF4-FFF2-40B4-BE49-F238E27FC236}">
-                <a16:creationId xmlns:a16="http://schemas.microsoft.com/office/drawing/2014/main" id="{412B6356-2416-4D17-A091-497DA39341BF}"/>
-              </a:ext>
-            </a:extLst>
-          </p:cNvPr>
+          <p:cNvPr id="128" name="Picture 2" descr="Picture 2"/>
           <p:cNvPicPr>
-            <a:picLocks noChangeAspect="1" noChangeArrowheads="1"/>
+            <a:picLocks noChangeAspect="1"/>
           </p:cNvPicPr>
           <p:nvPr/>
         </p:nvPicPr>
         <p:blipFill>
           <a:blip r:embed="rId2">
-            <a:extLst>
-              <a:ext uri="{28A0092B-C50C-407E-A947-70E740481C1C}">
-                <a14:useLocalDpi xmlns:a14="http://schemas.microsoft.com/office/drawing/2010/main" val="0"/>
-              </a:ext>
-            </a:extLst>
+            <a:extLst/>
           </a:blip>
-          <a:srcRect/>
           <a:stretch>
             <a:fillRect/>
           </a:stretch>
         </p:blipFill>
-        <p:spPr bwMode="auto">
+        <p:spPr>
           <a:xfrm>
-            <a:off x="5487376" y="2951774"/>
-            <a:ext cx="2781300" cy="3059430"/>
+            <a:off x="5487375" y="2951774"/>
+            <a:ext cx="2781301" cy="3059431"/>
           </a:xfrm>
           <a:prstGeom prst="rect">
             <a:avLst/>
           </a:prstGeom>
-          <a:noFill/>
-          <a:extLst>
-            <a:ext uri="{909E8E84-426E-40DD-AFC4-6F175D3DCCD1}">
-              <a14:hiddenFill xmlns:a14="http://schemas.microsoft.com/office/drawing/2010/main">
-                <a:solidFill>
-                  <a:srgbClr val="FFFFFF"/>
-                </a:solidFill>
-              </a14:hiddenFill>
-            </a:ext>
-          </a:extLst>
+          <a:ln w="12700">
+            <a:miter lim="400000"/>
+          </a:ln>
         </p:spPr>
       </p:pic>
     </p:spTree>
-    <p:extLst>
-      <p:ext uri="{BB962C8B-B14F-4D97-AF65-F5344CB8AC3E}">
-        <p14:creationId xmlns:p14="http://schemas.microsoft.com/office/powerpoint/2010/main" val="2371885064"/>
-      </p:ext>
-    </p:extLst>
   </p:cSld>
   <p:clrMapOvr>
     <a:masterClrMapping/>
   </p:clrMapOvr>
-  <p:transition spd="med"/>
+  <p:transition xmlns:p14="http://schemas.microsoft.com/office/powerpoint/2010/main" spd="med" advClick="1"/>
 </p:sld>
 </file>
 
 <file path=ppt/slides/slide7.xml><?xml version="1.0" encoding="utf-8"?>
-<p:sld xmlns:a="http://schemas.openxmlformats.org/drawingml/2006/main" xmlns:r="http://schemas.openxmlformats.org/officeDocument/2006/relationships" xmlns:p="http://schemas.openxmlformats.org/presentationml/2006/main">
+<p:sld xmlns:a="http://schemas.openxmlformats.org/drawingml/2006/main" xmlns:r="http://schemas.openxmlformats.org/officeDocument/2006/relationships" xmlns:p="http://schemas.openxmlformats.org/presentationml/2006/main" showMasterSp="1" showMasterPhAnim="1">
   <p:cSld>
     <p:spTree>
       <p:nvGrpSpPr>
@@ -5895,15 +5563,17 @@
       </p:grpSpPr>
       <p:sp>
         <p:nvSpPr>
-          <p:cNvPr id="127" name="The C in MVC"/>
-          <p:cNvSpPr txBox="1">
-            <a:spLocks noGrp="1"/>
-          </p:cNvSpPr>
+          <p:cNvPr id="130" name="The C in MVC"/>
+          <p:cNvSpPr txBox="1"/>
           <p:nvPr>
             <p:ph type="title"/>
           </p:nvPr>
         </p:nvSpPr>
         <p:spPr>
+          <a:xfrm>
+            <a:off x="457200" y="274638"/>
+            <a:ext cx="8229600" cy="1143001"/>
+          </a:xfrm>
           <a:prstGeom prst="rect">
             <a:avLst/>
           </a:prstGeom>
@@ -5912,12 +5582,12 @@
           <a:bodyPr/>
           <a:lstStyle>
             <a:lvl1pPr>
-              <a:defRPr sz="2500" b="1"/>
+              <a:defRPr b="1" sz="2500"/>
             </a:lvl1pPr>
           </a:lstStyle>
           <a:p>
-            <a:r>
-              <a:rPr dirty="0"/>
+            <a:pPr/>
+            <a:r>
               <a:t>The C in MVC</a:t>
             </a:r>
           </a:p>
@@ -5925,27 +5595,23 @@
       </p:sp>
       <p:sp>
         <p:nvSpPr>
-          <p:cNvPr id="128" name="We will first look at the controller in general and then discuss the controller as a mean to implement a RESTful API…"/>
-          <p:cNvSpPr txBox="1">
-            <a:spLocks noGrp="1"/>
-          </p:cNvSpPr>
+          <p:cNvPr id="131" name="We will first look at the controller in general and then discuss the controller as a mean to implement a RESTful API…"/>
+          <p:cNvSpPr txBox="1"/>
           <p:nvPr>
             <p:ph type="body" sz="half" idx="1"/>
           </p:nvPr>
         </p:nvSpPr>
         <p:spPr>
           <a:xfrm>
-            <a:off x="457200" y="1600200"/>
-            <a:ext cx="4232683" cy="4947639"/>
+            <a:off x="457199" y="1600199"/>
+            <a:ext cx="4232685" cy="4947641"/>
           </a:xfrm>
           <a:prstGeom prst="rect">
             <a:avLst/>
           </a:prstGeom>
         </p:spPr>
         <p:txBody>
-          <a:bodyPr>
-            <a:normAutofit/>
-          </a:bodyPr>
+          <a:bodyPr/>
           <a:lstStyle/>
           <a:p>
             <a:pPr marL="0" indent="-166551" defTabSz="329184">
@@ -5956,7 +5622,6 @@
                 <a:spcPts val="0"/>
               </a:spcBef>
               <a:buFontTx/>
-              <a:buChar char="•"/>
               <a:defRPr sz="1800">
                 <a:solidFill>
                   <a:srgbClr val="222222"/>
@@ -5968,18 +5633,14 @@
               </a:defRPr>
             </a:pPr>
             <a:r>
-              <a:rPr dirty="0"/>
               <a:t>A Controllers is a layer that handles user interaction</a:t>
             </a:r>
             <a:r>
-              <a:rPr lang="en-US" dirty="0"/>
               <a:t> and</a:t>
             </a:r>
             <a:r>
-              <a:rPr dirty="0"/>
               <a:t> interacts with the model</a:t>
             </a:r>
-            <a:endParaRPr lang="en-US" dirty="0"/>
           </a:p>
           <a:p>
             <a:pPr marL="0" indent="-166551" defTabSz="329184">
@@ -5990,7 +5651,6 @@
                 <a:spcPts val="0"/>
               </a:spcBef>
               <a:buFontTx/>
-              <a:buChar char="•"/>
               <a:defRPr sz="1800">
                 <a:solidFill>
                   <a:srgbClr val="222222"/>
@@ -6001,7 +5661,6 @@
                 <a:sym typeface="Helvetica Neue"/>
               </a:defRPr>
             </a:pPr>
-            <a:endParaRPr lang="en-US" dirty="0"/>
           </a:p>
           <a:p>
             <a:pPr marL="0" indent="-166551" defTabSz="329184">
@@ -6012,7 +5671,6 @@
                 <a:spcPts val="0"/>
               </a:spcBef>
               <a:buFontTx/>
-              <a:buChar char="•"/>
               <a:defRPr sz="1800">
                 <a:solidFill>
                   <a:srgbClr val="222222"/>
@@ -6024,15 +5682,12 @@
               </a:defRPr>
             </a:pPr>
             <a:r>
-              <a:rPr dirty="0"/>
               <a:t>For example, the controller handles query-string values, and passes these values to the model, which in turn might use these values to </a:t>
             </a:r>
             <a:r>
-              <a:rPr lang="en-US" dirty="0"/>
               <a:t>update </a:t>
             </a:r>
             <a:r>
-              <a:rPr dirty="0"/>
               <a:t>the database</a:t>
             </a:r>
           </a:p>
@@ -6040,7 +5695,7 @@
       </p:sp>
       <p:pic>
         <p:nvPicPr>
-          <p:cNvPr id="129" name="mvc.png" descr="mvc.png"/>
+          <p:cNvPr id="132" name="mvc.png" descr="mvc.png"/>
           <p:cNvPicPr>
             <a:picLocks noChangeAspect="1"/>
           </p:cNvPicPr>
@@ -6057,7 +5712,7 @@
         <p:spPr>
           <a:xfrm>
             <a:off x="4765918" y="2344209"/>
-            <a:ext cx="4232683" cy="2491993"/>
+            <a:ext cx="4232684" cy="2491994"/>
           </a:xfrm>
           <a:prstGeom prst="rect">
             <a:avLst/>
@@ -6072,12 +5727,12 @@
   <p:clrMapOvr>
     <a:masterClrMapping/>
   </p:clrMapOvr>
-  <p:transition spd="med"/>
+  <p:transition xmlns:p14="http://schemas.microsoft.com/office/powerpoint/2010/main" spd="med" advClick="1"/>
 </p:sld>
 </file>
 
 <file path=ppt/slides/slide8.xml><?xml version="1.0" encoding="utf-8"?>
-<p:sld xmlns:a="http://schemas.openxmlformats.org/drawingml/2006/main" xmlns:r="http://schemas.openxmlformats.org/officeDocument/2006/relationships" xmlns:p="http://schemas.openxmlformats.org/presentationml/2006/main">
+<p:sld xmlns:a="http://schemas.openxmlformats.org/drawingml/2006/main" xmlns:r="http://schemas.openxmlformats.org/officeDocument/2006/relationships" xmlns:p="http://schemas.openxmlformats.org/presentationml/2006/main" showMasterSp="1" showMasterPhAnim="1">
   <p:cSld>
     <p:spTree>
       <p:nvGrpSpPr>
@@ -6095,18 +5750,16 @@
       </p:grpSpPr>
       <p:sp>
         <p:nvSpPr>
-          <p:cNvPr id="131" name="Title 1"/>
-          <p:cNvSpPr txBox="1">
-            <a:spLocks noGrp="1"/>
-          </p:cNvSpPr>
+          <p:cNvPr id="134" name="Title 1"/>
+          <p:cNvSpPr txBox="1"/>
           <p:nvPr>
             <p:ph type="title"/>
           </p:nvPr>
         </p:nvSpPr>
         <p:spPr>
           <a:xfrm>
-            <a:off x="457200" y="274637"/>
-            <a:ext cx="8229600" cy="675211"/>
+            <a:off x="457200" y="274636"/>
+            <a:ext cx="8229600" cy="675212"/>
           </a:xfrm>
           <a:prstGeom prst="rect">
             <a:avLst/>
@@ -6116,10 +5769,11 @@
           <a:bodyPr/>
           <a:lstStyle>
             <a:lvl1pPr>
-              <a:defRPr sz="2500" b="1"/>
+              <a:defRPr b="1" sz="2500"/>
             </a:lvl1pPr>
           </a:lstStyle>
           <a:p>
+            <a:pPr/>
             <a:r>
               <a:t>HTTP API</a:t>
             </a:r>
@@ -6128,10 +5782,8 @@
       </p:sp>
       <p:sp>
         <p:nvSpPr>
-          <p:cNvPr id="132" name="Content Placeholder 2"/>
-          <p:cNvSpPr txBox="1">
-            <a:spLocks noGrp="1"/>
-          </p:cNvSpPr>
+          <p:cNvPr id="135" name="Content Placeholder 2"/>
+          <p:cNvSpPr txBox="1"/>
           <p:nvPr>
             <p:ph type="body" idx="1"/>
           </p:nvPr>
@@ -6146,9 +5798,7 @@
           </a:prstGeom>
         </p:spPr>
         <p:txBody>
-          <a:bodyPr>
-            <a:noAutofit/>
-          </a:bodyPr>
+          <a:bodyPr/>
           <a:lstStyle/>
           <a:p>
             <a:pPr defTabSz="370331">
@@ -6158,12 +5808,11 @@
               <a:spcBef>
                 <a:spcPts val="0"/>
               </a:spcBef>
-              <a:buSzTx/>
               <a:tabLst>
                 <a:tab pos="101600" algn="l"/>
                 <a:tab pos="368300" algn="l"/>
               </a:tabLst>
-              <a:defRPr sz="2025">
+              <a:defRPr sz="1400">
                 <a:latin typeface="Helvetica Neue"/>
                 <a:ea typeface="Helvetica Neue"/>
                 <a:cs typeface="Helvetica Neue"/>
@@ -6171,9 +5820,9 @@
               </a:defRPr>
             </a:pPr>
             <a:r>
-              <a:rPr lang="en-US" sz="1400" dirty="0"/>
               <a:t>Is a series of methods that follow a specific protocol (HTTP) and allow the remote communication between entities, in our case between a the client and the controller</a:t>
             </a:r>
+            <a:endParaRPr sz="2000"/>
           </a:p>
           <a:p>
             <a:pPr defTabSz="370331">
@@ -6183,12 +5832,11 @@
               <a:spcBef>
                 <a:spcPts val="0"/>
               </a:spcBef>
-              <a:buSzTx/>
               <a:tabLst>
                 <a:tab pos="101600" algn="l"/>
                 <a:tab pos="368300" algn="l"/>
               </a:tabLst>
-              <a:defRPr sz="2025">
+              <a:defRPr sz="1400">
                 <a:latin typeface="Helvetica Neue"/>
                 <a:ea typeface="Helvetica Neue"/>
                 <a:cs typeface="Helvetica Neue"/>
@@ -6196,46 +5844,8 @@
               </a:defRPr>
             </a:pPr>
             <a:r>
-              <a:rPr lang="en-US" sz="1400" dirty="0"/>
-              <a:t>In a</a:t>
-            </a:r>
-            <a:r>
-              <a:rPr sz="1400" dirty="0"/>
-              <a:t> </a:t>
-            </a:r>
-            <a:r>
-              <a:rPr lang="en-US" sz="1400" dirty="0"/>
-              <a:t>HTTP </a:t>
-            </a:r>
-            <a:r>
-              <a:rPr sz="1400" dirty="0"/>
-              <a:t>API </a:t>
-            </a:r>
-            <a:r>
-              <a:rPr lang="en-US" sz="1400" dirty="0"/>
-              <a:t>(API) the </a:t>
-            </a:r>
-            <a:r>
-              <a:rPr sz="1400" dirty="0"/>
-              <a:t>methods can be </a:t>
-            </a:r>
-            <a:r>
-              <a:rPr lang="en-US" sz="1400" dirty="0"/>
-              <a:t>invoked remotely by calling specific unique </a:t>
-            </a:r>
-            <a:r>
-              <a:rPr sz="1400" dirty="0"/>
-              <a:t>URL</a:t>
-            </a:r>
-            <a:r>
-              <a:rPr lang="en-US" sz="1400" dirty="0"/>
-              <a:t>’</a:t>
-            </a:r>
-            <a:r>
-              <a:rPr sz="1400" dirty="0"/>
-              <a:t>s</a:t>
-            </a:r>
-            <a:endParaRPr lang="en-US" sz="1400" dirty="0"/>
+              <a:t>In a HTTP API (API) the methods can be invoked remotely by calling specific unique URL’s</a:t>
+            </a:r>
           </a:p>
           <a:p>
             <a:pPr defTabSz="370331">
@@ -6245,19 +5855,17 @@
               <a:spcBef>
                 <a:spcPts val="0"/>
               </a:spcBef>
-              <a:buSzTx/>
               <a:tabLst>
                 <a:tab pos="101600" algn="l"/>
                 <a:tab pos="368300" algn="l"/>
               </a:tabLst>
-              <a:defRPr sz="2025">
+              <a:defRPr sz="1400">
                 <a:latin typeface="Helvetica Neue"/>
                 <a:ea typeface="Helvetica Neue"/>
                 <a:cs typeface="Helvetica Neue"/>
                 <a:sym typeface="Helvetica Neue"/>
               </a:defRPr>
             </a:pPr>
-            <a:endParaRPr lang="en-US" sz="1400" dirty="0"/>
           </a:p>
           <a:p>
             <a:pPr defTabSz="370331">
@@ -6267,19 +5875,17 @@
               <a:spcBef>
                 <a:spcPts val="0"/>
               </a:spcBef>
-              <a:buSzTx/>
               <a:tabLst>
                 <a:tab pos="101600" algn="l"/>
                 <a:tab pos="368300" algn="l"/>
               </a:tabLst>
-              <a:defRPr sz="2025">
+              <a:defRPr sz="1400">
                 <a:latin typeface="Helvetica Neue"/>
                 <a:ea typeface="Helvetica Neue"/>
                 <a:cs typeface="Helvetica Neue"/>
                 <a:sym typeface="Helvetica Neue"/>
               </a:defRPr>
             </a:pPr>
-            <a:endParaRPr lang="en-US" sz="1400" dirty="0"/>
           </a:p>
           <a:p>
             <a:pPr defTabSz="370331">
@@ -6289,19 +5895,17 @@
               <a:spcBef>
                 <a:spcPts val="0"/>
               </a:spcBef>
-              <a:buSzTx/>
               <a:tabLst>
                 <a:tab pos="101600" algn="l"/>
                 <a:tab pos="368300" algn="l"/>
               </a:tabLst>
-              <a:defRPr sz="2025">
+              <a:defRPr sz="1400">
                 <a:latin typeface="Helvetica Neue"/>
                 <a:ea typeface="Helvetica Neue"/>
                 <a:cs typeface="Helvetica Neue"/>
                 <a:sym typeface="Helvetica Neue"/>
               </a:defRPr>
             </a:pPr>
-            <a:endParaRPr lang="en-US" sz="1400" dirty="0"/>
           </a:p>
           <a:p>
             <a:pPr defTabSz="370331">
@@ -6311,19 +5915,17 @@
               <a:spcBef>
                 <a:spcPts val="0"/>
               </a:spcBef>
-              <a:buSzTx/>
               <a:tabLst>
                 <a:tab pos="101600" algn="l"/>
                 <a:tab pos="368300" algn="l"/>
               </a:tabLst>
-              <a:defRPr sz="2025">
+              <a:defRPr sz="1400">
                 <a:latin typeface="Helvetica Neue"/>
                 <a:ea typeface="Helvetica Neue"/>
                 <a:cs typeface="Helvetica Neue"/>
                 <a:sym typeface="Helvetica Neue"/>
               </a:defRPr>
             </a:pPr>
-            <a:endParaRPr lang="en-US" sz="1400" dirty="0"/>
           </a:p>
           <a:p>
             <a:pPr defTabSz="370331">
@@ -6333,19 +5935,17 @@
               <a:spcBef>
                 <a:spcPts val="0"/>
               </a:spcBef>
-              <a:buSzTx/>
               <a:tabLst>
                 <a:tab pos="101600" algn="l"/>
                 <a:tab pos="368300" algn="l"/>
               </a:tabLst>
-              <a:defRPr sz="2025">
+              <a:defRPr sz="1400">
                 <a:latin typeface="Helvetica Neue"/>
                 <a:ea typeface="Helvetica Neue"/>
                 <a:cs typeface="Helvetica Neue"/>
                 <a:sym typeface="Helvetica Neue"/>
               </a:defRPr>
             </a:pPr>
-            <a:endParaRPr lang="en-US" sz="1400" dirty="0"/>
           </a:p>
           <a:p>
             <a:pPr defTabSz="370331">
@@ -6355,19 +5955,17 @@
               <a:spcBef>
                 <a:spcPts val="0"/>
               </a:spcBef>
-              <a:buSzTx/>
               <a:tabLst>
                 <a:tab pos="101600" algn="l"/>
                 <a:tab pos="368300" algn="l"/>
               </a:tabLst>
-              <a:defRPr sz="2025">
+              <a:defRPr sz="1400">
                 <a:latin typeface="Helvetica Neue"/>
                 <a:ea typeface="Helvetica Neue"/>
                 <a:cs typeface="Helvetica Neue"/>
                 <a:sym typeface="Helvetica Neue"/>
               </a:defRPr>
             </a:pPr>
-            <a:endParaRPr lang="en-US" sz="1400" dirty="0"/>
           </a:p>
           <a:p>
             <a:pPr defTabSz="370331">
@@ -6377,19 +5975,17 @@
               <a:spcBef>
                 <a:spcPts val="0"/>
               </a:spcBef>
-              <a:buSzTx/>
               <a:tabLst>
                 <a:tab pos="101600" algn="l"/>
                 <a:tab pos="368300" algn="l"/>
               </a:tabLst>
-              <a:defRPr sz="2025">
+              <a:defRPr sz="1400">
                 <a:latin typeface="Helvetica Neue"/>
                 <a:ea typeface="Helvetica Neue"/>
                 <a:cs typeface="Helvetica Neue"/>
                 <a:sym typeface="Helvetica Neue"/>
               </a:defRPr>
             </a:pPr>
-            <a:endParaRPr lang="en-US" sz="1400" dirty="0"/>
           </a:p>
           <a:p>
             <a:pPr defTabSz="370331">
@@ -6399,19 +5995,17 @@
               <a:spcBef>
                 <a:spcPts val="0"/>
               </a:spcBef>
-              <a:buSzTx/>
               <a:tabLst>
                 <a:tab pos="101600" algn="l"/>
                 <a:tab pos="368300" algn="l"/>
               </a:tabLst>
-              <a:defRPr sz="2025">
+              <a:defRPr sz="1400">
                 <a:latin typeface="Helvetica Neue"/>
                 <a:ea typeface="Helvetica Neue"/>
                 <a:cs typeface="Helvetica Neue"/>
                 <a:sym typeface="Helvetica Neue"/>
               </a:defRPr>
             </a:pPr>
-            <a:endParaRPr lang="en-US" sz="1400" dirty="0"/>
           </a:p>
           <a:p>
             <a:pPr defTabSz="370331">
@@ -6421,19 +6015,17 @@
               <a:spcBef>
                 <a:spcPts val="0"/>
               </a:spcBef>
-              <a:buSzTx/>
               <a:tabLst>
                 <a:tab pos="101600" algn="l"/>
                 <a:tab pos="368300" algn="l"/>
               </a:tabLst>
-              <a:defRPr sz="2025">
+              <a:defRPr sz="1400">
                 <a:latin typeface="Helvetica Neue"/>
                 <a:ea typeface="Helvetica Neue"/>
                 <a:cs typeface="Helvetica Neue"/>
                 <a:sym typeface="Helvetica Neue"/>
               </a:defRPr>
             </a:pPr>
-            <a:endParaRPr lang="en-US" sz="1400" dirty="0"/>
           </a:p>
           <a:p>
             <a:pPr defTabSz="370331">
@@ -6443,19 +6035,17 @@
               <a:spcBef>
                 <a:spcPts val="0"/>
               </a:spcBef>
-              <a:buSzTx/>
               <a:tabLst>
                 <a:tab pos="101600" algn="l"/>
                 <a:tab pos="368300" algn="l"/>
               </a:tabLst>
-              <a:defRPr sz="2025">
+              <a:defRPr sz="1400">
                 <a:latin typeface="Helvetica Neue"/>
                 <a:ea typeface="Helvetica Neue"/>
                 <a:cs typeface="Helvetica Neue"/>
                 <a:sym typeface="Helvetica Neue"/>
               </a:defRPr>
             </a:pPr>
-            <a:endParaRPr lang="en-US" sz="1400" dirty="0"/>
           </a:p>
           <a:p>
             <a:pPr defTabSz="370331">
@@ -6465,12 +6055,11 @@
               <a:spcBef>
                 <a:spcPts val="0"/>
               </a:spcBef>
-              <a:buSzTx/>
               <a:tabLst>
                 <a:tab pos="101600" algn="l"/>
                 <a:tab pos="368300" algn="l"/>
               </a:tabLst>
-              <a:defRPr sz="2025">
+              <a:defRPr sz="1400">
                 <a:latin typeface="Helvetica Neue"/>
                 <a:ea typeface="Helvetica Neue"/>
                 <a:cs typeface="Helvetica Neue"/>
@@ -6478,10 +6067,8 @@
               </a:defRPr>
             </a:pPr>
             <a:r>
-              <a:rPr sz="1400" dirty="0"/>
               <a:t>Method parameters are passed as elements of the URL, or inside the body</a:t>
             </a:r>
-            <a:endParaRPr lang="en-US" sz="1400" dirty="0"/>
           </a:p>
           <a:p>
             <a:pPr defTabSz="370331">
@@ -6491,12 +6078,11 @@
               <a:spcBef>
                 <a:spcPts val="0"/>
               </a:spcBef>
-              <a:buSzTx/>
               <a:tabLst>
                 <a:tab pos="101600" algn="l"/>
                 <a:tab pos="368300" algn="l"/>
               </a:tabLst>
-              <a:defRPr sz="2025">
+              <a:defRPr sz="1400">
                 <a:latin typeface="Helvetica Neue"/>
                 <a:ea typeface="Helvetica Neue"/>
                 <a:cs typeface="Helvetica Neue"/>
@@ -6504,103 +6090,69 @@
               </a:defRPr>
             </a:pPr>
             <a:r>
-              <a:rPr sz="1400" dirty="0"/>
               <a:t>A URL request also contains a tag (</a:t>
             </a:r>
             <a:r>
-              <a:rPr sz="1400" i="1" dirty="0"/>
+              <a:rPr i="1"/>
               <a:t>HTTP method</a:t>
             </a:r>
             <a:r>
-              <a:rPr sz="1400" dirty="0"/>
               <a:t>)</a:t>
             </a:r>
             <a:r>
-              <a:rPr lang="en-US" sz="1400" dirty="0"/>
               <a:t>: </a:t>
             </a:r>
             <a:r>
-              <a:rPr sz="1400" dirty="0"/>
               <a:t>GET</a:t>
             </a:r>
             <a:r>
-              <a:rPr lang="en-US" sz="1400" dirty="0"/>
               <a:t>, </a:t>
             </a:r>
             <a:r>
-              <a:rPr sz="1400" dirty="0"/>
               <a:t>POST</a:t>
             </a:r>
             <a:r>
-              <a:rPr lang="en-US" sz="1400" dirty="0"/>
               <a:t>, </a:t>
             </a:r>
             <a:r>
-              <a:rPr sz="1400" dirty="0"/>
               <a:t>PUT</a:t>
             </a:r>
             <a:r>
-              <a:rPr lang="en-US" sz="1400" dirty="0"/>
               <a:t>, and </a:t>
             </a:r>
             <a:r>
-              <a:rPr sz="1400" dirty="0"/>
               <a:t>DELETE</a:t>
             </a:r>
-            <a:endParaRPr lang="en-US" sz="1400" dirty="0">
-              <a:latin typeface="Helvetica Neue"/>
-              <a:ea typeface="Helvetica Neue"/>
-              <a:cs typeface="Helvetica Neue"/>
-              <a:sym typeface="Helvetica Neue"/>
-            </a:endParaRPr>
           </a:p>
         </p:txBody>
       </p:sp>
       <p:pic>
         <p:nvPicPr>
-          <p:cNvPr id="1026" name="Picture 2" descr="Risultati immagini per http request get">
-            <a:extLst>
-              <a:ext uri="{FF2B5EF4-FFF2-40B4-BE49-F238E27FC236}">
-                <a16:creationId xmlns:a16="http://schemas.microsoft.com/office/drawing/2014/main" id="{9D440F41-8241-4EF4-8EB1-ACE48280E756}"/>
-              </a:ext>
-            </a:extLst>
-          </p:cNvPr>
+          <p:cNvPr id="136" name="Picture 2" descr="Picture 2"/>
           <p:cNvPicPr>
-            <a:picLocks noChangeAspect="1" noChangeArrowheads="1"/>
+            <a:picLocks noChangeAspect="1"/>
           </p:cNvPicPr>
           <p:nvPr/>
         </p:nvPicPr>
         <p:blipFill>
           <a:blip r:embed="rId2">
-            <a:extLst>
-              <a:ext uri="{28A0092B-C50C-407E-A947-70E740481C1C}">
-                <a14:useLocalDpi xmlns:a14="http://schemas.microsoft.com/office/drawing/2010/main" val="0"/>
-              </a:ext>
-            </a:extLst>
+            <a:extLst/>
           </a:blip>
-          <a:srcRect/>
           <a:stretch>
             <a:fillRect/>
           </a:stretch>
         </p:blipFill>
-        <p:spPr bwMode="auto">
+        <p:spPr>
           <a:xfrm>
-            <a:off x="2004318" y="2449174"/>
-            <a:ext cx="5135363" cy="2484853"/>
+            <a:off x="2004317" y="2449173"/>
+            <a:ext cx="5135364" cy="2484854"/>
           </a:xfrm>
           <a:prstGeom prst="rect">
             <a:avLst/>
           </a:prstGeom>
-          <a:noFill/>
-          <a:extLst>
-            <a:ext uri="{909E8E84-426E-40DD-AFC4-6F175D3DCCD1}">
-              <a14:hiddenFill xmlns:a14="http://schemas.microsoft.com/office/drawing/2010/main">
-                <a:solidFill>
-                  <a:srgbClr val="FFFFFF"/>
-                </a:solidFill>
-              </a14:hiddenFill>
-            </a:ext>
-          </a:extLst>
+          <a:ln w="12700">
+            <a:miter lim="400000"/>
+          </a:ln>
         </p:spPr>
       </p:pic>
     </p:spTree>
@@ -6608,12 +6160,12 @@
   <p:clrMapOvr>
     <a:masterClrMapping/>
   </p:clrMapOvr>
-  <p:transition spd="med"/>
+  <p:transition xmlns:p14="http://schemas.microsoft.com/office/powerpoint/2010/main" spd="med" advClick="1"/>
 </p:sld>
 </file>
 
 <file path=ppt/slides/slide9.xml><?xml version="1.0" encoding="utf-8"?>
-<p:sld xmlns:a="http://schemas.openxmlformats.org/drawingml/2006/main" xmlns:r="http://schemas.openxmlformats.org/officeDocument/2006/relationships" xmlns:p="http://schemas.openxmlformats.org/presentationml/2006/main">
+<p:sld xmlns:a="http://schemas.openxmlformats.org/drawingml/2006/main" xmlns:r="http://schemas.openxmlformats.org/officeDocument/2006/relationships" xmlns:p="http://schemas.openxmlformats.org/presentationml/2006/main" showMasterSp="1" showMasterPhAnim="1">
   <p:cSld>
     <p:spTree>
       <p:nvGrpSpPr>
@@ -6631,15 +6183,17 @@
       </p:grpSpPr>
       <p:sp>
         <p:nvSpPr>
-          <p:cNvPr id="134" name="Example of an HTTP API and MVC"/>
-          <p:cNvSpPr txBox="1">
-            <a:spLocks noGrp="1"/>
-          </p:cNvSpPr>
+          <p:cNvPr id="138" name="Example of an HTTP API and MVC"/>
+          <p:cNvSpPr txBox="1"/>
           <p:nvPr>
             <p:ph type="title"/>
           </p:nvPr>
         </p:nvSpPr>
         <p:spPr>
+          <a:xfrm>
+            <a:off x="457200" y="274638"/>
+            <a:ext cx="8229600" cy="1143001"/>
+          </a:xfrm>
           <a:prstGeom prst="rect">
             <a:avLst/>
           </a:prstGeom>
@@ -6648,10 +6202,11 @@
           <a:bodyPr/>
           <a:lstStyle>
             <a:lvl1pPr>
-              <a:defRPr sz="2500" b="1"/>
+              <a:defRPr b="1" sz="2500"/>
             </a:lvl1pPr>
           </a:lstStyle>
           <a:p>
+            <a:pPr/>
             <a:r>
               <a:t>Example of an HTTP API and MVC</a:t>
             </a:r>
@@ -6660,7 +6215,7 @@
       </p:sp>
       <p:pic>
         <p:nvPicPr>
-          <p:cNvPr id="135" name="mvc rest.png" descr="mvc rest.png"/>
+          <p:cNvPr id="139" name="mvc rest.png" descr="mvc rest.png"/>
           <p:cNvPicPr>
             <a:picLocks noChangeAspect="1"/>
           </p:cNvPicPr>
@@ -6670,15 +6225,14 @@
           <a:blip r:embed="rId2">
             <a:extLst/>
           </a:blip>
-          <a:srcRect/>
           <a:stretch>
             <a:fillRect/>
           </a:stretch>
         </p:blipFill>
         <p:spPr>
           <a:xfrm>
-            <a:off x="1204312" y="1790016"/>
-            <a:ext cx="6239336" cy="4480978"/>
+            <a:off x="1204311" y="1790015"/>
+            <a:ext cx="6239337" cy="4480979"/>
           </a:xfrm>
           <a:prstGeom prst="rect">
             <a:avLst/>
@@ -6693,12 +6247,12 @@
   <p:clrMapOvr>
     <a:masterClrMapping/>
   </p:clrMapOvr>
-  <p:transition spd="med"/>
+  <p:transition xmlns:p14="http://schemas.microsoft.com/office/powerpoint/2010/main" spd="med" advClick="1"/>
 </p:sld>
 </file>
 
 <file path=ppt/theme/theme1.xml><?xml version="1.0" encoding="utf-8"?>
-<a:theme xmlns:a="http://schemas.openxmlformats.org/drawingml/2006/main" name="Office Theme">
+<a:theme xmlns:a="http://schemas.openxmlformats.org/drawingml/2006/main" xmlns:r="http://schemas.openxmlformats.org/officeDocument/2006/relationships" name="Office Theme">
   <a:themeElements>
     <a:clrScheme name="Office Theme">
       <a:dk1>
@@ -6740,14 +6294,14 @@
     </a:clrScheme>
     <a:fontScheme name="Office Theme">
       <a:majorFont>
+        <a:latin typeface="Helvetica"/>
+        <a:ea typeface="Helvetica"/>
+        <a:cs typeface="Helvetica"/>
+      </a:majorFont>
+      <a:minorFont>
         <a:latin typeface="Calibri"/>
         <a:ea typeface="Calibri"/>
         <a:cs typeface="Calibri"/>
-      </a:majorFont>
-      <a:minorFont>
-        <a:latin typeface="Helvetica"/>
-        <a:ea typeface="Helvetica"/>
-        <a:cs typeface="Helvetica"/>
       </a:minorFont>
     </a:fontScheme>
     <a:fmtScheme name="Office Theme">
@@ -6824,7 +6378,7 @@
       <a:effectStyleLst>
         <a:effectStyle>
           <a:effectLst>
-            <a:outerShdw blurRad="38100" dist="23000" dir="5400000" rotWithShape="0">
+            <a:outerShdw sx="100000" sy="100000" kx="0" ky="0" algn="b" rotWithShape="0" blurRad="38100" dist="23000" dir="5400000">
               <a:srgbClr val="000000">
                 <a:alpha val="35000"/>
               </a:srgbClr>
@@ -6833,7 +6387,7 @@
         </a:effectStyle>
         <a:effectStyle>
           <a:effectLst>
-            <a:outerShdw blurRad="38100" dist="23000" dir="5400000" rotWithShape="0">
+            <a:outerShdw sx="100000" sy="100000" kx="0" ky="0" algn="b" rotWithShape="0" blurRad="38100" dist="23000" dir="5400000">
               <a:srgbClr val="000000">
                 <a:alpha val="35000"/>
               </a:srgbClr>
@@ -6842,9 +6396,9 @@
         </a:effectStyle>
         <a:effectStyle>
           <a:effectLst>
-            <a:outerShdw blurRad="38100" dist="20000" dir="5400000" rotWithShape="0">
+            <a:outerShdw sx="100000" sy="100000" kx="0" ky="0" algn="b" rotWithShape="0" blurRad="38100" dist="23000" dir="5400000">
               <a:srgbClr val="000000">
-                <a:alpha val="38000"/>
+                <a:alpha val="35000"/>
               </a:srgbClr>
             </a:outerShdw>
           </a:effectLst>
@@ -6916,7 +6470,7 @@
           <a:round/>
         </a:ln>
         <a:effectLst>
-          <a:outerShdw blurRad="38100" dist="23000" dir="5400000" rotWithShape="0">
+          <a:outerShdw sx="100000" sy="100000" kx="0" ky="0" algn="b" rotWithShape="0" blurRad="38100" dist="23000" dir="5400000">
             <a:srgbClr val="000000">
               <a:alpha val="35000"/>
             </a:srgbClr>
@@ -6924,7 +6478,7 @@
         </a:effectLst>
         <a:sp3d/>
       </a:spPr>
-      <a:bodyPr rot="0" spcFirstLastPara="1" vertOverflow="overflow" horzOverflow="overflow" vert="horz" wrap="square" lIns="45719" tIns="45719" rIns="45719" bIns="45719" numCol="1" spcCol="38100" rtlCol="0" anchor="ctr">
+      <a:bodyPr rot="0" spcFirstLastPara="1" vertOverflow="overflow" horzOverflow="overflow" vert="horz" wrap="square" lIns="45718" tIns="45718" rIns="45718" bIns="45718" numCol="1" spcCol="38100" rtlCol="0" anchor="ctr" upright="0">
         <a:spAutoFit/>
       </a:bodyPr>
       <a:lstStyle>
@@ -6943,7 +6497,7 @@
           <a:buFontTx/>
           <a:buNone/>
           <a:tabLst/>
-          <a:defRPr kumimoji="0" sz="1800" b="0" i="0" u="none" strike="noStrike" cap="none" spc="0" normalizeH="0" baseline="0">
+          <a:defRPr b="0" baseline="0" cap="none" i="0" spc="0" strike="noStrike" sz="1800" u="none" kumimoji="0" normalizeH="0">
             <a:ln>
               <a:noFill/>
             </a:ln>
@@ -6955,7 +6509,7 @@
             <a:latin typeface="+mj-lt"/>
             <a:ea typeface="+mj-ea"/>
             <a:cs typeface="+mj-cs"/>
-            <a:sym typeface="Calibri"/>
+            <a:sym typeface="Helvetica"/>
           </a:defRPr>
         </a:defPPr>
         <a:lvl1pPr marL="0" marR="0" indent="0" algn="l" defTabSz="914400" rtl="0" fontAlgn="auto" latinLnBrk="1" hangingPunct="0">
@@ -6973,7 +6527,7 @@
           <a:buFontTx/>
           <a:buNone/>
           <a:tabLst/>
-          <a:defRPr kumimoji="0" sz="1800" b="0" i="0" u="none" strike="noStrike" cap="none" spc="0" normalizeH="0" baseline="0">
+          <a:defRPr b="0" baseline="0" cap="none" i="0" spc="0" strike="noStrike" sz="1800" u="none" kumimoji="0" normalizeH="0">
             <a:ln>
               <a:noFill/>
             </a:ln>
@@ -6999,7 +6553,7 @@
           <a:buFontTx/>
           <a:buNone/>
           <a:tabLst/>
-          <a:defRPr kumimoji="0" sz="1800" b="0" i="0" u="none" strike="noStrike" cap="none" spc="0" normalizeH="0" baseline="0">
+          <a:defRPr b="0" baseline="0" cap="none" i="0" spc="0" strike="noStrike" sz="1800" u="none" kumimoji="0" normalizeH="0">
             <a:ln>
               <a:noFill/>
             </a:ln>
@@ -7025,7 +6579,7 @@
           <a:buFontTx/>
           <a:buNone/>
           <a:tabLst/>
-          <a:defRPr kumimoji="0" sz="1800" b="0" i="0" u="none" strike="noStrike" cap="none" spc="0" normalizeH="0" baseline="0">
+          <a:defRPr b="0" baseline="0" cap="none" i="0" spc="0" strike="noStrike" sz="1800" u="none" kumimoji="0" normalizeH="0">
             <a:ln>
               <a:noFill/>
             </a:ln>
@@ -7051,7 +6605,7 @@
           <a:buFontTx/>
           <a:buNone/>
           <a:tabLst/>
-          <a:defRPr kumimoji="0" sz="1800" b="0" i="0" u="none" strike="noStrike" cap="none" spc="0" normalizeH="0" baseline="0">
+          <a:defRPr b="0" baseline="0" cap="none" i="0" spc="0" strike="noStrike" sz="1800" u="none" kumimoji="0" normalizeH="0">
             <a:ln>
               <a:noFill/>
             </a:ln>
@@ -7077,7 +6631,7 @@
           <a:buFontTx/>
           <a:buNone/>
           <a:tabLst/>
-          <a:defRPr kumimoji="0" sz="1800" b="0" i="0" u="none" strike="noStrike" cap="none" spc="0" normalizeH="0" baseline="0">
+          <a:defRPr b="0" baseline="0" cap="none" i="0" spc="0" strike="noStrike" sz="1800" u="none" kumimoji="0" normalizeH="0">
             <a:ln>
               <a:noFill/>
             </a:ln>
@@ -7103,7 +6657,7 @@
           <a:buFontTx/>
           <a:buNone/>
           <a:tabLst/>
-          <a:defRPr kumimoji="0" sz="1800" b="0" i="0" u="none" strike="noStrike" cap="none" spc="0" normalizeH="0" baseline="0">
+          <a:defRPr b="0" baseline="0" cap="none" i="0" spc="0" strike="noStrike" sz="1800" u="none" kumimoji="0" normalizeH="0">
             <a:ln>
               <a:noFill/>
             </a:ln>
@@ -7129,7 +6683,7 @@
           <a:buFontTx/>
           <a:buNone/>
           <a:tabLst/>
-          <a:defRPr kumimoji="0" sz="1800" b="0" i="0" u="none" strike="noStrike" cap="none" spc="0" normalizeH="0" baseline="0">
+          <a:defRPr b="0" baseline="0" cap="none" i="0" spc="0" strike="noStrike" sz="1800" u="none" kumimoji="0" normalizeH="0">
             <a:ln>
               <a:noFill/>
             </a:ln>
@@ -7155,7 +6709,7 @@
           <a:buFontTx/>
           <a:buNone/>
           <a:tabLst/>
-          <a:defRPr kumimoji="0" sz="1800" b="0" i="0" u="none" strike="noStrike" cap="none" spc="0" normalizeH="0" baseline="0">
+          <a:defRPr b="0" baseline="0" cap="none" i="0" spc="0" strike="noStrike" sz="1800" u="none" kumimoji="0" normalizeH="0">
             <a:ln>
               <a:noFill/>
             </a:ln>
@@ -7181,7 +6735,7 @@
           <a:buFontTx/>
           <a:buNone/>
           <a:tabLst/>
-          <a:defRPr kumimoji="0" sz="1800" b="0" i="0" u="none" strike="noStrike" cap="none" spc="0" normalizeH="0" baseline="0">
+          <a:defRPr b="0" baseline="0" cap="none" i="0" spc="0" strike="noStrike" sz="1800" u="none" kumimoji="0" normalizeH="0">
             <a:ln>
               <a:noFill/>
             </a:ln>
@@ -7194,15 +6748,9 @@
         </a:lvl9pPr>
       </a:lstStyle>
       <a:style>
-        <a:lnRef idx="0">
-          <a:scrgbClr r="0" g="0" b="0"/>
-        </a:lnRef>
-        <a:fillRef idx="0">
-          <a:scrgbClr r="0" g="0" b="0"/>
-        </a:fillRef>
-        <a:effectRef idx="0">
-          <a:scrgbClr r="0" g="0" b="0"/>
-        </a:effectRef>
+        <a:lnRef idx="0"/>
+        <a:fillRef idx="0"/>
+        <a:effectRef idx="0"/>
         <a:fontRef idx="none"/>
       </a:style>
     </a:spDef>
@@ -7217,15 +6765,15 @@
           <a:round/>
         </a:ln>
         <a:effectLst>
-          <a:outerShdw blurRad="38100" dist="20000" dir="5400000" rotWithShape="0">
+          <a:outerShdw sx="100000" sy="100000" kx="0" ky="0" algn="b" rotWithShape="0" blurRad="38100" dist="23000" dir="5400000">
             <a:srgbClr val="000000">
-              <a:alpha val="38000"/>
+              <a:alpha val="35000"/>
             </a:srgbClr>
           </a:outerShdw>
         </a:effectLst>
         <a:sp3d/>
       </a:spPr>
-      <a:bodyPr rot="0" spcFirstLastPara="1" vertOverflow="overflow" horzOverflow="overflow" vert="horz" wrap="square" lIns="91439" tIns="45719" rIns="91439" bIns="45719" numCol="1" spcCol="38100" rtlCol="0" anchor="t">
+      <a:bodyPr rot="0" spcFirstLastPara="1" vertOverflow="overflow" horzOverflow="overflow" vert="horz" wrap="square" lIns="91439" tIns="45719" rIns="91439" bIns="45719" numCol="1" spcCol="38100" rtlCol="0" anchor="t" upright="0">
         <a:noAutofit/>
       </a:bodyPr>
       <a:lstStyle>
@@ -7244,7 +6792,7 @@
           <a:buFontTx/>
           <a:buNone/>
           <a:tabLst/>
-          <a:defRPr kumimoji="0" sz="1800" b="0" i="0" u="none" strike="noStrike" cap="none" spc="0" normalizeH="0" baseline="0">
+          <a:defRPr b="0" baseline="0" cap="none" i="0" spc="0" strike="noStrike" sz="1800" u="none" kumimoji="0" normalizeH="0">
             <a:ln>
               <a:noFill/>
             </a:ln>
@@ -7270,7 +6818,7 @@
           <a:buFontTx/>
           <a:buNone/>
           <a:tabLst/>
-          <a:defRPr kumimoji="0" sz="1800" b="0" i="0" u="none" strike="noStrike" cap="none" spc="0" normalizeH="0" baseline="0">
+          <a:defRPr b="0" baseline="0" cap="none" i="0" spc="0" strike="noStrike" sz="1800" u="none" kumimoji="0" normalizeH="0">
             <a:ln>
               <a:noFill/>
             </a:ln>
@@ -7296,7 +6844,7 @@
           <a:buFontTx/>
           <a:buNone/>
           <a:tabLst/>
-          <a:defRPr kumimoji="0" sz="1800" b="0" i="0" u="none" strike="noStrike" cap="none" spc="0" normalizeH="0" baseline="0">
+          <a:defRPr b="0" baseline="0" cap="none" i="0" spc="0" strike="noStrike" sz="1800" u="none" kumimoji="0" normalizeH="0">
             <a:ln>
               <a:noFill/>
             </a:ln>
@@ -7322,7 +6870,7 @@
           <a:buFontTx/>
           <a:buNone/>
           <a:tabLst/>
-          <a:defRPr kumimoji="0" sz="1800" b="0" i="0" u="none" strike="noStrike" cap="none" spc="0" normalizeH="0" baseline="0">
+          <a:defRPr b="0" baseline="0" cap="none" i="0" spc="0" strike="noStrike" sz="1800" u="none" kumimoji="0" normalizeH="0">
             <a:ln>
               <a:noFill/>
             </a:ln>
@@ -7348,7 +6896,7 @@
           <a:buFontTx/>
           <a:buNone/>
           <a:tabLst/>
-          <a:defRPr kumimoji="0" sz="1800" b="0" i="0" u="none" strike="noStrike" cap="none" spc="0" normalizeH="0" baseline="0">
+          <a:defRPr b="0" baseline="0" cap="none" i="0" spc="0" strike="noStrike" sz="1800" u="none" kumimoji="0" normalizeH="0">
             <a:ln>
               <a:noFill/>
             </a:ln>
@@ -7374,7 +6922,7 @@
           <a:buFontTx/>
           <a:buNone/>
           <a:tabLst/>
-          <a:defRPr kumimoji="0" sz="1800" b="0" i="0" u="none" strike="noStrike" cap="none" spc="0" normalizeH="0" baseline="0">
+          <a:defRPr b="0" baseline="0" cap="none" i="0" spc="0" strike="noStrike" sz="1800" u="none" kumimoji="0" normalizeH="0">
             <a:ln>
               <a:noFill/>
             </a:ln>
@@ -7400,7 +6948,7 @@
           <a:buFontTx/>
           <a:buNone/>
           <a:tabLst/>
-          <a:defRPr kumimoji="0" sz="1800" b="0" i="0" u="none" strike="noStrike" cap="none" spc="0" normalizeH="0" baseline="0">
+          <a:defRPr b="0" baseline="0" cap="none" i="0" spc="0" strike="noStrike" sz="1800" u="none" kumimoji="0" normalizeH="0">
             <a:ln>
               <a:noFill/>
             </a:ln>
@@ -7426,7 +6974,7 @@
           <a:buFontTx/>
           <a:buNone/>
           <a:tabLst/>
-          <a:defRPr kumimoji="0" sz="1800" b="0" i="0" u="none" strike="noStrike" cap="none" spc="0" normalizeH="0" baseline="0">
+          <a:defRPr b="0" baseline="0" cap="none" i="0" spc="0" strike="noStrike" sz="1800" u="none" kumimoji="0" normalizeH="0">
             <a:ln>
               <a:noFill/>
             </a:ln>
@@ -7452,7 +7000,7 @@
           <a:buFontTx/>
           <a:buNone/>
           <a:tabLst/>
-          <a:defRPr kumimoji="0" sz="1800" b="0" i="0" u="none" strike="noStrike" cap="none" spc="0" normalizeH="0" baseline="0">
+          <a:defRPr b="0" baseline="0" cap="none" i="0" spc="0" strike="noStrike" sz="1800" u="none" kumimoji="0" normalizeH="0">
             <a:ln>
               <a:noFill/>
             </a:ln>
@@ -7478,7 +7026,7 @@
           <a:buFontTx/>
           <a:buNone/>
           <a:tabLst/>
-          <a:defRPr kumimoji="0" sz="1800" b="0" i="0" u="none" strike="noStrike" cap="none" spc="0" normalizeH="0" baseline="0">
+          <a:defRPr b="0" baseline="0" cap="none" i="0" spc="0" strike="noStrike" sz="1800" u="none" kumimoji="0" normalizeH="0">
             <a:ln>
               <a:noFill/>
             </a:ln>
@@ -7491,15 +7039,9 @@
         </a:lvl9pPr>
       </a:lstStyle>
       <a:style>
-        <a:lnRef idx="0">
-          <a:scrgbClr r="0" g="0" b="0"/>
-        </a:lnRef>
-        <a:fillRef idx="0">
-          <a:scrgbClr r="0" g="0" b="0"/>
-        </a:fillRef>
-        <a:effectRef idx="0">
-          <a:scrgbClr r="0" g="0" b="0"/>
-        </a:effectRef>
+        <a:lnRef idx="0"/>
+        <a:fillRef idx="0"/>
+        <a:effectRef idx="0"/>
         <a:fontRef idx="none"/>
       </a:style>
     </a:lnDef>
@@ -7513,7 +7055,7 @@
         <a:effectLst/>
         <a:sp3d/>
       </a:spPr>
-      <a:bodyPr rot="0" spcFirstLastPara="1" vertOverflow="overflow" horzOverflow="overflow" vert="horz" wrap="square" lIns="45719" tIns="45719" rIns="45719" bIns="45719" numCol="1" spcCol="38100" rtlCol="0" anchor="t">
+      <a:bodyPr rot="0" spcFirstLastPara="1" vertOverflow="overflow" horzOverflow="overflow" vert="horz" wrap="square" lIns="45718" tIns="45718" rIns="45718" bIns="45718" numCol="1" spcCol="38100" rtlCol="0" anchor="t" upright="0">
         <a:spAutoFit/>
       </a:bodyPr>
       <a:lstStyle>
@@ -7532,7 +7074,7 @@
           <a:buFontTx/>
           <a:buNone/>
           <a:tabLst/>
-          <a:defRPr kumimoji="0" sz="1800" b="0" i="0" u="none" strike="noStrike" cap="none" spc="0" normalizeH="0" baseline="0">
+          <a:defRPr b="0" baseline="0" cap="none" i="0" spc="0" strike="noStrike" sz="1800" u="none" kumimoji="0" normalizeH="0">
             <a:ln>
               <a:noFill/>
             </a:ln>
@@ -7544,7 +7086,7 @@
             <a:latin typeface="+mj-lt"/>
             <a:ea typeface="+mj-ea"/>
             <a:cs typeface="+mj-cs"/>
-            <a:sym typeface="Calibri"/>
+            <a:sym typeface="Helvetica"/>
           </a:defRPr>
         </a:defPPr>
         <a:lvl1pPr marL="0" marR="0" indent="0" algn="l" defTabSz="914400" rtl="0" fontAlgn="auto" latinLnBrk="1" hangingPunct="0">
@@ -7562,7 +7104,7 @@
           <a:buFontTx/>
           <a:buNone/>
           <a:tabLst/>
-          <a:defRPr kumimoji="0" sz="1800" b="0" i="0" u="none" strike="noStrike" cap="none" spc="0" normalizeH="0" baseline="0">
+          <a:defRPr b="0" baseline="0" cap="none" i="0" spc="0" strike="noStrike" sz="1800" u="none" kumimoji="0" normalizeH="0">
             <a:ln>
               <a:noFill/>
             </a:ln>
@@ -7588,7 +7130,7 @@
           <a:buFontTx/>
           <a:buNone/>
           <a:tabLst/>
-          <a:defRPr kumimoji="0" sz="1800" b="0" i="0" u="none" strike="noStrike" cap="none" spc="0" normalizeH="0" baseline="0">
+          <a:defRPr b="0" baseline="0" cap="none" i="0" spc="0" strike="noStrike" sz="1800" u="none" kumimoji="0" normalizeH="0">
             <a:ln>
               <a:noFill/>
             </a:ln>
@@ -7614,7 +7156,7 @@
           <a:buFontTx/>
           <a:buNone/>
           <a:tabLst/>
-          <a:defRPr kumimoji="0" sz="1800" b="0" i="0" u="none" strike="noStrike" cap="none" spc="0" normalizeH="0" baseline="0">
+          <a:defRPr b="0" baseline="0" cap="none" i="0" spc="0" strike="noStrike" sz="1800" u="none" kumimoji="0" normalizeH="0">
             <a:ln>
               <a:noFill/>
             </a:ln>
@@ -7640,7 +7182,7 @@
           <a:buFontTx/>
           <a:buNone/>
           <a:tabLst/>
-          <a:defRPr kumimoji="0" sz="1800" b="0" i="0" u="none" strike="noStrike" cap="none" spc="0" normalizeH="0" baseline="0">
+          <a:defRPr b="0" baseline="0" cap="none" i="0" spc="0" strike="noStrike" sz="1800" u="none" kumimoji="0" normalizeH="0">
             <a:ln>
               <a:noFill/>
             </a:ln>
@@ -7666,7 +7208,7 @@
           <a:buFontTx/>
           <a:buNone/>
           <a:tabLst/>
-          <a:defRPr kumimoji="0" sz="1800" b="0" i="0" u="none" strike="noStrike" cap="none" spc="0" normalizeH="0" baseline="0">
+          <a:defRPr b="0" baseline="0" cap="none" i="0" spc="0" strike="noStrike" sz="1800" u="none" kumimoji="0" normalizeH="0">
             <a:ln>
               <a:noFill/>
             </a:ln>
@@ -7692,7 +7234,7 @@
           <a:buFontTx/>
           <a:buNone/>
           <a:tabLst/>
-          <a:defRPr kumimoji="0" sz="1800" b="0" i="0" u="none" strike="noStrike" cap="none" spc="0" normalizeH="0" baseline="0">
+          <a:defRPr b="0" baseline="0" cap="none" i="0" spc="0" strike="noStrike" sz="1800" u="none" kumimoji="0" normalizeH="0">
             <a:ln>
               <a:noFill/>
             </a:ln>
@@ -7718,7 +7260,7 @@
           <a:buFontTx/>
           <a:buNone/>
           <a:tabLst/>
-          <a:defRPr kumimoji="0" sz="1800" b="0" i="0" u="none" strike="noStrike" cap="none" spc="0" normalizeH="0" baseline="0">
+          <a:defRPr b="0" baseline="0" cap="none" i="0" spc="0" strike="noStrike" sz="1800" u="none" kumimoji="0" normalizeH="0">
             <a:ln>
               <a:noFill/>
             </a:ln>
@@ -7744,7 +7286,7 @@
           <a:buFontTx/>
           <a:buNone/>
           <a:tabLst/>
-          <a:defRPr kumimoji="0" sz="1800" b="0" i="0" u="none" strike="noStrike" cap="none" spc="0" normalizeH="0" baseline="0">
+          <a:defRPr b="0" baseline="0" cap="none" i="0" spc="0" strike="noStrike" sz="1800" u="none" kumimoji="0" normalizeH="0">
             <a:ln>
               <a:noFill/>
             </a:ln>
@@ -7770,7 +7312,7 @@
           <a:buFontTx/>
           <a:buNone/>
           <a:tabLst/>
-          <a:defRPr kumimoji="0" sz="1800" b="0" i="0" u="none" strike="noStrike" cap="none" spc="0" normalizeH="0" baseline="0">
+          <a:defRPr b="0" baseline="0" cap="none" i="0" spc="0" strike="noStrike" sz="1800" u="none" kumimoji="0" normalizeH="0">
             <a:ln>
               <a:noFill/>
             </a:ln>
@@ -7783,25 +7325,18 @@
         </a:lvl9pPr>
       </a:lstStyle>
       <a:style>
-        <a:lnRef idx="0">
-          <a:scrgbClr r="0" g="0" b="0"/>
-        </a:lnRef>
-        <a:fillRef idx="0">
-          <a:scrgbClr r="0" g="0" b="0"/>
-        </a:fillRef>
-        <a:effectRef idx="0">
-          <a:scrgbClr r="0" g="0" b="0"/>
-        </a:effectRef>
+        <a:lnRef idx="0"/>
+        <a:fillRef idx="0"/>
+        <a:effectRef idx="0"/>
         <a:fontRef idx="none"/>
       </a:style>
     </a:txDef>
   </a:objectDefaults>
-  <a:extraClrSchemeLst/>
 </a:theme>
 </file>
 
 <file path=ppt/theme/theme2.xml><?xml version="1.0" encoding="utf-8"?>
-<a:theme xmlns:a="http://schemas.openxmlformats.org/drawingml/2006/main" name="Office Theme">
+<a:theme xmlns:a="http://schemas.openxmlformats.org/drawingml/2006/main" xmlns:r="http://schemas.openxmlformats.org/officeDocument/2006/relationships" name="Office Theme">
   <a:themeElements>
     <a:clrScheme name="Office Theme">
       <a:dk1>
@@ -7843,14 +7378,14 @@
     </a:clrScheme>
     <a:fontScheme name="Office Theme">
       <a:majorFont>
+        <a:latin typeface="Helvetica"/>
+        <a:ea typeface="Helvetica"/>
+        <a:cs typeface="Helvetica"/>
+      </a:majorFont>
+      <a:minorFont>
         <a:latin typeface="Calibri"/>
         <a:ea typeface="Calibri"/>
         <a:cs typeface="Calibri"/>
-      </a:majorFont>
-      <a:minorFont>
-        <a:latin typeface="Helvetica"/>
-        <a:ea typeface="Helvetica"/>
-        <a:cs typeface="Helvetica"/>
       </a:minorFont>
     </a:fontScheme>
     <a:fmtScheme name="Office Theme">
@@ -7927,7 +7462,7 @@
       <a:effectStyleLst>
         <a:effectStyle>
           <a:effectLst>
-            <a:outerShdw blurRad="38100" dist="23000" dir="5400000" rotWithShape="0">
+            <a:outerShdw sx="100000" sy="100000" kx="0" ky="0" algn="b" rotWithShape="0" blurRad="38100" dist="23000" dir="5400000">
               <a:srgbClr val="000000">
                 <a:alpha val="35000"/>
               </a:srgbClr>
@@ -7936,7 +7471,7 @@
         </a:effectStyle>
         <a:effectStyle>
           <a:effectLst>
-            <a:outerShdw blurRad="38100" dist="23000" dir="5400000" rotWithShape="0">
+            <a:outerShdw sx="100000" sy="100000" kx="0" ky="0" algn="b" rotWithShape="0" blurRad="38100" dist="23000" dir="5400000">
               <a:srgbClr val="000000">
                 <a:alpha val="35000"/>
               </a:srgbClr>
@@ -7945,9 +7480,9 @@
         </a:effectStyle>
         <a:effectStyle>
           <a:effectLst>
-            <a:outerShdw blurRad="38100" dist="20000" dir="5400000" rotWithShape="0">
+            <a:outerShdw sx="100000" sy="100000" kx="0" ky="0" algn="b" rotWithShape="0" blurRad="38100" dist="23000" dir="5400000">
               <a:srgbClr val="000000">
-                <a:alpha val="38000"/>
+                <a:alpha val="35000"/>
               </a:srgbClr>
             </a:outerShdw>
           </a:effectLst>
@@ -8019,7 +7554,7 @@
           <a:round/>
         </a:ln>
         <a:effectLst>
-          <a:outerShdw blurRad="38100" dist="23000" dir="5400000" rotWithShape="0">
+          <a:outerShdw sx="100000" sy="100000" kx="0" ky="0" algn="b" rotWithShape="0" blurRad="38100" dist="23000" dir="5400000">
             <a:srgbClr val="000000">
               <a:alpha val="35000"/>
             </a:srgbClr>
@@ -8027,7 +7562,7 @@
         </a:effectLst>
         <a:sp3d/>
       </a:spPr>
-      <a:bodyPr rot="0" spcFirstLastPara="1" vertOverflow="overflow" horzOverflow="overflow" vert="horz" wrap="square" lIns="45719" tIns="45719" rIns="45719" bIns="45719" numCol="1" spcCol="38100" rtlCol="0" anchor="ctr">
+      <a:bodyPr rot="0" spcFirstLastPara="1" vertOverflow="overflow" horzOverflow="overflow" vert="horz" wrap="square" lIns="45718" tIns="45718" rIns="45718" bIns="45718" numCol="1" spcCol="38100" rtlCol="0" anchor="ctr" upright="0">
         <a:spAutoFit/>
       </a:bodyPr>
       <a:lstStyle>
@@ -8046,7 +7581,7 @@
           <a:buFontTx/>
           <a:buNone/>
           <a:tabLst/>
-          <a:defRPr kumimoji="0" sz="1800" b="0" i="0" u="none" strike="noStrike" cap="none" spc="0" normalizeH="0" baseline="0">
+          <a:defRPr b="0" baseline="0" cap="none" i="0" spc="0" strike="noStrike" sz="1800" u="none" kumimoji="0" normalizeH="0">
             <a:ln>
               <a:noFill/>
             </a:ln>
@@ -8058,7 +7593,7 @@
             <a:latin typeface="+mj-lt"/>
             <a:ea typeface="+mj-ea"/>
             <a:cs typeface="+mj-cs"/>
-            <a:sym typeface="Calibri"/>
+            <a:sym typeface="Helvetica"/>
           </a:defRPr>
         </a:defPPr>
         <a:lvl1pPr marL="0" marR="0" indent="0" algn="l" defTabSz="914400" rtl="0" fontAlgn="auto" latinLnBrk="1" hangingPunct="0">
@@ -8076,7 +7611,7 @@
           <a:buFontTx/>
           <a:buNone/>
           <a:tabLst/>
-          <a:defRPr kumimoji="0" sz="1800" b="0" i="0" u="none" strike="noStrike" cap="none" spc="0" normalizeH="0" baseline="0">
+          <a:defRPr b="0" baseline="0" cap="none" i="0" spc="0" strike="noStrike" sz="1800" u="none" kumimoji="0" normalizeH="0">
             <a:ln>
               <a:noFill/>
             </a:ln>
@@ -8102,7 +7637,7 @@
           <a:buFontTx/>
           <a:buNone/>
           <a:tabLst/>
-          <a:defRPr kumimoji="0" sz="1800" b="0" i="0" u="none" strike="noStrike" cap="none" spc="0" normalizeH="0" baseline="0">
+          <a:defRPr b="0" baseline="0" cap="none" i="0" spc="0" strike="noStrike" sz="1800" u="none" kumimoji="0" normalizeH="0">
             <a:ln>
               <a:noFill/>
             </a:ln>
@@ -8128,7 +7663,7 @@
           <a:buFontTx/>
           <a:buNone/>
           <a:tabLst/>
-          <a:defRPr kumimoji="0" sz="1800" b="0" i="0" u="none" strike="noStrike" cap="none" spc="0" normalizeH="0" baseline="0">
+          <a:defRPr b="0" baseline="0" cap="none" i="0" spc="0" strike="noStrike" sz="1800" u="none" kumimoji="0" normalizeH="0">
             <a:ln>
               <a:noFill/>
             </a:ln>
@@ -8154,7 +7689,7 @@
           <a:buFontTx/>
           <a:buNone/>
           <a:tabLst/>
-          <a:defRPr kumimoji="0" sz="1800" b="0" i="0" u="none" strike="noStrike" cap="none" spc="0" normalizeH="0" baseline="0">
+          <a:defRPr b="0" baseline="0" cap="none" i="0" spc="0" strike="noStrike" sz="1800" u="none" kumimoji="0" normalizeH="0">
             <a:ln>
               <a:noFill/>
             </a:ln>
@@ -8180,7 +7715,7 @@
           <a:buFontTx/>
           <a:buNone/>
           <a:tabLst/>
-          <a:defRPr kumimoji="0" sz="1800" b="0" i="0" u="none" strike="noStrike" cap="none" spc="0" normalizeH="0" baseline="0">
+          <a:defRPr b="0" baseline="0" cap="none" i="0" spc="0" strike="noStrike" sz="1800" u="none" kumimoji="0" normalizeH="0">
             <a:ln>
               <a:noFill/>
             </a:ln>
@@ -8206,7 +7741,7 @@
           <a:buFontTx/>
           <a:buNone/>
           <a:tabLst/>
-          <a:defRPr kumimoji="0" sz="1800" b="0" i="0" u="none" strike="noStrike" cap="none" spc="0" normalizeH="0" baseline="0">
+          <a:defRPr b="0" baseline="0" cap="none" i="0" spc="0" strike="noStrike" sz="1800" u="none" kumimoji="0" normalizeH="0">
             <a:ln>
               <a:noFill/>
             </a:ln>
@@ -8232,7 +7767,7 @@
           <a:buFontTx/>
           <a:buNone/>
           <a:tabLst/>
-          <a:defRPr kumimoji="0" sz="1800" b="0" i="0" u="none" strike="noStrike" cap="none" spc="0" normalizeH="0" baseline="0">
+          <a:defRPr b="0" baseline="0" cap="none" i="0" spc="0" strike="noStrike" sz="1800" u="none" kumimoji="0" normalizeH="0">
             <a:ln>
               <a:noFill/>
             </a:ln>
@@ -8258,7 +7793,7 @@
           <a:buFontTx/>
           <a:buNone/>
           <a:tabLst/>
-          <a:defRPr kumimoji="0" sz="1800" b="0" i="0" u="none" strike="noStrike" cap="none" spc="0" normalizeH="0" baseline="0">
+          <a:defRPr b="0" baseline="0" cap="none" i="0" spc="0" strike="noStrike" sz="1800" u="none" kumimoji="0" normalizeH="0">
             <a:ln>
               <a:noFill/>
             </a:ln>
@@ -8284,7 +7819,7 @@
           <a:buFontTx/>
           <a:buNone/>
           <a:tabLst/>
-          <a:defRPr kumimoji="0" sz="1800" b="0" i="0" u="none" strike="noStrike" cap="none" spc="0" normalizeH="0" baseline="0">
+          <a:defRPr b="0" baseline="0" cap="none" i="0" spc="0" strike="noStrike" sz="1800" u="none" kumimoji="0" normalizeH="0">
             <a:ln>
               <a:noFill/>
             </a:ln>
@@ -8297,15 +7832,9 @@
         </a:lvl9pPr>
       </a:lstStyle>
       <a:style>
-        <a:lnRef idx="0">
-          <a:scrgbClr r="0" g="0" b="0"/>
-        </a:lnRef>
-        <a:fillRef idx="0">
-          <a:scrgbClr r="0" g="0" b="0"/>
-        </a:fillRef>
-        <a:effectRef idx="0">
-          <a:scrgbClr r="0" g="0" b="0"/>
-        </a:effectRef>
+        <a:lnRef idx="0"/>
+        <a:fillRef idx="0"/>
+        <a:effectRef idx="0"/>
         <a:fontRef idx="none"/>
       </a:style>
     </a:spDef>
@@ -8320,15 +7849,15 @@
           <a:round/>
         </a:ln>
         <a:effectLst>
-          <a:outerShdw blurRad="38100" dist="20000" dir="5400000" rotWithShape="0">
+          <a:outerShdw sx="100000" sy="100000" kx="0" ky="0" algn="b" rotWithShape="0" blurRad="38100" dist="23000" dir="5400000">
             <a:srgbClr val="000000">
-              <a:alpha val="38000"/>
+              <a:alpha val="35000"/>
             </a:srgbClr>
           </a:outerShdw>
         </a:effectLst>
         <a:sp3d/>
       </a:spPr>
-      <a:bodyPr rot="0" spcFirstLastPara="1" vertOverflow="overflow" horzOverflow="overflow" vert="horz" wrap="square" lIns="91439" tIns="45719" rIns="91439" bIns="45719" numCol="1" spcCol="38100" rtlCol="0" anchor="t">
+      <a:bodyPr rot="0" spcFirstLastPara="1" vertOverflow="overflow" horzOverflow="overflow" vert="horz" wrap="square" lIns="91439" tIns="45719" rIns="91439" bIns="45719" numCol="1" spcCol="38100" rtlCol="0" anchor="t" upright="0">
         <a:noAutofit/>
       </a:bodyPr>
       <a:lstStyle>
@@ -8347,7 +7876,7 @@
           <a:buFontTx/>
           <a:buNone/>
           <a:tabLst/>
-          <a:defRPr kumimoji="0" sz="1800" b="0" i="0" u="none" strike="noStrike" cap="none" spc="0" normalizeH="0" baseline="0">
+          <a:defRPr b="0" baseline="0" cap="none" i="0" spc="0" strike="noStrike" sz="1800" u="none" kumimoji="0" normalizeH="0">
             <a:ln>
               <a:noFill/>
             </a:ln>
@@ -8373,7 +7902,7 @@
           <a:buFontTx/>
           <a:buNone/>
           <a:tabLst/>
-          <a:defRPr kumimoji="0" sz="1800" b="0" i="0" u="none" strike="noStrike" cap="none" spc="0" normalizeH="0" baseline="0">
+          <a:defRPr b="0" baseline="0" cap="none" i="0" spc="0" strike="noStrike" sz="1800" u="none" kumimoji="0" normalizeH="0">
             <a:ln>
               <a:noFill/>
             </a:ln>
@@ -8399,7 +7928,7 @@
           <a:buFontTx/>
           <a:buNone/>
           <a:tabLst/>
-          <a:defRPr kumimoji="0" sz="1800" b="0" i="0" u="none" strike="noStrike" cap="none" spc="0" normalizeH="0" baseline="0">
+          <a:defRPr b="0" baseline="0" cap="none" i="0" spc="0" strike="noStrike" sz="1800" u="none" kumimoji="0" normalizeH="0">
             <a:ln>
               <a:noFill/>
             </a:ln>
@@ -8425,7 +7954,7 @@
           <a:buFontTx/>
           <a:buNone/>
           <a:tabLst/>
-          <a:defRPr kumimoji="0" sz="1800" b="0" i="0" u="none" strike="noStrike" cap="none" spc="0" normalizeH="0" baseline="0">
+          <a:defRPr b="0" baseline="0" cap="none" i="0" spc="0" strike="noStrike" sz="1800" u="none" kumimoji="0" normalizeH="0">
             <a:ln>
               <a:noFill/>
             </a:ln>
@@ -8451,7 +7980,7 @@
           <a:buFontTx/>
           <a:buNone/>
           <a:tabLst/>
-          <a:defRPr kumimoji="0" sz="1800" b="0" i="0" u="none" strike="noStrike" cap="none" spc="0" normalizeH="0" baseline="0">
+          <a:defRPr b="0" baseline="0" cap="none" i="0" spc="0" strike="noStrike" sz="1800" u="none" kumimoji="0" normalizeH="0">
             <a:ln>
               <a:noFill/>
             </a:ln>
@@ -8477,7 +8006,7 @@
           <a:buFontTx/>
           <a:buNone/>
           <a:tabLst/>
-          <a:defRPr kumimoji="0" sz="1800" b="0" i="0" u="none" strike="noStrike" cap="none" spc="0" normalizeH="0" baseline="0">
+          <a:defRPr b="0" baseline="0" cap="none" i="0" spc="0" strike="noStrike" sz="1800" u="none" kumimoji="0" normalizeH="0">
             <a:ln>
               <a:noFill/>
             </a:ln>
@@ -8503,7 +8032,7 @@
           <a:buFontTx/>
           <a:buNone/>
           <a:tabLst/>
-          <a:defRPr kumimoji="0" sz="1800" b="0" i="0" u="none" strike="noStrike" cap="none" spc="0" normalizeH="0" baseline="0">
+          <a:defRPr b="0" baseline="0" cap="none" i="0" spc="0" strike="noStrike" sz="1800" u="none" kumimoji="0" normalizeH="0">
             <a:ln>
               <a:noFill/>
             </a:ln>
@@ -8529,7 +8058,7 @@
           <a:buFontTx/>
           <a:buNone/>
           <a:tabLst/>
-          <a:defRPr kumimoji="0" sz="1800" b="0" i="0" u="none" strike="noStrike" cap="none" spc="0" normalizeH="0" baseline="0">
+          <a:defRPr b="0" baseline="0" cap="none" i="0" spc="0" strike="noStrike" sz="1800" u="none" kumimoji="0" normalizeH="0">
             <a:ln>
               <a:noFill/>
             </a:ln>
@@ -8555,7 +8084,7 @@
           <a:buFontTx/>
           <a:buNone/>
           <a:tabLst/>
-          <a:defRPr kumimoji="0" sz="1800" b="0" i="0" u="none" strike="noStrike" cap="none" spc="0" normalizeH="0" baseline="0">
+          <a:defRPr b="0" baseline="0" cap="none" i="0" spc="0" strike="noStrike" sz="1800" u="none" kumimoji="0" normalizeH="0">
             <a:ln>
               <a:noFill/>
             </a:ln>
@@ -8581,7 +8110,7 @@
           <a:buFontTx/>
           <a:buNone/>
           <a:tabLst/>
-          <a:defRPr kumimoji="0" sz="1800" b="0" i="0" u="none" strike="noStrike" cap="none" spc="0" normalizeH="0" baseline="0">
+          <a:defRPr b="0" baseline="0" cap="none" i="0" spc="0" strike="noStrike" sz="1800" u="none" kumimoji="0" normalizeH="0">
             <a:ln>
               <a:noFill/>
             </a:ln>
@@ -8594,15 +8123,9 @@
         </a:lvl9pPr>
       </a:lstStyle>
       <a:style>
-        <a:lnRef idx="0">
-          <a:scrgbClr r="0" g="0" b="0"/>
-        </a:lnRef>
-        <a:fillRef idx="0">
-          <a:scrgbClr r="0" g="0" b="0"/>
-        </a:fillRef>
-        <a:effectRef idx="0">
-          <a:scrgbClr r="0" g="0" b="0"/>
-        </a:effectRef>
+        <a:lnRef idx="0"/>
+        <a:fillRef idx="0"/>
+        <a:effectRef idx="0"/>
         <a:fontRef idx="none"/>
       </a:style>
     </a:lnDef>
@@ -8616,7 +8139,7 @@
         <a:effectLst/>
         <a:sp3d/>
       </a:spPr>
-      <a:bodyPr rot="0" spcFirstLastPara="1" vertOverflow="overflow" horzOverflow="overflow" vert="horz" wrap="square" lIns="45719" tIns="45719" rIns="45719" bIns="45719" numCol="1" spcCol="38100" rtlCol="0" anchor="t">
+      <a:bodyPr rot="0" spcFirstLastPara="1" vertOverflow="overflow" horzOverflow="overflow" vert="horz" wrap="square" lIns="45718" tIns="45718" rIns="45718" bIns="45718" numCol="1" spcCol="38100" rtlCol="0" anchor="t" upright="0">
         <a:spAutoFit/>
       </a:bodyPr>
       <a:lstStyle>
@@ -8635,7 +8158,7 @@
           <a:buFontTx/>
           <a:buNone/>
           <a:tabLst/>
-          <a:defRPr kumimoji="0" sz="1800" b="0" i="0" u="none" strike="noStrike" cap="none" spc="0" normalizeH="0" baseline="0">
+          <a:defRPr b="0" baseline="0" cap="none" i="0" spc="0" strike="noStrike" sz="1800" u="none" kumimoji="0" normalizeH="0">
             <a:ln>
               <a:noFill/>
             </a:ln>
@@ -8647,7 +8170,7 @@
             <a:latin typeface="+mj-lt"/>
             <a:ea typeface="+mj-ea"/>
             <a:cs typeface="+mj-cs"/>
-            <a:sym typeface="Calibri"/>
+            <a:sym typeface="Helvetica"/>
           </a:defRPr>
         </a:defPPr>
         <a:lvl1pPr marL="0" marR="0" indent="0" algn="l" defTabSz="914400" rtl="0" fontAlgn="auto" latinLnBrk="1" hangingPunct="0">
@@ -8665,7 +8188,7 @@
           <a:buFontTx/>
           <a:buNone/>
           <a:tabLst/>
-          <a:defRPr kumimoji="0" sz="1800" b="0" i="0" u="none" strike="noStrike" cap="none" spc="0" normalizeH="0" baseline="0">
+          <a:defRPr b="0" baseline="0" cap="none" i="0" spc="0" strike="noStrike" sz="1800" u="none" kumimoji="0" normalizeH="0">
             <a:ln>
               <a:noFill/>
             </a:ln>
@@ -8691,7 +8214,7 @@
           <a:buFontTx/>
           <a:buNone/>
           <a:tabLst/>
-          <a:defRPr kumimoji="0" sz="1800" b="0" i="0" u="none" strike="noStrike" cap="none" spc="0" normalizeH="0" baseline="0">
+          <a:defRPr b="0" baseline="0" cap="none" i="0" spc="0" strike="noStrike" sz="1800" u="none" kumimoji="0" normalizeH="0">
             <a:ln>
               <a:noFill/>
             </a:ln>
@@ -8717,7 +8240,7 @@
           <a:buFontTx/>
           <a:buNone/>
           <a:tabLst/>
-          <a:defRPr kumimoji="0" sz="1800" b="0" i="0" u="none" strike="noStrike" cap="none" spc="0" normalizeH="0" baseline="0">
+          <a:defRPr b="0" baseline="0" cap="none" i="0" spc="0" strike="noStrike" sz="1800" u="none" kumimoji="0" normalizeH="0">
             <a:ln>
               <a:noFill/>
             </a:ln>
@@ -8743,7 +8266,7 @@
           <a:buFontTx/>
           <a:buNone/>
           <a:tabLst/>
-          <a:defRPr kumimoji="0" sz="1800" b="0" i="0" u="none" strike="noStrike" cap="none" spc="0" normalizeH="0" baseline="0">
+          <a:defRPr b="0" baseline="0" cap="none" i="0" spc="0" strike="noStrike" sz="1800" u="none" kumimoji="0" normalizeH="0">
             <a:ln>
               <a:noFill/>
             </a:ln>
@@ -8769,7 +8292,7 @@
           <a:buFontTx/>
           <a:buNone/>
           <a:tabLst/>
-          <a:defRPr kumimoji="0" sz="1800" b="0" i="0" u="none" strike="noStrike" cap="none" spc="0" normalizeH="0" baseline="0">
+          <a:defRPr b="0" baseline="0" cap="none" i="0" spc="0" strike="noStrike" sz="1800" u="none" kumimoji="0" normalizeH="0">
             <a:ln>
               <a:noFill/>
             </a:ln>
@@ -8795,7 +8318,7 @@
           <a:buFontTx/>
           <a:buNone/>
           <a:tabLst/>
-          <a:defRPr kumimoji="0" sz="1800" b="0" i="0" u="none" strike="noStrike" cap="none" spc="0" normalizeH="0" baseline="0">
+          <a:defRPr b="0" baseline="0" cap="none" i="0" spc="0" strike="noStrike" sz="1800" u="none" kumimoji="0" normalizeH="0">
             <a:ln>
               <a:noFill/>
             </a:ln>
@@ -8821,7 +8344,7 @@
           <a:buFontTx/>
           <a:buNone/>
           <a:tabLst/>
-          <a:defRPr kumimoji="0" sz="1800" b="0" i="0" u="none" strike="noStrike" cap="none" spc="0" normalizeH="0" baseline="0">
+          <a:defRPr b="0" baseline="0" cap="none" i="0" spc="0" strike="noStrike" sz="1800" u="none" kumimoji="0" normalizeH="0">
             <a:ln>
               <a:noFill/>
             </a:ln>
@@ -8847,7 +8370,7 @@
           <a:buFontTx/>
           <a:buNone/>
           <a:tabLst/>
-          <a:defRPr kumimoji="0" sz="1800" b="0" i="0" u="none" strike="noStrike" cap="none" spc="0" normalizeH="0" baseline="0">
+          <a:defRPr b="0" baseline="0" cap="none" i="0" spc="0" strike="noStrike" sz="1800" u="none" kumimoji="0" normalizeH="0">
             <a:ln>
               <a:noFill/>
             </a:ln>
@@ -8873,7 +8396,7 @@
           <a:buFontTx/>
           <a:buNone/>
           <a:tabLst/>
-          <a:defRPr kumimoji="0" sz="1800" b="0" i="0" u="none" strike="noStrike" cap="none" spc="0" normalizeH="0" baseline="0">
+          <a:defRPr b="0" baseline="0" cap="none" i="0" spc="0" strike="noStrike" sz="1800" u="none" kumimoji="0" normalizeH="0">
             <a:ln>
               <a:noFill/>
             </a:ln>
@@ -8886,19 +8409,12 @@
         </a:lvl9pPr>
       </a:lstStyle>
       <a:style>
-        <a:lnRef idx="0">
-          <a:scrgbClr r="0" g="0" b="0"/>
-        </a:lnRef>
-        <a:fillRef idx="0">
-          <a:scrgbClr r="0" g="0" b="0"/>
-        </a:fillRef>
-        <a:effectRef idx="0">
-          <a:scrgbClr r="0" g="0" b="0"/>
-        </a:effectRef>
+        <a:lnRef idx="0"/>
+        <a:fillRef idx="0"/>
+        <a:effectRef idx="0"/>
         <a:fontRef idx="none"/>
       </a:style>
     </a:txDef>
   </a:objectDefaults>
-  <a:extraClrSchemeLst/>
 </a:theme>
 </file>